--- a/computer_science/ai/natural_language_processing/dialogue/papers/Augmenting End-to-End Dialogue Systems.pptx
+++ b/computer_science/ai/natural_language_processing/dialogue/papers/Augmenting End-to-End Dialogue Systems.pptx
@@ -10,8 +10,8 @@
   <p:sldIdLst>
     <p:sldId id="256" r:id="rId2"/>
     <p:sldId id="257" r:id="rId3"/>
-    <p:sldId id="258" r:id="rId4"/>
-    <p:sldId id="281" r:id="rId5"/>
+    <p:sldId id="281" r:id="rId4"/>
+    <p:sldId id="258" r:id="rId5"/>
     <p:sldId id="259" r:id="rId6"/>
     <p:sldId id="260" r:id="rId7"/>
     <p:sldId id="261" r:id="rId8"/>
@@ -132,6 +132,11 @@
       </a:defRPr>
     </a:lvl9pPr>
   </p:defaultTextStyle>
+  <p:extLst>
+    <p:ext uri="{EFAFB233-063F-42B5-8137-9DF3F51BA10A}">
+      <p15:sldGuideLst xmlns:p15="http://schemas.microsoft.com/office/powerpoint/2012/main"/>
+    </p:ext>
+  </p:extLst>
 </p:presentation>
 </file>
 
@@ -217,7 +222,7 @@
           <a:p>
             <a:fld id="{8A3F4A0D-9EE2-4FBB-8AF8-023CCB924446}" type="datetimeFigureOut">
               <a:rPr lang="zh-CN" altLang="en-US" smtClean="0"/>
-              <a:t>2019/4/22</a:t>
+              <a:t>2019/5/13</a:t>
             </a:fld>
             <a:endParaRPr lang="zh-CN" altLang="en-US"/>
           </a:p>
@@ -531,11 +536,348 @@
           <a:p>
             <a:r>
               <a:rPr lang="en-US" altLang="zh-CN" dirty="0" smtClean="0"/>
-              <a:t>generation-based methods:</a:t>
+              <a:t>Dialogue</a:t>
+            </a:r>
+          </a:p>
+          <a:p>
+            <a:r>
+              <a:rPr lang="zh-CN" altLang="en-US" dirty="0" smtClean="0"/>
+              <a:t>单轮</a:t>
+            </a:r>
+            <a:endParaRPr lang="en-US" altLang="zh-CN" dirty="0" smtClean="0"/>
+          </a:p>
+          <a:p>
+            <a:r>
+              <a:rPr lang="zh-CN" altLang="en-US" dirty="0" smtClean="0"/>
+              <a:t>基于检索</a:t>
+            </a:r>
+            <a:endParaRPr lang="zh-CN" altLang="en-US" dirty="0"/>
+          </a:p>
+        </p:txBody>
+      </p:sp>
+      <p:sp>
+        <p:nvSpPr>
+          <p:cNvPr id="4" name="灯片编号占位符 3"/>
+          <p:cNvSpPr>
+            <a:spLocks noGrp="1"/>
+          </p:cNvSpPr>
+          <p:nvPr>
+            <p:ph type="sldNum" sz="quarter" idx="10"/>
+          </p:nvPr>
+        </p:nvSpPr>
+        <p:spPr/>
+        <p:txBody>
+          <a:bodyPr/>
+          <a:lstStyle/>
+          <a:p>
+            <a:fld id="{512C64C2-923E-4E49-A89E-DFD78E65AD4F}" type="slidenum">
+              <a:rPr lang="zh-CN" altLang="en-US" smtClean="0"/>
+              <a:t>1</a:t>
+            </a:fld>
+            <a:endParaRPr lang="zh-CN" altLang="en-US"/>
+          </a:p>
+        </p:txBody>
+      </p:sp>
+    </p:spTree>
+    <p:extLst>
+      <p:ext uri="{BB962C8B-B14F-4D97-AF65-F5344CB8AC3E}">
+        <p14:creationId xmlns:p14="http://schemas.microsoft.com/office/powerpoint/2010/main" val="1176050627"/>
+      </p:ext>
+    </p:extLst>
+  </p:cSld>
+  <p:clrMapOvr>
+    <a:masterClrMapping/>
+  </p:clrMapOvr>
+</p:notes>
+</file>
+
+<file path=ppt/notesSlides/notesSlide10.xml><?xml version="1.0" encoding="utf-8"?>
+<p:notes xmlns:a="http://schemas.openxmlformats.org/drawingml/2006/main" xmlns:r="http://schemas.openxmlformats.org/officeDocument/2006/relationships" xmlns:p="http://schemas.openxmlformats.org/presentationml/2006/main">
+  <p:cSld>
+    <p:spTree>
+      <p:nvGrpSpPr>
+        <p:cNvPr id="1" name=""/>
+        <p:cNvGrpSpPr/>
+        <p:nvPr/>
+      </p:nvGrpSpPr>
+      <p:grpSpPr>
+        <a:xfrm>
+          <a:off x="0" y="0"/>
+          <a:ext cx="0" cy="0"/>
+          <a:chOff x="0" y="0"/>
+          <a:chExt cx="0" cy="0"/>
+        </a:xfrm>
+      </p:grpSpPr>
+      <p:sp>
+        <p:nvSpPr>
+          <p:cNvPr id="2" name="幻灯片图像占位符 1"/>
+          <p:cNvSpPr>
+            <a:spLocks noGrp="1" noRot="1" noChangeAspect="1"/>
+          </p:cNvSpPr>
+          <p:nvPr>
+            <p:ph type="sldImg"/>
+          </p:nvPr>
+        </p:nvSpPr>
+        <p:spPr/>
+      </p:sp>
+      <p:sp>
+        <p:nvSpPr>
+          <p:cNvPr id="3" name="备注占位符 2"/>
+          <p:cNvSpPr>
+            <a:spLocks noGrp="1"/>
+          </p:cNvSpPr>
+          <p:nvPr>
+            <p:ph type="body" idx="1"/>
+          </p:nvPr>
+        </p:nvSpPr>
+        <p:spPr/>
+        <p:txBody>
+          <a:bodyPr/>
+          <a:lstStyle/>
+          <a:p>
+            <a:r>
+              <a:rPr lang="en-US" altLang="zh-CN" dirty="0" smtClean="0"/>
+              <a:t>unigrams</a:t>
+            </a:r>
+          </a:p>
+          <a:p>
+            <a:r>
+              <a:rPr lang="en-US" altLang="zh-CN" dirty="0" smtClean="0"/>
+              <a:t>bi-grams</a:t>
+            </a:r>
+          </a:p>
+          <a:p>
+            <a:r>
+              <a:rPr lang="en-US" altLang="zh-CN" dirty="0" smtClean="0"/>
+              <a:t>tri-grams</a:t>
+            </a:r>
+            <a:endParaRPr lang="zh-CN" altLang="en-US" dirty="0"/>
+          </a:p>
+        </p:txBody>
+      </p:sp>
+      <p:sp>
+        <p:nvSpPr>
+          <p:cNvPr id="4" name="灯片编号占位符 3"/>
+          <p:cNvSpPr>
+            <a:spLocks noGrp="1"/>
+          </p:cNvSpPr>
+          <p:nvPr>
+            <p:ph type="sldNum" sz="quarter" idx="10"/>
+          </p:nvPr>
+        </p:nvSpPr>
+        <p:spPr/>
+        <p:txBody>
+          <a:bodyPr/>
+          <a:lstStyle/>
+          <a:p>
+            <a:fld id="{512C64C2-923E-4E49-A89E-DFD78E65AD4F}" type="slidenum">
+              <a:rPr lang="zh-CN" altLang="en-US" smtClean="0"/>
+              <a:t>21</a:t>
+            </a:fld>
+            <a:endParaRPr lang="zh-CN" altLang="en-US"/>
+          </a:p>
+        </p:txBody>
+      </p:sp>
+    </p:spTree>
+    <p:extLst>
+      <p:ext uri="{BB962C8B-B14F-4D97-AF65-F5344CB8AC3E}">
+        <p14:creationId xmlns:p14="http://schemas.microsoft.com/office/powerpoint/2010/main" val="2791241350"/>
+      </p:ext>
+    </p:extLst>
+  </p:cSld>
+  <p:clrMapOvr>
+    <a:masterClrMapping/>
+  </p:clrMapOvr>
+</p:notes>
+</file>
+
+<file path=ppt/notesSlides/notesSlide11.xml><?xml version="1.0" encoding="utf-8"?>
+<p:notes xmlns:a="http://schemas.openxmlformats.org/drawingml/2006/main" xmlns:r="http://schemas.openxmlformats.org/officeDocument/2006/relationships" xmlns:p="http://schemas.openxmlformats.org/presentationml/2006/main">
+  <p:cSld>
+    <p:spTree>
+      <p:nvGrpSpPr>
+        <p:cNvPr id="1" name=""/>
+        <p:cNvGrpSpPr/>
+        <p:nvPr/>
+      </p:nvGrpSpPr>
+      <p:grpSpPr>
+        <a:xfrm>
+          <a:off x="0" y="0"/>
+          <a:ext cx="0" cy="0"/>
+          <a:chOff x="0" y="0"/>
+          <a:chExt cx="0" cy="0"/>
+        </a:xfrm>
+      </p:grpSpPr>
+      <p:sp>
+        <p:nvSpPr>
+          <p:cNvPr id="2" name="幻灯片图像占位符 1"/>
+          <p:cNvSpPr>
+            <a:spLocks noGrp="1" noRot="1" noChangeAspect="1"/>
+          </p:cNvSpPr>
+          <p:nvPr>
+            <p:ph type="sldImg"/>
+          </p:nvPr>
+        </p:nvSpPr>
+        <p:spPr/>
+      </p:sp>
+      <p:sp>
+        <p:nvSpPr>
+          <p:cNvPr id="3" name="备注占位符 2"/>
+          <p:cNvSpPr>
+            <a:spLocks noGrp="1"/>
+          </p:cNvSpPr>
+          <p:nvPr>
+            <p:ph type="body" idx="1"/>
+          </p:nvPr>
+        </p:nvSpPr>
+        <p:spPr/>
+        <p:txBody>
+          <a:bodyPr/>
+          <a:lstStyle/>
+          <a:p>
+            <a:r>
+              <a:rPr lang="en-US" altLang="zh-CN" dirty="0" smtClean="0">
+                <a:solidFill>
+                  <a:srgbClr val="FF0000"/>
+                </a:solidFill>
+              </a:rPr>
+              <a:t>max-pooling</a:t>
+            </a:r>
+            <a:r>
+              <a:rPr lang="en-US" altLang="zh-CN" baseline="0" dirty="0" smtClean="0">
+                <a:solidFill>
+                  <a:srgbClr val="FF0000"/>
+                </a:solidFill>
+              </a:rPr>
+              <a:t> and average-pooling</a:t>
+            </a:r>
+            <a:endParaRPr lang="en-US" altLang="zh-CN" dirty="0" smtClean="0">
+              <a:solidFill>
+                <a:srgbClr val="FF0000"/>
+              </a:solidFill>
+            </a:endParaRPr>
+          </a:p>
+          <a:p>
+            <a:r>
+              <a:rPr lang="en-US" altLang="zh-CN" dirty="0" smtClean="0">
+                <a:solidFill>
+                  <a:srgbClr val="FF0000"/>
+                </a:solidFill>
+              </a:rPr>
+              <a:t>vague</a:t>
+            </a:r>
+            <a:r>
+              <a:rPr lang="zh-CN" altLang="en-US" dirty="0" smtClean="0">
+                <a:solidFill>
+                  <a:srgbClr val="FF0000"/>
+                </a:solidFill>
+              </a:rPr>
+              <a:t>：不清楚的，含糊的</a:t>
+            </a:r>
+            <a:endParaRPr lang="zh-CN" altLang="en-US" dirty="0">
+              <a:solidFill>
+                <a:srgbClr val="FF0000"/>
+              </a:solidFill>
+            </a:endParaRPr>
+          </a:p>
+        </p:txBody>
+      </p:sp>
+      <p:sp>
+        <p:nvSpPr>
+          <p:cNvPr id="4" name="灯片编号占位符 3"/>
+          <p:cNvSpPr>
+            <a:spLocks noGrp="1"/>
+          </p:cNvSpPr>
+          <p:nvPr>
+            <p:ph type="sldNum" sz="quarter" idx="10"/>
+          </p:nvPr>
+        </p:nvSpPr>
+        <p:spPr/>
+        <p:txBody>
+          <a:bodyPr/>
+          <a:lstStyle/>
+          <a:p>
+            <a:fld id="{512C64C2-923E-4E49-A89E-DFD78E65AD4F}" type="slidenum">
+              <a:rPr lang="zh-CN" altLang="en-US" smtClean="0"/>
+              <a:t>22</a:t>
+            </a:fld>
+            <a:endParaRPr lang="zh-CN" altLang="en-US"/>
+          </a:p>
+        </p:txBody>
+      </p:sp>
+    </p:spTree>
+    <p:extLst>
+      <p:ext uri="{BB962C8B-B14F-4D97-AF65-F5344CB8AC3E}">
+        <p14:creationId xmlns:p14="http://schemas.microsoft.com/office/powerpoint/2010/main" val="1585914400"/>
+      </p:ext>
+    </p:extLst>
+  </p:cSld>
+  <p:clrMapOvr>
+    <a:masterClrMapping/>
+  </p:clrMapOvr>
+</p:notes>
+</file>
+
+<file path=ppt/notesSlides/notesSlide12.xml><?xml version="1.0" encoding="utf-8"?>
+<p:notes xmlns:a="http://schemas.openxmlformats.org/drawingml/2006/main" xmlns:r="http://schemas.openxmlformats.org/officeDocument/2006/relationships" xmlns:p="http://schemas.openxmlformats.org/presentationml/2006/main">
+  <p:cSld>
+    <p:spTree>
+      <p:nvGrpSpPr>
+        <p:cNvPr id="1" name=""/>
+        <p:cNvGrpSpPr/>
+        <p:nvPr/>
+      </p:nvGrpSpPr>
+      <p:grpSpPr>
+        <a:xfrm>
+          <a:off x="0" y="0"/>
+          <a:ext cx="0" cy="0"/>
+          <a:chOff x="0" y="0"/>
+          <a:chExt cx="0" cy="0"/>
+        </a:xfrm>
+      </p:grpSpPr>
+      <p:sp>
+        <p:nvSpPr>
+          <p:cNvPr id="2" name="幻灯片图像占位符 1"/>
+          <p:cNvSpPr>
+            <a:spLocks noGrp="1" noRot="1" noChangeAspect="1"/>
+          </p:cNvSpPr>
+          <p:nvPr>
+            <p:ph type="sldImg"/>
+          </p:nvPr>
+        </p:nvSpPr>
+        <p:spPr/>
+      </p:sp>
+      <p:sp>
+        <p:nvSpPr>
+          <p:cNvPr id="3" name="备注占位符 2"/>
+          <p:cNvSpPr>
+            <a:spLocks noGrp="1"/>
+          </p:cNvSpPr>
+          <p:nvPr>
+            <p:ph type="body" idx="1"/>
+          </p:nvPr>
+        </p:nvSpPr>
+        <p:spPr/>
+        <p:txBody>
+          <a:bodyPr/>
+          <a:lstStyle/>
+          <a:p>
+            <a:r>
+              <a:rPr lang="en-US" altLang="zh-CN" dirty="0" smtClean="0"/>
+              <a:t>instance</a:t>
             </a:r>
             <a:r>
               <a:rPr lang="en-US" altLang="zh-CN" baseline="0" dirty="0" smtClean="0"/>
-              <a:t> </a:t>
+              <a:t> 3: Informally speaking, such cases suggest that to some extent, Dual-LSTM (models with no memory) is able to encode certain commonsense knowledge in model parameters (e.g., word embeddings) in an implicit way.</a:t>
+            </a:r>
+          </a:p>
+          <a:p>
+            <a:endParaRPr lang="en-US" altLang="zh-CN" baseline="0" dirty="0" smtClean="0"/>
+          </a:p>
+          <a:p>
+            <a:r>
+              <a:rPr lang="en-US" altLang="zh-CN" baseline="0" dirty="0" smtClean="0"/>
+              <a:t>instance 4: </a:t>
             </a:r>
             <a:r>
               <a:rPr lang="en-US" altLang="zh-CN" sz="1200" b="0" i="0" u="none" strike="noStrike" kern="1200" baseline="0" dirty="0" smtClean="0">
@@ -546,155 +888,8 @@
                 <a:ea typeface="+mn-ea"/>
                 <a:cs typeface="+mn-cs"/>
               </a:rPr>
-              <a:t>which employ an encoder-decoder framework where the message is encoded into a vector representation and, then, fed to the decoder to generate the response.</a:t>
-            </a:r>
-          </a:p>
-          <a:p>
-            <a:r>
-              <a:rPr lang="en-US" altLang="zh-CN" dirty="0" smtClean="0">
-                <a:solidFill>
-                  <a:srgbClr val="FF0000"/>
-                </a:solidFill>
-              </a:rPr>
-              <a:t>dull</a:t>
-            </a:r>
-            <a:r>
-              <a:rPr lang="en-US" altLang="zh-CN" dirty="0" smtClean="0"/>
-              <a:t> or </a:t>
-            </a:r>
-            <a:r>
-              <a:rPr lang="en-US" altLang="zh-CN" dirty="0" smtClean="0">
-                <a:solidFill>
-                  <a:srgbClr val="FF0000"/>
-                </a:solidFill>
-              </a:rPr>
-              <a:t>vague</a:t>
-            </a:r>
-            <a:r>
-              <a:rPr lang="en-US" altLang="zh-CN" dirty="0" smtClean="0">
-                <a:solidFill>
-                  <a:schemeClr val="tx1"/>
-                </a:solidFill>
-              </a:rPr>
-              <a:t>:</a:t>
-            </a:r>
-            <a:r>
-              <a:rPr lang="en-US" altLang="zh-CN" baseline="0" dirty="0" smtClean="0">
-                <a:solidFill>
-                  <a:schemeClr val="tx1"/>
-                </a:solidFill>
-              </a:rPr>
-              <a:t> </a:t>
-            </a:r>
-            <a:r>
-              <a:rPr lang="zh-CN" altLang="en-US" baseline="0" dirty="0" smtClean="0">
-                <a:solidFill>
-                  <a:schemeClr val="tx1"/>
-                </a:solidFill>
-              </a:rPr>
-              <a:t>枯燥的，含糊的</a:t>
-            </a:r>
-            <a:endParaRPr lang="en-US" altLang="zh-CN" baseline="0" dirty="0" smtClean="0">
-              <a:solidFill>
-                <a:schemeClr val="tx1"/>
-              </a:solidFill>
-            </a:endParaRPr>
-          </a:p>
-          <a:p>
-            <a:endParaRPr lang="en-US" altLang="zh-CN" baseline="0" dirty="0" smtClean="0">
-              <a:solidFill>
-                <a:schemeClr val="tx1"/>
-              </a:solidFill>
-            </a:endParaRPr>
-          </a:p>
-          <a:p>
-            <a:r>
-              <a:rPr lang="en-US" altLang="zh-CN" dirty="0" smtClean="0"/>
-              <a:t>The latter is more </a:t>
-            </a:r>
-            <a:r>
-              <a:rPr lang="en-US" altLang="zh-CN" dirty="0" smtClean="0">
-                <a:solidFill>
-                  <a:srgbClr val="FF0000"/>
-                </a:solidFill>
-              </a:rPr>
-              <a:t>natural</a:t>
-            </a:r>
-            <a:r>
-              <a:rPr lang="en-US" altLang="zh-CN" dirty="0" smtClean="0"/>
-              <a:t> (as it does not require a </a:t>
-            </a:r>
-            <a:r>
-              <a:rPr lang="en-US" altLang="zh-CN" dirty="0" smtClean="0">
-                <a:solidFill>
-                  <a:srgbClr val="FF0000"/>
-                </a:solidFill>
-              </a:rPr>
-              <a:t>response repository</a:t>
-            </a:r>
-            <a:r>
-              <a:rPr lang="en-US" altLang="zh-CN" dirty="0" smtClean="0"/>
-              <a:t>) yet suffers from generating </a:t>
-            </a:r>
-            <a:r>
-              <a:rPr lang="en-US" altLang="zh-CN" dirty="0" smtClean="0">
-                <a:solidFill>
-                  <a:srgbClr val="FF0000"/>
-                </a:solidFill>
-              </a:rPr>
-              <a:t>dull</a:t>
-            </a:r>
-            <a:r>
-              <a:rPr lang="en-US" altLang="zh-CN" dirty="0" smtClean="0"/>
-              <a:t> or </a:t>
-            </a:r>
-            <a:r>
-              <a:rPr lang="en-US" altLang="zh-CN" dirty="0" smtClean="0">
-                <a:solidFill>
-                  <a:srgbClr val="FF0000"/>
-                </a:solidFill>
-              </a:rPr>
-              <a:t>vague</a:t>
-            </a:r>
-            <a:r>
-              <a:rPr lang="en-US" altLang="zh-CN" dirty="0" smtClean="0"/>
-              <a:t> responses and generally needs </a:t>
-            </a:r>
-            <a:r>
-              <a:rPr lang="en-US" altLang="zh-CN" dirty="0" smtClean="0">
-                <a:solidFill>
-                  <a:srgbClr val="FF0000"/>
-                </a:solidFill>
-              </a:rPr>
-              <a:t>a great amount of training data</a:t>
-            </a:r>
-            <a:r>
-              <a:rPr lang="en-US" altLang="zh-CN" dirty="0" smtClean="0"/>
-              <a:t>.</a:t>
-            </a:r>
-          </a:p>
-          <a:p>
-            <a:endParaRPr lang="en-US" altLang="zh-CN" dirty="0" smtClean="0"/>
-          </a:p>
-          <a:p>
-            <a:r>
-              <a:rPr lang="en-US" altLang="zh-CN" dirty="0" smtClean="0"/>
-              <a:t>The model we propose in this work shares similarities with (Lowe et al. 2015a), which </a:t>
-            </a:r>
-            <a:r>
-              <a:rPr lang="en-US" altLang="zh-CN" dirty="0" smtClean="0">
-                <a:solidFill>
-                  <a:srgbClr val="FF0000"/>
-                </a:solidFill>
-              </a:rPr>
-              <a:t>encoded unstructured textual knowledge </a:t>
-            </a:r>
-            <a:r>
-              <a:rPr lang="en-US" altLang="zh-CN" dirty="0" smtClean="0"/>
-              <a:t>with a recurrent neural network (RNN).</a:t>
-            </a:r>
-          </a:p>
-          <a:p>
+              <a:t>In other cases, e.g., instance 4, the message itself is enough for the selection of the correct response, where both models do equally well.</a:t>
+            </a:r>
             <a:endParaRPr lang="zh-CN" altLang="en-US" dirty="0"/>
           </a:p>
         </p:txBody>
@@ -716,7 +911,7 @@
           <a:p>
             <a:fld id="{512C64C2-923E-4E49-A89E-DFD78E65AD4F}" type="slidenum">
               <a:rPr lang="zh-CN" altLang="en-US" smtClean="0"/>
-              <a:t>5</a:t>
+              <a:t>25</a:t>
             </a:fld>
             <a:endParaRPr lang="zh-CN" altLang="en-US"/>
           </a:p>
@@ -725,7 +920,7 @@
     </p:spTree>
     <p:extLst>
       <p:ext uri="{BB962C8B-B14F-4D97-AF65-F5344CB8AC3E}">
-        <p14:creationId xmlns:p14="http://schemas.microsoft.com/office/powerpoint/2010/main" val="3069368690"/>
+        <p14:creationId xmlns:p14="http://schemas.microsoft.com/office/powerpoint/2010/main" val="1184398995"/>
       </p:ext>
     </p:extLst>
   </p:cSld>
@@ -779,14 +974,6 @@
           <a:bodyPr/>
           <a:lstStyle/>
           <a:p>
-            <a:r>
-              <a:rPr lang="en-US" altLang="zh-CN" dirty="0" smtClean="0"/>
-              <a:t>Objective facts</a:t>
-            </a:r>
-            <a:r>
-              <a:rPr lang="zh-CN" altLang="en-US" dirty="0" smtClean="0"/>
-              <a:t>：客观事实</a:t>
-            </a:r>
             <a:endParaRPr lang="zh-CN" altLang="en-US" dirty="0"/>
           </a:p>
         </p:txBody>
@@ -808,7 +995,7 @@
           <a:p>
             <a:fld id="{512C64C2-923E-4E49-A89E-DFD78E65AD4F}" type="slidenum">
               <a:rPr lang="zh-CN" altLang="en-US" smtClean="0"/>
-              <a:t>6</a:t>
+              <a:t>2</a:t>
             </a:fld>
             <a:endParaRPr lang="zh-CN" altLang="en-US"/>
           </a:p>
@@ -817,7 +1004,7 @@
     </p:spTree>
     <p:extLst>
       <p:ext uri="{BB962C8B-B14F-4D97-AF65-F5344CB8AC3E}">
-        <p14:creationId xmlns:p14="http://schemas.microsoft.com/office/powerpoint/2010/main" val="2580867221"/>
+        <p14:creationId xmlns:p14="http://schemas.microsoft.com/office/powerpoint/2010/main" val="2303320038"/>
       </p:ext>
     </p:extLst>
   </p:cSld>
@@ -872,7 +1059,15 @@
           <a:lstStyle/>
           <a:p>
             <a:r>
-              <a:rPr lang="en-US" altLang="zh-CN" sz="1200" b="0" i="1" u="none" strike="noStrike" kern="1200" baseline="0" dirty="0" smtClean="0">
+              <a:rPr lang="en-US" altLang="zh-CN" dirty="0" smtClean="0"/>
+              <a:t>generation-based methods:</a:t>
+            </a:r>
+            <a:r>
+              <a:rPr lang="en-US" altLang="zh-CN" baseline="0" dirty="0" smtClean="0"/>
+              <a:t> </a:t>
+            </a:r>
+            <a:r>
+              <a:rPr lang="en-US" altLang="zh-CN" sz="1200" b="0" i="0" u="none" strike="noStrike" kern="1200" baseline="0" dirty="0" smtClean="0">
                 <a:solidFill>
                   <a:schemeClr val="tx1"/>
                 </a:solidFill>
@@ -880,159 +1075,157 @@
                 <a:ea typeface="+mn-ea"/>
                 <a:cs typeface="+mn-cs"/>
               </a:rPr>
-              <a:t>Message </a:t>
-            </a:r>
-            <a:r>
-              <a:rPr lang="en-US" altLang="zh-CN" sz="1200" b="0" i="0" u="none" strike="noStrike" kern="1200" baseline="0" dirty="0" smtClean="0">
+              <a:t>which employ an encoder-decoder framework where the message is encoded into a vector representation and, then, fed to the decoder to generate the response.</a:t>
+            </a:r>
+          </a:p>
+          <a:p>
+            <a:r>
+              <a:rPr lang="en-US" altLang="zh-CN" dirty="0" smtClean="0">
+                <a:solidFill>
+                  <a:srgbClr val="FF0000"/>
+                </a:solidFill>
+              </a:rPr>
+              <a:t>dull</a:t>
+            </a:r>
+            <a:r>
+              <a:rPr lang="en-US" altLang="zh-CN" dirty="0" smtClean="0"/>
+              <a:t> or </a:t>
+            </a:r>
+            <a:r>
+              <a:rPr lang="en-US" altLang="zh-CN" dirty="0" smtClean="0">
+                <a:solidFill>
+                  <a:srgbClr val="FF0000"/>
+                </a:solidFill>
+              </a:rPr>
+              <a:t>vague</a:t>
+            </a:r>
+            <a:r>
+              <a:rPr lang="en-US" altLang="zh-CN" dirty="0" smtClean="0">
                 <a:solidFill>
                   <a:schemeClr val="tx1"/>
                 </a:solidFill>
-                <a:latin typeface="+mn-lt"/>
-                <a:ea typeface="+mn-ea"/>
-                <a:cs typeface="+mn-cs"/>
-              </a:rPr>
-              <a:t>(</a:t>
-            </a:r>
-            <a:r>
-              <a:rPr lang="en-US" altLang="zh-CN" sz="1200" b="0" i="1" u="none" strike="noStrike" kern="1200" baseline="0" dirty="0" smtClean="0">
+              </a:rPr>
+              <a:t>:</a:t>
+            </a:r>
+            <a:r>
+              <a:rPr lang="en-US" altLang="zh-CN" baseline="0" dirty="0" smtClean="0">
                 <a:solidFill>
                   <a:schemeClr val="tx1"/>
                 </a:solidFill>
-                <a:latin typeface="+mn-lt"/>
-                <a:ea typeface="+mn-ea"/>
-                <a:cs typeface="+mn-cs"/>
-              </a:rPr>
-              <a:t>context</a:t>
-            </a:r>
-            <a:r>
-              <a:rPr lang="en-US" altLang="zh-CN" sz="1200" b="0" i="0" u="none" strike="noStrike" kern="1200" baseline="0" dirty="0" smtClean="0">
+              </a:rPr>
+              <a:t> </a:t>
+            </a:r>
+            <a:r>
+              <a:rPr lang="zh-CN" altLang="en-US" baseline="0" dirty="0" smtClean="0">
                 <a:solidFill>
                   <a:schemeClr val="tx1"/>
                 </a:solidFill>
-                <a:latin typeface="+mn-lt"/>
-                <a:ea typeface="+mn-ea"/>
-                <a:cs typeface="+mn-cs"/>
-              </a:rPr>
-              <a:t>) </a:t>
-            </a:r>
-            <a:r>
-              <a:rPr lang="en-US" altLang="zh-CN" sz="1200" b="0" i="1" u="none" strike="noStrike" kern="1200" baseline="0" dirty="0" smtClean="0">
-                <a:solidFill>
-                  <a:schemeClr val="tx1"/>
-                </a:solidFill>
-                <a:latin typeface="+mn-lt"/>
-                <a:ea typeface="+mn-ea"/>
-                <a:cs typeface="+mn-cs"/>
-              </a:rPr>
-              <a:t>x </a:t>
-            </a:r>
-            <a:r>
-              <a:rPr lang="en-US" altLang="zh-CN" sz="1200" b="0" i="0" u="none" strike="noStrike" kern="1200" baseline="0" dirty="0" smtClean="0">
-                <a:solidFill>
-                  <a:schemeClr val="tx1"/>
-                </a:solidFill>
-                <a:latin typeface="+mn-lt"/>
-                <a:ea typeface="+mn-ea"/>
-                <a:cs typeface="+mn-cs"/>
-              </a:rPr>
-              <a:t>and </a:t>
-            </a:r>
-            <a:r>
-              <a:rPr lang="en-US" altLang="zh-CN" sz="1200" b="0" i="1" u="none" strike="noStrike" kern="1200" baseline="0" dirty="0" smtClean="0">
-                <a:solidFill>
-                  <a:schemeClr val="tx1"/>
-                </a:solidFill>
-                <a:latin typeface="+mn-lt"/>
-                <a:ea typeface="+mn-ea"/>
-                <a:cs typeface="+mn-cs"/>
-              </a:rPr>
-              <a:t>response y </a:t>
-            </a:r>
-            <a:r>
-              <a:rPr lang="en-US" altLang="zh-CN" sz="1200" b="0" i="0" u="none" strike="noStrike" kern="1200" baseline="0" dirty="0" smtClean="0">
-                <a:solidFill>
-                  <a:schemeClr val="tx1"/>
-                </a:solidFill>
-                <a:latin typeface="+mn-lt"/>
-                <a:ea typeface="+mn-ea"/>
-                <a:cs typeface="+mn-cs"/>
-              </a:rPr>
-              <a:t>are a sequence of tokens from vocabulary </a:t>
-            </a:r>
-            <a:r>
-              <a:rPr lang="en-US" altLang="zh-CN" sz="1200" b="0" i="1" u="none" strike="noStrike" kern="1200" baseline="0" dirty="0" smtClean="0">
-                <a:solidFill>
-                  <a:schemeClr val="tx1"/>
-                </a:solidFill>
-                <a:latin typeface="+mn-lt"/>
-                <a:ea typeface="+mn-ea"/>
-                <a:cs typeface="+mn-cs"/>
-              </a:rPr>
-              <a:t>V </a:t>
-            </a:r>
-            <a:r>
-              <a:rPr lang="en-US" altLang="zh-CN" sz="1200" b="0" i="0" u="none" strike="noStrike" kern="1200" baseline="0" dirty="0" smtClean="0">
-                <a:solidFill>
-                  <a:schemeClr val="tx1"/>
-                </a:solidFill>
-                <a:latin typeface="+mn-lt"/>
-                <a:ea typeface="+mn-ea"/>
-                <a:cs typeface="+mn-cs"/>
-              </a:rPr>
-              <a:t>.</a:t>
-            </a:r>
-          </a:p>
-          <a:p>
-            <a:r>
-              <a:rPr lang="en-US" altLang="zh-CN" sz="1200" b="0" i="0" u="none" strike="noStrike" kern="1200" baseline="0" dirty="0" smtClean="0">
-                <a:solidFill>
-                  <a:srgbClr val="FF0000"/>
-                </a:solidFill>
-                <a:latin typeface="+mn-lt"/>
-                <a:ea typeface="+mn-ea"/>
-                <a:cs typeface="+mn-cs"/>
-              </a:rPr>
-              <a:t>Cross Entropy Loss (</a:t>
-            </a:r>
-            <a:r>
-              <a:rPr lang="zh-CN" altLang="en-US" sz="1200" b="0" i="0" u="none" strike="noStrike" kern="1200" baseline="0" dirty="0" smtClean="0">
-                <a:solidFill>
-                  <a:srgbClr val="FF0000"/>
-                </a:solidFill>
-                <a:latin typeface="+mn-lt"/>
-                <a:ea typeface="+mn-ea"/>
-                <a:cs typeface="+mn-cs"/>
-              </a:rPr>
-              <a:t>交叉嫡验证</a:t>
-            </a:r>
-            <a:r>
-              <a:rPr lang="en-US" altLang="zh-CN" sz="1200" b="0" i="0" u="none" strike="noStrike" kern="1200" baseline="0" dirty="0" smtClean="0">
-                <a:solidFill>
-                  <a:srgbClr val="FF0000"/>
-                </a:solidFill>
-                <a:latin typeface="+mn-lt"/>
-                <a:ea typeface="+mn-ea"/>
-                <a:cs typeface="+mn-cs"/>
-              </a:rPr>
-              <a:t>): </a:t>
-            </a:r>
-            <a:r>
-              <a:rPr lang="zh-CN" altLang="en-US" sz="1200" b="0" i="0" u="none" strike="noStrike" kern="1200" baseline="0" dirty="0" smtClean="0">
-                <a:solidFill>
-                  <a:srgbClr val="FF0000"/>
-                </a:solidFill>
-                <a:latin typeface="+mn-lt"/>
-                <a:ea typeface="+mn-ea"/>
-                <a:cs typeface="+mn-cs"/>
-              </a:rPr>
-              <a:t>两个概率分布的距离，越小越好</a:t>
-            </a:r>
-            <a:endParaRPr lang="zh-CN" altLang="en-US" dirty="0">
+              </a:rPr>
+              <a:t>枯燥的，含糊的</a:t>
+            </a:r>
+            <a:endParaRPr lang="en-US" altLang="zh-CN" baseline="0" dirty="0" smtClean="0">
               <a:solidFill>
-                <a:srgbClr val="FF0000"/>
+                <a:schemeClr val="tx1"/>
               </a:solidFill>
             </a:endParaRPr>
           </a:p>
+          <a:p>
+            <a:endParaRPr lang="en-US" altLang="zh-CN" baseline="0" dirty="0" smtClean="0">
+              <a:solidFill>
+                <a:schemeClr val="tx1"/>
+              </a:solidFill>
+            </a:endParaRPr>
+          </a:p>
+          <a:p>
+            <a:r>
+              <a:rPr lang="en-US" altLang="zh-CN" dirty="0" smtClean="0"/>
+              <a:t>The latter is more </a:t>
+            </a:r>
+            <a:r>
+              <a:rPr lang="en-US" altLang="zh-CN" dirty="0" smtClean="0">
+                <a:solidFill>
+                  <a:srgbClr val="FF0000"/>
+                </a:solidFill>
+              </a:rPr>
+              <a:t>natural</a:t>
+            </a:r>
+            <a:r>
+              <a:rPr lang="en-US" altLang="zh-CN" dirty="0" smtClean="0"/>
+              <a:t> (as it does not require a </a:t>
+            </a:r>
+            <a:r>
+              <a:rPr lang="en-US" altLang="zh-CN" dirty="0" smtClean="0">
+                <a:solidFill>
+                  <a:srgbClr val="FF0000"/>
+                </a:solidFill>
+              </a:rPr>
+              <a:t>response repository</a:t>
+            </a:r>
+            <a:r>
+              <a:rPr lang="en-US" altLang="zh-CN" dirty="0" smtClean="0"/>
+              <a:t>) yet suffers from generating </a:t>
+            </a:r>
+            <a:r>
+              <a:rPr lang="en-US" altLang="zh-CN" dirty="0" smtClean="0">
+                <a:solidFill>
+                  <a:srgbClr val="FF0000"/>
+                </a:solidFill>
+              </a:rPr>
+              <a:t>dull</a:t>
+            </a:r>
+            <a:r>
+              <a:rPr lang="en-US" altLang="zh-CN" dirty="0" smtClean="0"/>
+              <a:t> or </a:t>
+            </a:r>
+            <a:r>
+              <a:rPr lang="en-US" altLang="zh-CN" dirty="0" smtClean="0">
+                <a:solidFill>
+                  <a:srgbClr val="FF0000"/>
+                </a:solidFill>
+              </a:rPr>
+              <a:t>vague</a:t>
+            </a:r>
+            <a:r>
+              <a:rPr lang="en-US" altLang="zh-CN" dirty="0" smtClean="0"/>
+              <a:t> responses and generally needs </a:t>
+            </a:r>
+            <a:r>
+              <a:rPr lang="en-US" altLang="zh-CN" dirty="0" smtClean="0">
+                <a:solidFill>
+                  <a:srgbClr val="FF0000"/>
+                </a:solidFill>
+              </a:rPr>
+              <a:t>a great amount of training data</a:t>
+            </a:r>
+            <a:r>
+              <a:rPr lang="en-US" altLang="zh-CN" dirty="0" smtClean="0"/>
+              <a:t>.</a:t>
+            </a:r>
+          </a:p>
+          <a:p>
+            <a:endParaRPr lang="en-US" altLang="zh-CN" dirty="0" smtClean="0"/>
+          </a:p>
+          <a:p>
+            <a:r>
+              <a:rPr lang="en-US" altLang="zh-CN" dirty="0" smtClean="0"/>
+              <a:t>The model we propose in this work shares similarities with (Lowe et al. 2015a), which </a:t>
+            </a:r>
+            <a:r>
+              <a:rPr lang="en-US" altLang="zh-CN" dirty="0" smtClean="0">
+                <a:solidFill>
+                  <a:srgbClr val="FF0000"/>
+                </a:solidFill>
+              </a:rPr>
+              <a:t>encoded unstructured textual knowledge </a:t>
+            </a:r>
+            <a:r>
+              <a:rPr lang="en-US" altLang="zh-CN" dirty="0" smtClean="0"/>
+              <a:t>with a recurrent neural network (RNN).</a:t>
+            </a:r>
+          </a:p>
+          <a:p>
+            <a:endParaRPr lang="zh-CN" altLang="en-US" dirty="0"/>
+          </a:p>
         </p:txBody>
       </p:sp>
       <p:sp>
@@ -1052,7 +1245,7 @@
           <a:p>
             <a:fld id="{512C64C2-923E-4E49-A89E-DFD78E65AD4F}" type="slidenum">
               <a:rPr lang="zh-CN" altLang="en-US" smtClean="0"/>
-              <a:t>9</a:t>
+              <a:t>5</a:t>
             </a:fld>
             <a:endParaRPr lang="zh-CN" altLang="en-US"/>
           </a:p>
@@ -1061,7 +1254,7 @@
     </p:spTree>
     <p:extLst>
       <p:ext uri="{BB962C8B-B14F-4D97-AF65-F5344CB8AC3E}">
-        <p14:creationId xmlns:p14="http://schemas.microsoft.com/office/powerpoint/2010/main" val="982469953"/>
+        <p14:creationId xmlns:p14="http://schemas.microsoft.com/office/powerpoint/2010/main" val="3069368690"/>
       </p:ext>
     </p:extLst>
   </p:cSld>
@@ -1116,35 +1309,43 @@
           <a:lstStyle/>
           <a:p>
             <a:r>
-              <a:rPr lang="en-US" altLang="zh-CN" dirty="0" smtClean="0">
-                <a:solidFill>
-                  <a:srgbClr val="FF0000"/>
-                </a:solidFill>
-              </a:rPr>
-              <a:t>n-gram matching</a:t>
-            </a:r>
-            <a:r>
-              <a:rPr lang="zh-CN" altLang="en-US" dirty="0" smtClean="0">
-                <a:solidFill>
-                  <a:srgbClr val="FF0000"/>
-                </a:solidFill>
-              </a:rPr>
-              <a:t>？： 字符串模糊匹配</a:t>
-            </a:r>
-            <a:endParaRPr lang="en-US" altLang="zh-CN" dirty="0" smtClean="0">
-              <a:solidFill>
-                <a:srgbClr val="FF0000"/>
-              </a:solidFill>
-            </a:endParaRPr>
-          </a:p>
-          <a:p>
-            <a:r>
-              <a:rPr lang="en-US" altLang="zh-CN" dirty="0" smtClean="0">
-                <a:solidFill>
-                  <a:srgbClr val="FF0000"/>
-                </a:solidFill>
-              </a:rPr>
-              <a:t>N: 5</a:t>
+              <a:rPr lang="en-US" altLang="zh-CN" dirty="0" smtClean="0"/>
+              <a:t>Objective facts</a:t>
+            </a:r>
+            <a:r>
+              <a:rPr lang="zh-CN" altLang="en-US" dirty="0" smtClean="0"/>
+              <a:t>：客观</a:t>
+            </a:r>
+            <a:r>
+              <a:rPr lang="zh-CN" altLang="en-US" dirty="0" smtClean="0"/>
+              <a:t>事实</a:t>
+            </a:r>
+            <a:endParaRPr lang="en-US" altLang="zh-CN" dirty="0" smtClean="0"/>
+          </a:p>
+          <a:p>
+            <a:r>
+              <a:rPr lang="en-US" altLang="zh-CN" sz="1200" b="0" i="0" u="none" strike="noStrike" kern="1200" baseline="0" dirty="0" smtClean="0">
+                <a:solidFill>
+                  <a:schemeClr val="tx1"/>
+                </a:solidFill>
+                <a:latin typeface="+mn-lt"/>
+                <a:ea typeface="+mn-ea"/>
+                <a:cs typeface="+mn-cs"/>
+              </a:rPr>
+              <a:t>The aim of commonsense knowledge representation and reasoning</a:t>
+            </a:r>
+          </a:p>
+          <a:p>
+            <a:r>
+              <a:rPr lang="en-US" altLang="zh-CN" sz="1200" b="0" i="0" u="none" strike="noStrike" kern="1200" baseline="0" dirty="0" smtClean="0">
+                <a:solidFill>
+                  <a:schemeClr val="tx1"/>
+                </a:solidFill>
+                <a:latin typeface="+mn-lt"/>
+                <a:ea typeface="+mn-ea"/>
+                <a:cs typeface="+mn-cs"/>
+              </a:rPr>
+              <a:t>is to give a foundation of real-world knowledge to a variety of AI applications</a:t>
             </a:r>
             <a:endParaRPr lang="zh-CN" altLang="en-US" dirty="0"/>
           </a:p>
@@ -1167,7 +1368,7 @@
           <a:p>
             <a:fld id="{512C64C2-923E-4E49-A89E-DFD78E65AD4F}" type="slidenum">
               <a:rPr lang="zh-CN" altLang="en-US" smtClean="0"/>
-              <a:t>12</a:t>
+              <a:t>6</a:t>
             </a:fld>
             <a:endParaRPr lang="zh-CN" altLang="en-US"/>
           </a:p>
@@ -1176,7 +1377,7 @@
     </p:spTree>
     <p:extLst>
       <p:ext uri="{BB962C8B-B14F-4D97-AF65-F5344CB8AC3E}">
-        <p14:creationId xmlns:p14="http://schemas.microsoft.com/office/powerpoint/2010/main" val="2242570368"/>
+        <p14:creationId xmlns:p14="http://schemas.microsoft.com/office/powerpoint/2010/main" val="2580867221"/>
       </p:ext>
     </p:extLst>
   </p:cSld>
@@ -1231,13 +1432,7 @@
           <a:lstStyle/>
           <a:p>
             <a:r>
-              <a:rPr lang="en-US" altLang="zh-CN" dirty="0" smtClean="0"/>
-              <a:t>Word Embeddings</a:t>
-            </a:r>
-          </a:p>
-          <a:p>
-            <a:r>
-              <a:rPr lang="en-US" altLang="zh-CN" sz="1200" b="0" i="0" u="none" strike="noStrike" kern="1200" baseline="0" dirty="0" smtClean="0">
+              <a:rPr lang="en-US" altLang="zh-CN" sz="1200" b="0" i="1" u="none" strike="noStrike" kern="1200" baseline="0" dirty="0" smtClean="0">
                 <a:solidFill>
                   <a:schemeClr val="tx1"/>
                 </a:solidFill>
@@ -1245,9 +1440,158 @@
                 <a:ea typeface="+mn-ea"/>
                 <a:cs typeface="+mn-cs"/>
               </a:rPr>
-              <a:t>attention</a:t>
-            </a:r>
-            <a:endParaRPr lang="zh-CN" altLang="en-US" dirty="0"/>
+              <a:t>Message </a:t>
+            </a:r>
+            <a:r>
+              <a:rPr lang="en-US" altLang="zh-CN" sz="1200" b="0" i="0" u="none" strike="noStrike" kern="1200" baseline="0" dirty="0" smtClean="0">
+                <a:solidFill>
+                  <a:schemeClr val="tx1"/>
+                </a:solidFill>
+                <a:latin typeface="+mn-lt"/>
+                <a:ea typeface="+mn-ea"/>
+                <a:cs typeface="+mn-cs"/>
+              </a:rPr>
+              <a:t>(</a:t>
+            </a:r>
+            <a:r>
+              <a:rPr lang="en-US" altLang="zh-CN" sz="1200" b="0" i="1" u="none" strike="noStrike" kern="1200" baseline="0" dirty="0" smtClean="0">
+                <a:solidFill>
+                  <a:schemeClr val="tx1"/>
+                </a:solidFill>
+                <a:latin typeface="+mn-lt"/>
+                <a:ea typeface="+mn-ea"/>
+                <a:cs typeface="+mn-cs"/>
+              </a:rPr>
+              <a:t>context</a:t>
+            </a:r>
+            <a:r>
+              <a:rPr lang="en-US" altLang="zh-CN" sz="1200" b="0" i="0" u="none" strike="noStrike" kern="1200" baseline="0" dirty="0" smtClean="0">
+                <a:solidFill>
+                  <a:schemeClr val="tx1"/>
+                </a:solidFill>
+                <a:latin typeface="+mn-lt"/>
+                <a:ea typeface="+mn-ea"/>
+                <a:cs typeface="+mn-cs"/>
+              </a:rPr>
+              <a:t>) </a:t>
+            </a:r>
+            <a:r>
+              <a:rPr lang="en-US" altLang="zh-CN" sz="1200" b="0" i="1" u="none" strike="noStrike" kern="1200" baseline="0" dirty="0" smtClean="0">
+                <a:solidFill>
+                  <a:schemeClr val="tx1"/>
+                </a:solidFill>
+                <a:latin typeface="+mn-lt"/>
+                <a:ea typeface="+mn-ea"/>
+                <a:cs typeface="+mn-cs"/>
+              </a:rPr>
+              <a:t>x </a:t>
+            </a:r>
+            <a:r>
+              <a:rPr lang="en-US" altLang="zh-CN" sz="1200" b="0" i="0" u="none" strike="noStrike" kern="1200" baseline="0" dirty="0" smtClean="0">
+                <a:solidFill>
+                  <a:schemeClr val="tx1"/>
+                </a:solidFill>
+                <a:latin typeface="+mn-lt"/>
+                <a:ea typeface="+mn-ea"/>
+                <a:cs typeface="+mn-cs"/>
+              </a:rPr>
+              <a:t>and </a:t>
+            </a:r>
+            <a:r>
+              <a:rPr lang="en-US" altLang="zh-CN" sz="1200" b="0" i="1" u="none" strike="noStrike" kern="1200" baseline="0" dirty="0" smtClean="0">
+                <a:solidFill>
+                  <a:schemeClr val="tx1"/>
+                </a:solidFill>
+                <a:latin typeface="+mn-lt"/>
+                <a:ea typeface="+mn-ea"/>
+                <a:cs typeface="+mn-cs"/>
+              </a:rPr>
+              <a:t>response y </a:t>
+            </a:r>
+            <a:r>
+              <a:rPr lang="en-US" altLang="zh-CN" sz="1200" b="0" i="0" u="none" strike="noStrike" kern="1200" baseline="0" dirty="0" smtClean="0">
+                <a:solidFill>
+                  <a:schemeClr val="tx1"/>
+                </a:solidFill>
+                <a:latin typeface="+mn-lt"/>
+                <a:ea typeface="+mn-ea"/>
+                <a:cs typeface="+mn-cs"/>
+              </a:rPr>
+              <a:t>are a sequence of tokens from vocabulary </a:t>
+            </a:r>
+            <a:r>
+              <a:rPr lang="en-US" altLang="zh-CN" sz="1200" b="0" i="1" u="none" strike="noStrike" kern="1200" baseline="0" dirty="0" smtClean="0">
+                <a:solidFill>
+                  <a:schemeClr val="tx1"/>
+                </a:solidFill>
+                <a:latin typeface="+mn-lt"/>
+                <a:ea typeface="+mn-ea"/>
+                <a:cs typeface="+mn-cs"/>
+              </a:rPr>
+              <a:t>V </a:t>
+            </a:r>
+            <a:r>
+              <a:rPr lang="en-US" altLang="zh-CN" sz="1200" b="0" i="0" u="none" strike="noStrike" kern="1200" baseline="0" dirty="0" smtClean="0">
+                <a:solidFill>
+                  <a:schemeClr val="tx1"/>
+                </a:solidFill>
+                <a:latin typeface="+mn-lt"/>
+                <a:ea typeface="+mn-ea"/>
+                <a:cs typeface="+mn-cs"/>
+              </a:rPr>
+              <a:t>.</a:t>
+            </a:r>
+          </a:p>
+          <a:p>
+            <a:r>
+              <a:rPr lang="en-US" altLang="zh-CN" sz="1200" b="0" i="0" u="none" strike="noStrike" kern="1200" baseline="0" dirty="0" smtClean="0">
+                <a:solidFill>
+                  <a:srgbClr val="FF0000"/>
+                </a:solidFill>
+                <a:latin typeface="+mn-lt"/>
+                <a:ea typeface="+mn-ea"/>
+                <a:cs typeface="+mn-cs"/>
+              </a:rPr>
+              <a:t>Cross Entropy Loss (</a:t>
+            </a:r>
+            <a:r>
+              <a:rPr lang="zh-CN" altLang="en-US" sz="1200" b="0" i="0" u="none" strike="noStrike" kern="1200" baseline="0" dirty="0" smtClean="0">
+                <a:solidFill>
+                  <a:srgbClr val="FF0000"/>
+                </a:solidFill>
+                <a:latin typeface="+mn-lt"/>
+                <a:ea typeface="+mn-ea"/>
+                <a:cs typeface="+mn-cs"/>
+              </a:rPr>
+              <a:t>交叉嫡验证</a:t>
+            </a:r>
+            <a:r>
+              <a:rPr lang="en-US" altLang="zh-CN" sz="1200" b="0" i="0" u="none" strike="noStrike" kern="1200" baseline="0" dirty="0" smtClean="0">
+                <a:solidFill>
+                  <a:srgbClr val="FF0000"/>
+                </a:solidFill>
+                <a:latin typeface="+mn-lt"/>
+                <a:ea typeface="+mn-ea"/>
+                <a:cs typeface="+mn-cs"/>
+              </a:rPr>
+              <a:t>): </a:t>
+            </a:r>
+            <a:r>
+              <a:rPr lang="zh-CN" altLang="en-US" sz="1200" b="0" i="0" u="none" strike="noStrike" kern="1200" baseline="0" dirty="0" smtClean="0">
+                <a:solidFill>
+                  <a:srgbClr val="FF0000"/>
+                </a:solidFill>
+                <a:latin typeface="+mn-lt"/>
+                <a:ea typeface="+mn-ea"/>
+                <a:cs typeface="+mn-cs"/>
+              </a:rPr>
+              <a:t>两个概率分布的距离，越小越好</a:t>
+            </a:r>
+            <a:endParaRPr lang="zh-CN" altLang="en-US" dirty="0">
+              <a:solidFill>
+                <a:srgbClr val="FF0000"/>
+              </a:solidFill>
+            </a:endParaRPr>
           </a:p>
         </p:txBody>
       </p:sp>
@@ -1268,7 +1612,7 @@
           <a:p>
             <a:fld id="{512C64C2-923E-4E49-A89E-DFD78E65AD4F}" type="slidenum">
               <a:rPr lang="zh-CN" altLang="en-US" smtClean="0"/>
-              <a:t>19</a:t>
+              <a:t>9</a:t>
             </a:fld>
             <a:endParaRPr lang="zh-CN" altLang="en-US"/>
           </a:p>
@@ -1277,7 +1621,7 @@
     </p:spTree>
     <p:extLst>
       <p:ext uri="{BB962C8B-B14F-4D97-AF65-F5344CB8AC3E}">
-        <p14:creationId xmlns:p14="http://schemas.microsoft.com/office/powerpoint/2010/main" val="1923929451"/>
+        <p14:creationId xmlns:p14="http://schemas.microsoft.com/office/powerpoint/2010/main" val="982469953"/>
       </p:ext>
     </p:extLst>
   </p:cSld>
@@ -1331,25 +1675,6 @@
           <a:bodyPr/>
           <a:lstStyle/>
           <a:p>
-            <a:r>
-              <a:rPr lang="en-US" altLang="zh-CN" dirty="0" smtClean="0"/>
-              <a:t>tuning: </a:t>
-            </a:r>
-            <a:r>
-              <a:rPr lang="zh-CN" altLang="en-US" dirty="0" smtClean="0"/>
-              <a:t>调整</a:t>
-            </a:r>
-            <a:endParaRPr lang="en-US" altLang="zh-CN" dirty="0" smtClean="0"/>
-          </a:p>
-          <a:p>
-            <a:r>
-              <a:rPr lang="en-US" altLang="zh-CN" dirty="0" smtClean="0"/>
-              <a:t>evaluation: </a:t>
-            </a:r>
-            <a:r>
-              <a:rPr lang="zh-CN" altLang="en-US" dirty="0" smtClean="0"/>
-              <a:t>评估</a:t>
-            </a:r>
             <a:endParaRPr lang="zh-CN" altLang="en-US" dirty="0"/>
           </a:p>
         </p:txBody>
@@ -1371,7 +1696,7 @@
           <a:p>
             <a:fld id="{512C64C2-923E-4E49-A89E-DFD78E65AD4F}" type="slidenum">
               <a:rPr lang="zh-CN" altLang="en-US" smtClean="0"/>
-              <a:t>20</a:t>
+              <a:t>11</a:t>
             </a:fld>
             <a:endParaRPr lang="zh-CN" altLang="en-US"/>
           </a:p>
@@ -1380,7 +1705,7 @@
     </p:spTree>
     <p:extLst>
       <p:ext uri="{BB962C8B-B14F-4D97-AF65-F5344CB8AC3E}">
-        <p14:creationId xmlns:p14="http://schemas.microsoft.com/office/powerpoint/2010/main" val="3258197030"/>
+        <p14:creationId xmlns:p14="http://schemas.microsoft.com/office/powerpoint/2010/main" val="3825825888"/>
       </p:ext>
     </p:extLst>
   </p:cSld>
@@ -1435,20 +1760,43 @@
           <a:lstStyle/>
           <a:p>
             <a:r>
-              <a:rPr lang="en-US" altLang="zh-CN" dirty="0" smtClean="0"/>
-              <a:t>unigrams</a:t>
-            </a:r>
-          </a:p>
-          <a:p>
-            <a:r>
-              <a:rPr lang="en-US" altLang="zh-CN" dirty="0" smtClean="0"/>
-              <a:t>bi-grams</a:t>
-            </a:r>
-          </a:p>
-          <a:p>
-            <a:r>
-              <a:rPr lang="en-US" altLang="zh-CN" dirty="0" smtClean="0"/>
-              <a:t>tri-grams</a:t>
+              <a:rPr lang="en-US" altLang="zh-CN" dirty="0" smtClean="0">
+                <a:solidFill>
+                  <a:srgbClr val="FF0000"/>
+                </a:solidFill>
+              </a:rPr>
+              <a:t>n-gram matching</a:t>
+            </a:r>
+            <a:r>
+              <a:rPr lang="zh-CN" altLang="en-US" smtClean="0">
+                <a:solidFill>
+                  <a:srgbClr val="FF0000"/>
+                </a:solidFill>
+              </a:rPr>
+              <a:t>？</a:t>
+            </a:r>
+            <a:r>
+              <a:rPr lang="zh-CN" altLang="en-US" smtClean="0">
+                <a:solidFill>
+                  <a:srgbClr val="FF0000"/>
+                </a:solidFill>
+              </a:rPr>
+              <a:t>：分词</a:t>
+            </a:r>
+            <a:endParaRPr lang="en-US" altLang="zh-CN" dirty="0" smtClean="0">
+              <a:solidFill>
+                <a:srgbClr val="FF0000"/>
+              </a:solidFill>
+            </a:endParaRPr>
+          </a:p>
+          <a:p>
+            <a:r>
+              <a:rPr lang="en-US" altLang="zh-CN" dirty="0" smtClean="0">
+                <a:solidFill>
+                  <a:srgbClr val="FF0000"/>
+                </a:solidFill>
+              </a:rPr>
+              <a:t>N: 5</a:t>
             </a:r>
             <a:endParaRPr lang="zh-CN" altLang="en-US" dirty="0"/>
           </a:p>
@@ -1471,7 +1819,7 @@
           <a:p>
             <a:fld id="{512C64C2-923E-4E49-A89E-DFD78E65AD4F}" type="slidenum">
               <a:rPr lang="zh-CN" altLang="en-US" smtClean="0"/>
-              <a:t>21</a:t>
+              <a:t>12</a:t>
             </a:fld>
             <a:endParaRPr lang="zh-CN" altLang="en-US"/>
           </a:p>
@@ -1480,7 +1828,7 @@
     </p:spTree>
     <p:extLst>
       <p:ext uri="{BB962C8B-B14F-4D97-AF65-F5344CB8AC3E}">
-        <p14:creationId xmlns:p14="http://schemas.microsoft.com/office/powerpoint/2010/main" val="2791241350"/>
+        <p14:creationId xmlns:p14="http://schemas.microsoft.com/office/powerpoint/2010/main" val="2242570368"/>
       </p:ext>
     </p:extLst>
   </p:cSld>
@@ -1535,26 +1883,23 @@
           <a:lstStyle/>
           <a:p>
             <a:r>
-              <a:rPr lang="en-US" altLang="zh-CN" dirty="0" smtClean="0">
-                <a:solidFill>
-                  <a:srgbClr val="FF0000"/>
-                </a:solidFill>
-              </a:rPr>
-              <a:t>max-pooling</a:t>
-            </a:r>
-            <a:r>
-              <a:rPr lang="zh-CN" altLang="en-US" dirty="0" smtClean="0">
-                <a:solidFill>
-                  <a:srgbClr val="FF0000"/>
-                </a:solidFill>
-              </a:rPr>
-              <a:t>？</a:t>
-            </a:r>
-            <a:endParaRPr lang="zh-CN" altLang="en-US" dirty="0">
-              <a:solidFill>
-                <a:srgbClr val="FF0000"/>
-              </a:solidFill>
-            </a:endParaRPr>
+              <a:rPr lang="en-US" altLang="zh-CN" dirty="0" smtClean="0"/>
+              <a:t>Word Embeddings</a:t>
+            </a:r>
+          </a:p>
+          <a:p>
+            <a:r>
+              <a:rPr lang="en-US" altLang="zh-CN" sz="1200" b="0" i="0" u="none" strike="noStrike" kern="1200" baseline="0" dirty="0" smtClean="0">
+                <a:solidFill>
+                  <a:schemeClr val="tx1"/>
+                </a:solidFill>
+                <a:latin typeface="+mn-lt"/>
+                <a:ea typeface="+mn-ea"/>
+                <a:cs typeface="+mn-cs"/>
+              </a:rPr>
+              <a:t>attention</a:t>
+            </a:r>
+            <a:endParaRPr lang="zh-CN" altLang="en-US" dirty="0"/>
           </a:p>
         </p:txBody>
       </p:sp>
@@ -1575,7 +1920,7 @@
           <a:p>
             <a:fld id="{512C64C2-923E-4E49-A89E-DFD78E65AD4F}" type="slidenum">
               <a:rPr lang="zh-CN" altLang="en-US" smtClean="0"/>
-              <a:t>22</a:t>
+              <a:t>19</a:t>
             </a:fld>
             <a:endParaRPr lang="zh-CN" altLang="en-US"/>
           </a:p>
@@ -1584,7 +1929,110 @@
     </p:spTree>
     <p:extLst>
       <p:ext uri="{BB962C8B-B14F-4D97-AF65-F5344CB8AC3E}">
-        <p14:creationId xmlns:p14="http://schemas.microsoft.com/office/powerpoint/2010/main" val="1585914400"/>
+        <p14:creationId xmlns:p14="http://schemas.microsoft.com/office/powerpoint/2010/main" val="1923929451"/>
+      </p:ext>
+    </p:extLst>
+  </p:cSld>
+  <p:clrMapOvr>
+    <a:masterClrMapping/>
+  </p:clrMapOvr>
+</p:notes>
+</file>
+
+<file path=ppt/notesSlides/notesSlide9.xml><?xml version="1.0" encoding="utf-8"?>
+<p:notes xmlns:a="http://schemas.openxmlformats.org/drawingml/2006/main" xmlns:r="http://schemas.openxmlformats.org/officeDocument/2006/relationships" xmlns:p="http://schemas.openxmlformats.org/presentationml/2006/main">
+  <p:cSld>
+    <p:spTree>
+      <p:nvGrpSpPr>
+        <p:cNvPr id="1" name=""/>
+        <p:cNvGrpSpPr/>
+        <p:nvPr/>
+      </p:nvGrpSpPr>
+      <p:grpSpPr>
+        <a:xfrm>
+          <a:off x="0" y="0"/>
+          <a:ext cx="0" cy="0"/>
+          <a:chOff x="0" y="0"/>
+          <a:chExt cx="0" cy="0"/>
+        </a:xfrm>
+      </p:grpSpPr>
+      <p:sp>
+        <p:nvSpPr>
+          <p:cNvPr id="2" name="幻灯片图像占位符 1"/>
+          <p:cNvSpPr>
+            <a:spLocks noGrp="1" noRot="1" noChangeAspect="1"/>
+          </p:cNvSpPr>
+          <p:nvPr>
+            <p:ph type="sldImg"/>
+          </p:nvPr>
+        </p:nvSpPr>
+        <p:spPr/>
+      </p:sp>
+      <p:sp>
+        <p:nvSpPr>
+          <p:cNvPr id="3" name="备注占位符 2"/>
+          <p:cNvSpPr>
+            <a:spLocks noGrp="1"/>
+          </p:cNvSpPr>
+          <p:nvPr>
+            <p:ph type="body" idx="1"/>
+          </p:nvPr>
+        </p:nvSpPr>
+        <p:spPr/>
+        <p:txBody>
+          <a:bodyPr/>
+          <a:lstStyle/>
+          <a:p>
+            <a:r>
+              <a:rPr lang="en-US" altLang="zh-CN" dirty="0" smtClean="0"/>
+              <a:t>tuning: </a:t>
+            </a:r>
+            <a:r>
+              <a:rPr lang="zh-CN" altLang="en-US" dirty="0" smtClean="0"/>
+              <a:t>调整</a:t>
+            </a:r>
+            <a:endParaRPr lang="en-US" altLang="zh-CN" dirty="0" smtClean="0"/>
+          </a:p>
+          <a:p>
+            <a:r>
+              <a:rPr lang="en-US" altLang="zh-CN" dirty="0" smtClean="0"/>
+              <a:t>evaluation: </a:t>
+            </a:r>
+            <a:r>
+              <a:rPr lang="zh-CN" altLang="en-US" dirty="0" smtClean="0"/>
+              <a:t>评估</a:t>
+            </a:r>
+            <a:endParaRPr lang="zh-CN" altLang="en-US" dirty="0"/>
+          </a:p>
+        </p:txBody>
+      </p:sp>
+      <p:sp>
+        <p:nvSpPr>
+          <p:cNvPr id="4" name="灯片编号占位符 3"/>
+          <p:cNvSpPr>
+            <a:spLocks noGrp="1"/>
+          </p:cNvSpPr>
+          <p:nvPr>
+            <p:ph type="sldNum" sz="quarter" idx="10"/>
+          </p:nvPr>
+        </p:nvSpPr>
+        <p:spPr/>
+        <p:txBody>
+          <a:bodyPr/>
+          <a:lstStyle/>
+          <a:p>
+            <a:fld id="{512C64C2-923E-4E49-A89E-DFD78E65AD4F}" type="slidenum">
+              <a:rPr lang="zh-CN" altLang="en-US" smtClean="0"/>
+              <a:t>20</a:t>
+            </a:fld>
+            <a:endParaRPr lang="zh-CN" altLang="en-US"/>
+          </a:p>
+        </p:txBody>
+      </p:sp>
+    </p:spTree>
+    <p:extLst>
+      <p:ext uri="{BB962C8B-B14F-4D97-AF65-F5344CB8AC3E}">
+        <p14:creationId xmlns:p14="http://schemas.microsoft.com/office/powerpoint/2010/main" val="3258197030"/>
       </p:ext>
     </p:extLst>
   </p:cSld>
@@ -1725,7 +2173,7 @@
           <a:p>
             <a:fld id="{51AD1C5E-5F3B-42B1-A452-0D9493B8349F}" type="datetimeFigureOut">
               <a:rPr lang="zh-CN" altLang="en-US" smtClean="0"/>
-              <a:t>2019/4/22</a:t>
+              <a:t>2019/5/13</a:t>
             </a:fld>
             <a:endParaRPr lang="zh-CN" altLang="en-US"/>
           </a:p>
@@ -1895,7 +2343,7 @@
           <a:p>
             <a:fld id="{51AD1C5E-5F3B-42B1-A452-0D9493B8349F}" type="datetimeFigureOut">
               <a:rPr lang="zh-CN" altLang="en-US" smtClean="0"/>
-              <a:t>2019/4/22</a:t>
+              <a:t>2019/5/13</a:t>
             </a:fld>
             <a:endParaRPr lang="zh-CN" altLang="en-US"/>
           </a:p>
@@ -2075,7 +2523,7 @@
           <a:p>
             <a:fld id="{51AD1C5E-5F3B-42B1-A452-0D9493B8349F}" type="datetimeFigureOut">
               <a:rPr lang="zh-CN" altLang="en-US" smtClean="0"/>
-              <a:t>2019/4/22</a:t>
+              <a:t>2019/5/13</a:t>
             </a:fld>
             <a:endParaRPr lang="zh-CN" altLang="en-US"/>
           </a:p>
@@ -2245,7 +2693,7 @@
           <a:p>
             <a:fld id="{51AD1C5E-5F3B-42B1-A452-0D9493B8349F}" type="datetimeFigureOut">
               <a:rPr lang="zh-CN" altLang="en-US" smtClean="0"/>
-              <a:t>2019/4/22</a:t>
+              <a:t>2019/5/13</a:t>
             </a:fld>
             <a:endParaRPr lang="zh-CN" altLang="en-US"/>
           </a:p>
@@ -2491,7 +2939,7 @@
           <a:p>
             <a:fld id="{51AD1C5E-5F3B-42B1-A452-0D9493B8349F}" type="datetimeFigureOut">
               <a:rPr lang="zh-CN" altLang="en-US" smtClean="0"/>
-              <a:t>2019/4/22</a:t>
+              <a:t>2019/5/13</a:t>
             </a:fld>
             <a:endParaRPr lang="zh-CN" altLang="en-US"/>
           </a:p>
@@ -2723,7 +3171,7 @@
           <a:p>
             <a:fld id="{51AD1C5E-5F3B-42B1-A452-0D9493B8349F}" type="datetimeFigureOut">
               <a:rPr lang="zh-CN" altLang="en-US" smtClean="0"/>
-              <a:t>2019/4/22</a:t>
+              <a:t>2019/5/13</a:t>
             </a:fld>
             <a:endParaRPr lang="zh-CN" altLang="en-US"/>
           </a:p>
@@ -3090,7 +3538,7 @@
           <a:p>
             <a:fld id="{51AD1C5E-5F3B-42B1-A452-0D9493B8349F}" type="datetimeFigureOut">
               <a:rPr lang="zh-CN" altLang="en-US" smtClean="0"/>
-              <a:t>2019/4/22</a:t>
+              <a:t>2019/5/13</a:t>
             </a:fld>
             <a:endParaRPr lang="zh-CN" altLang="en-US"/>
           </a:p>
@@ -3208,7 +3656,7 @@
           <a:p>
             <a:fld id="{51AD1C5E-5F3B-42B1-A452-0D9493B8349F}" type="datetimeFigureOut">
               <a:rPr lang="zh-CN" altLang="en-US" smtClean="0"/>
-              <a:t>2019/4/22</a:t>
+              <a:t>2019/5/13</a:t>
             </a:fld>
             <a:endParaRPr lang="zh-CN" altLang="en-US"/>
           </a:p>
@@ -3303,7 +3751,7 @@
           <a:p>
             <a:fld id="{51AD1C5E-5F3B-42B1-A452-0D9493B8349F}" type="datetimeFigureOut">
               <a:rPr lang="zh-CN" altLang="en-US" smtClean="0"/>
-              <a:t>2019/4/22</a:t>
+              <a:t>2019/5/13</a:t>
             </a:fld>
             <a:endParaRPr lang="zh-CN" altLang="en-US"/>
           </a:p>
@@ -3580,7 +4028,7 @@
           <a:p>
             <a:fld id="{51AD1C5E-5F3B-42B1-A452-0D9493B8349F}" type="datetimeFigureOut">
               <a:rPr lang="zh-CN" altLang="en-US" smtClean="0"/>
-              <a:t>2019/4/22</a:t>
+              <a:t>2019/5/13</a:t>
             </a:fld>
             <a:endParaRPr lang="zh-CN" altLang="en-US"/>
           </a:p>
@@ -3833,7 +4281,7 @@
           <a:p>
             <a:fld id="{51AD1C5E-5F3B-42B1-A452-0D9493B8349F}" type="datetimeFigureOut">
               <a:rPr lang="zh-CN" altLang="en-US" smtClean="0"/>
-              <a:t>2019/4/22</a:t>
+              <a:t>2019/5/13</a:t>
             </a:fld>
             <a:endParaRPr lang="zh-CN" altLang="en-US"/>
           </a:p>
@@ -4046,7 +4494,7 @@
           <a:p>
             <a:fld id="{51AD1C5E-5F3B-42B1-A452-0D9493B8349F}" type="datetimeFigureOut">
               <a:rPr lang="zh-CN" altLang="en-US" smtClean="0"/>
-              <a:t>2019/4/22</a:t>
+              <a:t>2019/5/13</a:t>
             </a:fld>
             <a:endParaRPr lang="zh-CN" altLang="en-US"/>
           </a:p>
@@ -4477,11 +4925,27 @@
             </a:br>
             <a:r>
               <a:rPr lang="en-US" altLang="zh-CN" sz="3600" dirty="0"/>
-              <a:t>with Commonsense </a:t>
+              <a:t>with </a:t>
+            </a:r>
+            <a:r>
+              <a:rPr lang="en-US" altLang="zh-CN" sz="3600" dirty="0">
+                <a:solidFill>
+                  <a:srgbClr val="FF0000"/>
+                </a:solidFill>
+              </a:rPr>
+              <a:t>Commonsense </a:t>
+            </a:r>
+            <a:r>
+              <a:rPr lang="en-US" altLang="zh-CN" sz="3600" dirty="0" smtClean="0">
+                <a:solidFill>
+                  <a:srgbClr val="FF0000"/>
+                </a:solidFill>
+              </a:rPr>
+              <a:t>Knowledge</a:t>
             </a:r>
             <a:r>
               <a:rPr lang="en-US" altLang="zh-CN" sz="3600" dirty="0" smtClean="0"/>
-              <a:t>Knowledge</a:t>
+              <a:t/>
             </a:r>
             <a:br>
               <a:rPr lang="en-US" altLang="zh-CN" sz="3600" dirty="0" smtClean="0"/>
@@ -4616,7 +5080,19 @@
           <a:p>
             <a:r>
               <a:rPr lang="en-US" altLang="zh-CN" dirty="0" smtClean="0"/>
-              <a:t>The Dual-LSTM encoder (Lowe et al. 2015b) represents the message x and response y as fixed-size embeddings x and y with the last hidden states of the same LSTM.</a:t>
+              <a:t>The Dual-LSTM encoder (Lowe et al. 2015b) represents the message x and response y as </a:t>
+            </a:r>
+            <a:r>
+              <a:rPr lang="en-US" altLang="zh-CN" dirty="0" smtClean="0">
+                <a:solidFill>
+                  <a:srgbClr val="FF0000"/>
+                </a:solidFill>
+              </a:rPr>
+              <a:t>fixed-size</a:t>
+            </a:r>
+            <a:r>
+              <a:rPr lang="en-US" altLang="zh-CN" dirty="0" smtClean="0"/>
+              <a:t> embeddings x and y with the last hidden states of the same LSTM.</a:t>
             </a:r>
           </a:p>
           <a:p>
@@ -4778,11 +5254,7 @@
           <a:p>
             <a:r>
               <a:rPr lang="en-US" altLang="zh-CN" sz="3200" dirty="0" smtClean="0"/>
-              <a:t>Model Description: </a:t>
-            </a:r>
-            <a:r>
-              <a:rPr lang="en-US" altLang="zh-CN" sz="3200" dirty="0" smtClean="0"/>
-              <a:t>Commonsense Knowledge </a:t>
+              <a:t>Model Description: Commonsense Knowledge </a:t>
             </a:r>
             <a:r>
               <a:rPr lang="en-US" altLang="zh-CN" sz="3200" dirty="0"/>
@@ -5094,8 +5566,16 @@
               <a:t> </a:t>
             </a:r>
             <a:r>
+              <a:rPr lang="en-US" altLang="zh-CN" i="1" dirty="0" smtClean="0">
+                <a:solidFill>
+                  <a:srgbClr val="FF0000"/>
+                </a:solidFill>
+              </a:rPr>
+              <a:t>H</a:t>
+            </a:r>
+            <a:r>
               <a:rPr lang="en-US" altLang="zh-CN" i="1" dirty="0" smtClean="0"/>
-              <a:t>H </a:t>
+              <a:t> </a:t>
             </a:r>
             <a:r>
               <a:rPr lang="en-US" altLang="zh-CN" dirty="0"/>
@@ -5301,14 +5781,16 @@
         </p:nvSpPr>
         <p:spPr/>
         <p:txBody>
-          <a:bodyPr/>
-          <a:lstStyle/>
-          <a:p>
-            <a:r>
-              <a:rPr lang="en-US" altLang="zh-CN" dirty="0" smtClean="0"/>
+          <a:bodyPr>
+            <a:normAutofit/>
+          </a:bodyPr>
+          <a:lstStyle/>
+          <a:p>
+            <a:r>
+              <a:rPr lang="en-US" altLang="zh-CN" sz="3200" dirty="0" smtClean="0"/>
               <a:t>Model Description: Commonsense Knowledge Retrieval</a:t>
             </a:r>
-            <a:endParaRPr lang="zh-CN" altLang="en-US" dirty="0"/>
+            <a:endParaRPr lang="zh-CN" altLang="en-US" sz="3200" dirty="0"/>
           </a:p>
         </p:txBody>
       </p:sp>
@@ -5504,11 +5986,7 @@
           <a:p>
             <a:r>
               <a:rPr lang="en-US" altLang="zh-CN" dirty="0" smtClean="0"/>
-              <a:t>Model Description: </a:t>
-            </a:r>
-            <a:r>
-              <a:rPr lang="en-US" altLang="zh-CN" dirty="0" smtClean="0"/>
-              <a:t>Tri-LSTM </a:t>
+              <a:t>Model Description: Tri-LSTM </a:t>
             </a:r>
             <a:r>
               <a:rPr lang="en-US" altLang="zh-CN" dirty="0"/>
@@ -5537,7 +6015,19 @@
           <a:p>
             <a:r>
               <a:rPr lang="en-US" altLang="zh-CN" dirty="0" smtClean="0"/>
-              <a:t>Our main approach to integrating commonsense knowledge into the conversational model involves using another LSTM for encoding </a:t>
+              <a:t>Our main approach to integrating commonsense knowledge into the conversational model involves </a:t>
+            </a:r>
+            <a:r>
+              <a:rPr lang="en-US" altLang="zh-CN" dirty="0" smtClean="0">
+                <a:solidFill>
+                  <a:srgbClr val="FF0000"/>
+                </a:solidFill>
+              </a:rPr>
+              <a:t>using another LSTM </a:t>
+            </a:r>
+            <a:r>
+              <a:rPr lang="en-US" altLang="zh-CN" dirty="0" smtClean="0"/>
+              <a:t>for encoding </a:t>
             </a:r>
             <a:r>
               <a:rPr lang="en-US" altLang="zh-CN" dirty="0" smtClean="0">
@@ -5559,15 +6049,7 @@
             </a:r>
             <a:r>
               <a:rPr lang="en-US" altLang="zh-CN" dirty="0" smtClean="0"/>
-              <a:t>(</a:t>
-            </a:r>
-            <a:r>
-              <a:rPr lang="en-US" altLang="zh-CN" dirty="0" smtClean="0"/>
-              <a:t>assertions</a:t>
-            </a:r>
-            <a:r>
-              <a:rPr lang="en-US" altLang="zh-CN" dirty="0" smtClean="0"/>
-              <a:t>) </a:t>
+              <a:t>(assertions) </a:t>
             </a:r>
             <a:r>
               <a:rPr lang="en-US" altLang="zh-CN" i="1" dirty="0"/>
@@ -5748,8 +6230,16 @@
               <a:t>to vocabulary </a:t>
             </a:r>
             <a:r>
+              <a:rPr lang="en-US" altLang="zh-CN" i="1" dirty="0">
+                <a:solidFill>
+                  <a:srgbClr val="FF0000"/>
+                </a:solidFill>
+              </a:rPr>
+              <a:t>V</a:t>
+            </a:r>
+            <a:r>
               <a:rPr lang="en-US" altLang="zh-CN" i="1" dirty="0"/>
-              <a:t>V </a:t>
+              <a:t> </a:t>
             </a:r>
             <a:r>
               <a:rPr lang="en-US" altLang="zh-CN" dirty="0"/>
@@ -6944,7 +7434,7 @@
           <a:p>
             <a:r>
               <a:rPr lang="en-US" altLang="zh-CN" dirty="0" smtClean="0"/>
-              <a:t>By relying on a large number of message-response pairs, the </a:t>
+              <a:t>By relying on a large number of </a:t>
             </a:r>
             <a:r>
               <a:rPr lang="en-US" altLang="zh-CN" dirty="0" smtClean="0">
@@ -6952,6 +7442,18 @@
                   <a:srgbClr val="FF0000"/>
                 </a:solidFill>
               </a:rPr>
+              <a:t>message-response pairs</a:t>
+            </a:r>
+            <a:r>
+              <a:rPr lang="en-US" altLang="zh-CN" dirty="0" smtClean="0"/>
+              <a:t>, the </a:t>
+            </a:r>
+            <a:r>
+              <a:rPr lang="en-US" altLang="zh-CN" dirty="0" smtClean="0">
+                <a:solidFill>
+                  <a:srgbClr val="FF0000"/>
+                </a:solidFill>
+              </a:rPr>
               <a:t>Seq2Seq framework</a:t>
             </a:r>
             <a:r>
@@ -6986,7 +7488,53 @@
             </a:r>
             <a:r>
               <a:rPr lang="en-US" altLang="zh-CN" dirty="0" smtClean="0"/>
-              <a:t>about the concepts covered in the dialogue.</a:t>
+              <a:t>about the concepts covered in the dialogue</a:t>
+            </a:r>
+            <a:r>
+              <a:rPr lang="en-US" altLang="zh-CN" dirty="0" smtClean="0"/>
+              <a:t>.</a:t>
+            </a:r>
+          </a:p>
+          <a:p>
+            <a:r>
+              <a:rPr lang="en-US" altLang="zh-CN" dirty="0"/>
+              <a:t>Such information may </a:t>
+            </a:r>
+            <a:r>
+              <a:rPr lang="en-US" altLang="zh-CN" dirty="0" smtClean="0"/>
+              <a:t>contain </a:t>
+            </a:r>
+            <a:r>
+              <a:rPr lang="en-US" altLang="zh-CN" dirty="0" smtClean="0">
+                <a:solidFill>
+                  <a:srgbClr val="FF0000"/>
+                </a:solidFill>
+              </a:rPr>
+              <a:t>personal </a:t>
+            </a:r>
+            <a:r>
+              <a:rPr lang="en-US" altLang="zh-CN" dirty="0">
+                <a:solidFill>
+                  <a:srgbClr val="FF0000"/>
+                </a:solidFill>
+              </a:rPr>
+              <a:t>experience, recent events, commonsense </a:t>
+            </a:r>
+            <a:r>
+              <a:rPr lang="en-US" altLang="zh-CN" dirty="0" smtClean="0">
+                <a:solidFill>
+                  <a:srgbClr val="FF0000"/>
+                </a:solidFill>
+              </a:rPr>
+              <a:t>knowledge</a:t>
+            </a:r>
+            <a:r>
+              <a:rPr lang="en-US" altLang="zh-CN" dirty="0" smtClean="0"/>
+              <a:t> and </a:t>
+            </a:r>
+            <a:r>
+              <a:rPr lang="en-US" altLang="zh-CN" dirty="0"/>
+              <a:t>more (Figure 1).</a:t>
             </a:r>
             <a:endParaRPr lang="zh-CN" altLang="en-US" dirty="0"/>
           </a:p>
@@ -7039,11 +7587,7 @@
           <a:p>
             <a:r>
               <a:rPr lang="en-US" altLang="zh-CN" dirty="0" smtClean="0"/>
-              <a:t>Experiments: </a:t>
-            </a:r>
-            <a:r>
-              <a:rPr lang="en-US" altLang="zh-CN" dirty="0" smtClean="0"/>
-              <a:t>Twitter Dialogue Dataset</a:t>
+              <a:t>Experiments: Twitter Dialogue Dataset</a:t>
             </a:r>
             <a:endParaRPr lang="zh-CN" altLang="en-US" dirty="0"/>
           </a:p>
@@ -7224,7 +7768,19 @@
           <a:p>
             <a:r>
               <a:rPr lang="en-US" altLang="zh-CN" dirty="0" smtClean="0"/>
-              <a:t>For tuning and evaluation, we use 20K </a:t>
+              <a:t>For </a:t>
+            </a:r>
+            <a:r>
+              <a:rPr lang="en-US" altLang="zh-CN" dirty="0" smtClean="0">
+                <a:solidFill>
+                  <a:srgbClr val="FF0000"/>
+                </a:solidFill>
+              </a:rPr>
+              <a:t>tuning and evaluation</a:t>
+            </a:r>
+            <a:r>
+              <a:rPr lang="en-US" altLang="zh-CN" dirty="0" smtClean="0"/>
+              <a:t>, we use 20K </a:t>
             </a:r>
             <a:r>
               <a:rPr lang="en-US" altLang="zh-CN" i="1" dirty="0" smtClean="0"/>
@@ -7539,7 +8095,19 @@
           <a:p>
             <a:r>
               <a:rPr lang="en-US" altLang="zh-CN" dirty="0" smtClean="0"/>
-              <a:t>It is worth noting that ConceptNet is also noisy due to uncertainties in the constructing process, where 15.5% of all assertions are considered “</a:t>
+              <a:t>It is worth noting that ConceptNet is also </a:t>
+            </a:r>
+            <a:r>
+              <a:rPr lang="en-US" altLang="zh-CN" dirty="0" smtClean="0">
+                <a:solidFill>
+                  <a:srgbClr val="FF0000"/>
+                </a:solidFill>
+              </a:rPr>
+              <a:t>noisy</a:t>
+            </a:r>
+            <a:r>
+              <a:rPr lang="en-US" altLang="zh-CN" dirty="0" smtClean="0"/>
+              <a:t> due to uncertainties in the constructing process, where 15.5% of all assertions are considered “</a:t>
             </a:r>
             <a:r>
               <a:rPr lang="en-US" altLang="zh-CN" dirty="0" smtClean="0">
@@ -7642,11 +8210,7 @@
           <a:p>
             <a:r>
               <a:rPr lang="en-US" altLang="zh-CN" dirty="0" smtClean="0"/>
-              <a:t>Experiments: </a:t>
-            </a:r>
-            <a:r>
-              <a:rPr lang="en-US" altLang="zh-CN" dirty="0" smtClean="0"/>
-              <a:t>Parameter </a:t>
+              <a:t>Experiments: Parameter </a:t>
             </a:r>
             <a:r>
               <a:rPr lang="en-US" altLang="zh-CN" dirty="0"/>
@@ -8121,7 +8685,7 @@
           <p:nvPr/>
         </p:nvPicPr>
         <p:blipFill>
-          <a:blip r:embed="rId2"/>
+          <a:blip r:embed="rId3"/>
           <a:stretch>
             <a:fillRect/>
           </a:stretch>
@@ -8265,172 +8829,6 @@
           </a:p>
         </p:txBody>
       </p:sp>
-      <p:sp>
-        <p:nvSpPr>
-          <p:cNvPr id="3" name="内容占位符 2"/>
-          <p:cNvSpPr>
-            <a:spLocks noGrp="1"/>
-          </p:cNvSpPr>
-          <p:nvPr>
-            <p:ph idx="1"/>
-          </p:nvPr>
-        </p:nvSpPr>
-        <p:spPr/>
-        <p:txBody>
-          <a:bodyPr/>
-          <a:lstStyle/>
-          <a:p>
-            <a:r>
-              <a:rPr lang="en-US" altLang="zh-CN" dirty="0" smtClean="0"/>
-              <a:t>In the context of artificial intelligence (AI), commonsense knowledge is the set of </a:t>
-            </a:r>
-            <a:r>
-              <a:rPr lang="en-US" altLang="zh-CN" dirty="0" smtClean="0">
-                <a:solidFill>
-                  <a:srgbClr val="FF0000"/>
-                </a:solidFill>
-              </a:rPr>
-              <a:t>background</a:t>
-            </a:r>
-            <a:r>
-              <a:rPr lang="en-US" altLang="zh-CN" dirty="0" smtClean="0"/>
-              <a:t> </a:t>
-            </a:r>
-            <a:r>
-              <a:rPr lang="en-US" altLang="zh-CN" dirty="0" smtClean="0">
-                <a:solidFill>
-                  <a:srgbClr val="FF0000"/>
-                </a:solidFill>
-              </a:rPr>
-              <a:t>information</a:t>
-            </a:r>
-            <a:r>
-              <a:rPr lang="en-US" altLang="zh-CN" dirty="0" smtClean="0"/>
-              <a:t> that an individual is intended to </a:t>
-            </a:r>
-            <a:r>
-              <a:rPr lang="en-US" altLang="zh-CN" dirty="0" smtClean="0">
-                <a:solidFill>
-                  <a:srgbClr val="FF0000"/>
-                </a:solidFill>
-              </a:rPr>
-              <a:t>know or assume </a:t>
-            </a:r>
-            <a:r>
-              <a:rPr lang="en-US" altLang="zh-CN" dirty="0" smtClean="0"/>
-              <a:t>and the ability to </a:t>
-            </a:r>
-            <a:r>
-              <a:rPr lang="en-US" altLang="zh-CN" dirty="0" smtClean="0">
-                <a:solidFill>
-                  <a:srgbClr val="FF0000"/>
-                </a:solidFill>
-              </a:rPr>
-              <a:t>use</a:t>
-            </a:r>
-            <a:r>
-              <a:rPr lang="en-US" altLang="zh-CN" dirty="0" smtClean="0"/>
-              <a:t> it when appropriate (Minsky 1986; Cambria et al. 2009; Cambria and Hussain 2015).</a:t>
-            </a:r>
-          </a:p>
-          <a:p>
-            <a:r>
-              <a:rPr lang="en-US" altLang="zh-CN" dirty="0" smtClean="0"/>
-              <a:t>Due to the </a:t>
-            </a:r>
-            <a:r>
-              <a:rPr lang="en-US" altLang="zh-CN" dirty="0" smtClean="0">
-                <a:solidFill>
-                  <a:srgbClr val="FF0000"/>
-                </a:solidFill>
-              </a:rPr>
-              <a:t>vastness</a:t>
-            </a:r>
-            <a:r>
-              <a:rPr lang="en-US" altLang="zh-CN" dirty="0" smtClean="0"/>
-              <a:t> of such kind of knowledge, we speculate that this goal is better suited by employing an </a:t>
-            </a:r>
-            <a:r>
-              <a:rPr lang="en-US" altLang="zh-CN" dirty="0" smtClean="0">
-                <a:solidFill>
-                  <a:srgbClr val="FF0000"/>
-                </a:solidFill>
-              </a:rPr>
-              <a:t>external memory module</a:t>
-            </a:r>
-            <a:r>
-              <a:rPr lang="en-US" altLang="zh-CN" dirty="0" smtClean="0"/>
-              <a:t> containing commonsense knowledge rather than forcing the system to encode it in </a:t>
-            </a:r>
-            <a:r>
-              <a:rPr lang="en-US" altLang="zh-CN" dirty="0" smtClean="0">
-                <a:solidFill>
-                  <a:srgbClr val="FF0000"/>
-                </a:solidFill>
-              </a:rPr>
-              <a:t>model parameters</a:t>
-            </a:r>
-            <a:r>
-              <a:rPr lang="en-US" altLang="zh-CN" dirty="0" smtClean="0"/>
-              <a:t> as in traditional methods.</a:t>
-            </a:r>
-            <a:endParaRPr lang="zh-CN" altLang="en-US" dirty="0"/>
-          </a:p>
-        </p:txBody>
-      </p:sp>
-    </p:spTree>
-    <p:extLst>
-      <p:ext uri="{BB962C8B-B14F-4D97-AF65-F5344CB8AC3E}">
-        <p14:creationId xmlns:p14="http://schemas.microsoft.com/office/powerpoint/2010/main" val="827273784"/>
-      </p:ext>
-    </p:extLst>
-  </p:cSld>
-  <p:clrMapOvr>
-    <a:masterClrMapping/>
-  </p:clrMapOvr>
-</p:sld>
-</file>
-
-<file path=ppt/slides/slide4.xml><?xml version="1.0" encoding="utf-8"?>
-<p:sld xmlns:a="http://schemas.openxmlformats.org/drawingml/2006/main" xmlns:r="http://schemas.openxmlformats.org/officeDocument/2006/relationships" xmlns:p="http://schemas.openxmlformats.org/presentationml/2006/main">
-  <p:cSld>
-    <p:spTree>
-      <p:nvGrpSpPr>
-        <p:cNvPr id="1" name=""/>
-        <p:cNvGrpSpPr/>
-        <p:nvPr/>
-      </p:nvGrpSpPr>
-      <p:grpSpPr>
-        <a:xfrm>
-          <a:off x="0" y="0"/>
-          <a:ext cx="0" cy="0"/>
-          <a:chOff x="0" y="0"/>
-          <a:chExt cx="0" cy="0"/>
-        </a:xfrm>
-      </p:grpSpPr>
-      <p:sp>
-        <p:nvSpPr>
-          <p:cNvPr id="2" name="标题 1"/>
-          <p:cNvSpPr>
-            <a:spLocks noGrp="1"/>
-          </p:cNvSpPr>
-          <p:nvPr>
-            <p:ph type="title"/>
-          </p:nvPr>
-        </p:nvSpPr>
-        <p:spPr/>
-        <p:txBody>
-          <a:bodyPr/>
-          <a:lstStyle/>
-          <a:p>
-            <a:r>
-              <a:rPr lang="en-US" altLang="zh-CN" dirty="0" smtClean="0"/>
-              <a:t>Abstract &amp; Introduction</a:t>
-            </a:r>
-            <a:endParaRPr lang="zh-CN" altLang="en-US" dirty="0"/>
-          </a:p>
-        </p:txBody>
-      </p:sp>
       <p:pic>
         <p:nvPicPr>
           <p:cNvPr id="4" name="内容占位符 3"/>
@@ -8470,6 +8868,172 @@
 </p:sld>
 </file>
 
+<file path=ppt/slides/slide4.xml><?xml version="1.0" encoding="utf-8"?>
+<p:sld xmlns:a="http://schemas.openxmlformats.org/drawingml/2006/main" xmlns:r="http://schemas.openxmlformats.org/officeDocument/2006/relationships" xmlns:p="http://schemas.openxmlformats.org/presentationml/2006/main">
+  <p:cSld>
+    <p:spTree>
+      <p:nvGrpSpPr>
+        <p:cNvPr id="1" name=""/>
+        <p:cNvGrpSpPr/>
+        <p:nvPr/>
+      </p:nvGrpSpPr>
+      <p:grpSpPr>
+        <a:xfrm>
+          <a:off x="0" y="0"/>
+          <a:ext cx="0" cy="0"/>
+          <a:chOff x="0" y="0"/>
+          <a:chExt cx="0" cy="0"/>
+        </a:xfrm>
+      </p:grpSpPr>
+      <p:sp>
+        <p:nvSpPr>
+          <p:cNvPr id="2" name="标题 1"/>
+          <p:cNvSpPr>
+            <a:spLocks noGrp="1"/>
+          </p:cNvSpPr>
+          <p:nvPr>
+            <p:ph type="title"/>
+          </p:nvPr>
+        </p:nvSpPr>
+        <p:spPr/>
+        <p:txBody>
+          <a:bodyPr/>
+          <a:lstStyle/>
+          <a:p>
+            <a:r>
+              <a:rPr lang="en-US" altLang="zh-CN" dirty="0" smtClean="0"/>
+              <a:t>Abstract &amp; Introduction</a:t>
+            </a:r>
+            <a:endParaRPr lang="zh-CN" altLang="en-US" dirty="0"/>
+          </a:p>
+        </p:txBody>
+      </p:sp>
+      <p:sp>
+        <p:nvSpPr>
+          <p:cNvPr id="3" name="内容占位符 2"/>
+          <p:cNvSpPr>
+            <a:spLocks noGrp="1"/>
+          </p:cNvSpPr>
+          <p:nvPr>
+            <p:ph idx="1"/>
+          </p:nvPr>
+        </p:nvSpPr>
+        <p:spPr/>
+        <p:txBody>
+          <a:bodyPr/>
+          <a:lstStyle/>
+          <a:p>
+            <a:r>
+              <a:rPr lang="en-US" altLang="zh-CN" dirty="0" smtClean="0"/>
+              <a:t>In the context of artificial intelligence (AI), commonsense knowledge is the set of </a:t>
+            </a:r>
+            <a:r>
+              <a:rPr lang="en-US" altLang="zh-CN" dirty="0" smtClean="0">
+                <a:solidFill>
+                  <a:srgbClr val="FF0000"/>
+                </a:solidFill>
+              </a:rPr>
+              <a:t>background</a:t>
+            </a:r>
+            <a:r>
+              <a:rPr lang="en-US" altLang="zh-CN" dirty="0" smtClean="0"/>
+              <a:t> </a:t>
+            </a:r>
+            <a:r>
+              <a:rPr lang="en-US" altLang="zh-CN" dirty="0" smtClean="0">
+                <a:solidFill>
+                  <a:srgbClr val="FF0000"/>
+                </a:solidFill>
+              </a:rPr>
+              <a:t>information</a:t>
+            </a:r>
+            <a:r>
+              <a:rPr lang="en-US" altLang="zh-CN" dirty="0" smtClean="0"/>
+              <a:t> that an individual is intended to </a:t>
+            </a:r>
+            <a:r>
+              <a:rPr lang="en-US" altLang="zh-CN" dirty="0" smtClean="0">
+                <a:solidFill>
+                  <a:srgbClr val="FF0000"/>
+                </a:solidFill>
+              </a:rPr>
+              <a:t>know or assume </a:t>
+            </a:r>
+            <a:r>
+              <a:rPr lang="en-US" altLang="zh-CN" dirty="0" smtClean="0"/>
+              <a:t>and the ability to </a:t>
+            </a:r>
+            <a:r>
+              <a:rPr lang="en-US" altLang="zh-CN" dirty="0" smtClean="0">
+                <a:solidFill>
+                  <a:srgbClr val="FF0000"/>
+                </a:solidFill>
+              </a:rPr>
+              <a:t>use</a:t>
+            </a:r>
+            <a:r>
+              <a:rPr lang="en-US" altLang="zh-CN" dirty="0" smtClean="0"/>
+              <a:t> it when appropriate (Minsky 1986; Cambria et al. 2009; Cambria and Hussain 2015).</a:t>
+            </a:r>
+          </a:p>
+          <a:p>
+            <a:r>
+              <a:rPr lang="en-US" altLang="zh-CN" dirty="0" smtClean="0"/>
+              <a:t>Due to the </a:t>
+            </a:r>
+            <a:r>
+              <a:rPr lang="en-US" altLang="zh-CN" dirty="0" smtClean="0">
+                <a:solidFill>
+                  <a:srgbClr val="FF0000"/>
+                </a:solidFill>
+              </a:rPr>
+              <a:t>vastness</a:t>
+            </a:r>
+            <a:r>
+              <a:rPr lang="en-US" altLang="zh-CN" dirty="0" smtClean="0"/>
+              <a:t> of such kind of knowledge, we speculate that this goal is better suited by employing an </a:t>
+            </a:r>
+            <a:r>
+              <a:rPr lang="en-US" altLang="zh-CN" dirty="0" smtClean="0">
+                <a:solidFill>
+                  <a:srgbClr val="FF0000"/>
+                </a:solidFill>
+              </a:rPr>
+              <a:t>external memory module</a:t>
+            </a:r>
+            <a:r>
+              <a:rPr lang="en-US" altLang="zh-CN" dirty="0" smtClean="0"/>
+              <a:t> containing commonsense knowledge rather than forcing the system to encode it in </a:t>
+            </a:r>
+            <a:r>
+              <a:rPr lang="en-US" altLang="zh-CN" dirty="0" smtClean="0">
+                <a:solidFill>
+                  <a:srgbClr val="FF0000"/>
+                </a:solidFill>
+              </a:rPr>
+              <a:t>model parameters</a:t>
+            </a:r>
+            <a:r>
+              <a:rPr lang="en-US" altLang="zh-CN" dirty="0" smtClean="0"/>
+              <a:t> as in traditional methods.</a:t>
+            </a:r>
+            <a:endParaRPr lang="zh-CN" altLang="en-US" dirty="0"/>
+          </a:p>
+        </p:txBody>
+      </p:sp>
+    </p:spTree>
+    <p:extLst>
+      <p:ext uri="{BB962C8B-B14F-4D97-AF65-F5344CB8AC3E}">
+        <p14:creationId xmlns:p14="http://schemas.microsoft.com/office/powerpoint/2010/main" val="827273784"/>
+      </p:ext>
+    </p:extLst>
+  </p:cSld>
+  <p:clrMapOvr>
+    <a:masterClrMapping/>
+  </p:clrMapOvr>
+</p:sld>
+</file>
+
 <file path=ppt/slides/slide5.xml><?xml version="1.0" encoding="utf-8"?>
 <p:sld xmlns:a="http://schemas.openxmlformats.org/drawingml/2006/main" xmlns:r="http://schemas.openxmlformats.org/officeDocument/2006/relationships" xmlns:p="http://schemas.openxmlformats.org/presentationml/2006/main">
   <p:cSld>
@@ -8610,11 +9174,7 @@
           <a:p>
             <a:r>
               <a:rPr lang="en-US" altLang="zh-CN" dirty="0" smtClean="0"/>
-              <a:t>Related Work: </a:t>
-            </a:r>
-            <a:r>
-              <a:rPr lang="en-US" altLang="zh-CN" dirty="0" smtClean="0"/>
-              <a:t>Commonsense Knowledge </a:t>
+              <a:t>Related Work: Commonsense Knowledge </a:t>
             </a:r>
             <a:endParaRPr lang="zh-CN" altLang="en-US" dirty="0"/>
           </a:p>
@@ -8656,11 +9216,7 @@
           <a:p>
             <a:r>
               <a:rPr lang="en-US" altLang="zh-CN" dirty="0" smtClean="0"/>
-              <a:t>Commonsense Knowledge Base </a:t>
-            </a:r>
-            <a:r>
-              <a:rPr lang="en-US" altLang="zh-CN" dirty="0" smtClean="0"/>
-              <a:t>can </a:t>
+              <a:t>Commonsense Knowledge Base can </a:t>
             </a:r>
             <a:r>
               <a:rPr lang="en-US" altLang="zh-CN" dirty="0"/>
@@ -8837,11 +9393,7 @@
           <a:p>
             <a:r>
               <a:rPr lang="en-US" altLang="zh-CN" dirty="0" smtClean="0"/>
-              <a:t>Related Work: </a:t>
-            </a:r>
-            <a:r>
-              <a:rPr lang="en-US" altLang="zh-CN" dirty="0" smtClean="0"/>
-              <a:t>Commonsense </a:t>
+              <a:t>Related Work: Commonsense </a:t>
             </a:r>
             <a:r>
               <a:rPr lang="en-US" altLang="zh-CN" dirty="0"/>

--- a/computer_science/ai/natural_language_processing/dialogue/papers/Augmenting End-to-End Dialogue Systems.pptx
+++ b/computer_science/ai/natural_language_processing/dialogue/papers/Augmenting End-to-End Dialogue Systems.pptx
@@ -5,35 +5,37 @@
     <p:sldMasterId id="2147483648" r:id="rId1"/>
   </p:sldMasterIdLst>
   <p:notesMasterIdLst>
-    <p:notesMasterId r:id="rId28"/>
+    <p:notesMasterId r:id="rId30"/>
   </p:notesMasterIdLst>
   <p:sldIdLst>
     <p:sldId id="256" r:id="rId2"/>
-    <p:sldId id="257" r:id="rId3"/>
-    <p:sldId id="281" r:id="rId4"/>
-    <p:sldId id="258" r:id="rId5"/>
-    <p:sldId id="259" r:id="rId6"/>
-    <p:sldId id="260" r:id="rId7"/>
-    <p:sldId id="261" r:id="rId8"/>
-    <p:sldId id="262" r:id="rId9"/>
-    <p:sldId id="263" r:id="rId10"/>
-    <p:sldId id="264" r:id="rId11"/>
-    <p:sldId id="265" r:id="rId12"/>
-    <p:sldId id="266" r:id="rId13"/>
-    <p:sldId id="267" r:id="rId14"/>
-    <p:sldId id="269" r:id="rId15"/>
-    <p:sldId id="272" r:id="rId16"/>
-    <p:sldId id="271" r:id="rId17"/>
-    <p:sldId id="268" r:id="rId18"/>
-    <p:sldId id="270" r:id="rId19"/>
-    <p:sldId id="273" r:id="rId20"/>
-    <p:sldId id="274" r:id="rId21"/>
-    <p:sldId id="276" r:id="rId22"/>
-    <p:sldId id="282" r:id="rId23"/>
-    <p:sldId id="277" r:id="rId24"/>
-    <p:sldId id="278" r:id="rId25"/>
-    <p:sldId id="280" r:id="rId26"/>
-    <p:sldId id="279" r:id="rId27"/>
+    <p:sldId id="281" r:id="rId3"/>
+    <p:sldId id="260" r:id="rId4"/>
+    <p:sldId id="261" r:id="rId5"/>
+    <p:sldId id="262" r:id="rId6"/>
+    <p:sldId id="263" r:id="rId7"/>
+    <p:sldId id="265" r:id="rId8"/>
+    <p:sldId id="266" r:id="rId9"/>
+    <p:sldId id="284" r:id="rId10"/>
+    <p:sldId id="270" r:id="rId11"/>
+    <p:sldId id="274" r:id="rId12"/>
+    <p:sldId id="276" r:id="rId13"/>
+    <p:sldId id="278" r:id="rId14"/>
+    <p:sldId id="280" r:id="rId15"/>
+    <p:sldId id="283" r:id="rId16"/>
+    <p:sldId id="257" r:id="rId17"/>
+    <p:sldId id="258" r:id="rId18"/>
+    <p:sldId id="259" r:id="rId19"/>
+    <p:sldId id="264" r:id="rId20"/>
+    <p:sldId id="267" r:id="rId21"/>
+    <p:sldId id="269" r:id="rId22"/>
+    <p:sldId id="272" r:id="rId23"/>
+    <p:sldId id="271" r:id="rId24"/>
+    <p:sldId id="268" r:id="rId25"/>
+    <p:sldId id="273" r:id="rId26"/>
+    <p:sldId id="282" r:id="rId27"/>
+    <p:sldId id="277" r:id="rId28"/>
+    <p:sldId id="279" r:id="rId29"/>
   </p:sldIdLst>
   <p:sldSz cx="12192000" cy="6858000"/>
   <p:notesSz cx="6858000" cy="9144000"/>
@@ -222,7 +224,7 @@
           <a:p>
             <a:fld id="{8A3F4A0D-9EE2-4FBB-8AF8-023CCB924446}" type="datetimeFigureOut">
               <a:rPr lang="zh-CN" altLang="en-US" smtClean="0"/>
-              <a:t>2019/5/13</a:t>
+              <a:t>2019/5/28</a:t>
             </a:fld>
             <a:endParaRPr lang="zh-CN" altLang="en-US"/>
           </a:p>
@@ -637,20 +639,170 @@
           <a:p>
             <a:r>
               <a:rPr lang="en-US" altLang="zh-CN" dirty="0" smtClean="0"/>
-              <a:t>unigrams</a:t>
-            </a:r>
-          </a:p>
-          <a:p>
-            <a:r>
-              <a:rPr lang="en-US" altLang="zh-CN" dirty="0" smtClean="0"/>
-              <a:t>bi-grams</a:t>
-            </a:r>
-          </a:p>
-          <a:p>
-            <a:r>
-              <a:rPr lang="en-US" altLang="zh-CN" dirty="0" smtClean="0"/>
-              <a:t>tri-grams</a:t>
-            </a:r>
+              <a:t>generation-based methods:</a:t>
+            </a:r>
+            <a:r>
+              <a:rPr lang="en-US" altLang="zh-CN" baseline="0" dirty="0" smtClean="0"/>
+              <a:t> </a:t>
+            </a:r>
+            <a:r>
+              <a:rPr lang="en-US" altLang="zh-CN" sz="1200" b="0" i="0" u="none" strike="noStrike" kern="1200" baseline="0" dirty="0" smtClean="0">
+                <a:solidFill>
+                  <a:schemeClr val="tx1"/>
+                </a:solidFill>
+                <a:latin typeface="+mn-lt"/>
+                <a:ea typeface="+mn-ea"/>
+                <a:cs typeface="+mn-cs"/>
+              </a:rPr>
+              <a:t>which employ an encoder-decoder framework where the message is encoded into a vector representation and, then, fed to the decoder to generate the response.</a:t>
+            </a:r>
+          </a:p>
+          <a:p>
+            <a:r>
+              <a:rPr lang="en-US" altLang="zh-CN" dirty="0" smtClean="0">
+                <a:solidFill>
+                  <a:srgbClr val="FF0000"/>
+                </a:solidFill>
+              </a:rPr>
+              <a:t>dull</a:t>
+            </a:r>
+            <a:r>
+              <a:rPr lang="en-US" altLang="zh-CN" dirty="0" smtClean="0"/>
+              <a:t> or </a:t>
+            </a:r>
+            <a:r>
+              <a:rPr lang="en-US" altLang="zh-CN" dirty="0" smtClean="0">
+                <a:solidFill>
+                  <a:srgbClr val="FF0000"/>
+                </a:solidFill>
+              </a:rPr>
+              <a:t>vague</a:t>
+            </a:r>
+            <a:r>
+              <a:rPr lang="en-US" altLang="zh-CN" dirty="0" smtClean="0">
+                <a:solidFill>
+                  <a:schemeClr val="tx1"/>
+                </a:solidFill>
+              </a:rPr>
+              <a:t>:</a:t>
+            </a:r>
+            <a:r>
+              <a:rPr lang="en-US" altLang="zh-CN" baseline="0" dirty="0" smtClean="0">
+                <a:solidFill>
+                  <a:schemeClr val="tx1"/>
+                </a:solidFill>
+              </a:rPr>
+              <a:t> </a:t>
+            </a:r>
+            <a:r>
+              <a:rPr lang="zh-CN" altLang="en-US" baseline="0" dirty="0" smtClean="0">
+                <a:solidFill>
+                  <a:schemeClr val="tx1"/>
+                </a:solidFill>
+              </a:rPr>
+              <a:t>枯燥的，含糊的</a:t>
+            </a:r>
+            <a:endParaRPr lang="en-US" altLang="zh-CN" baseline="0" dirty="0" smtClean="0">
+              <a:solidFill>
+                <a:schemeClr val="tx1"/>
+              </a:solidFill>
+            </a:endParaRPr>
+          </a:p>
+          <a:p>
+            <a:endParaRPr lang="en-US" altLang="zh-CN" baseline="0" dirty="0" smtClean="0">
+              <a:solidFill>
+                <a:schemeClr val="tx1"/>
+              </a:solidFill>
+            </a:endParaRPr>
+          </a:p>
+          <a:p>
+            <a:r>
+              <a:rPr lang="en-US" altLang="zh-CN" dirty="0" smtClean="0"/>
+              <a:t>The latter is more </a:t>
+            </a:r>
+            <a:r>
+              <a:rPr lang="en-US" altLang="zh-CN" dirty="0" smtClean="0">
+                <a:solidFill>
+                  <a:srgbClr val="FF0000"/>
+                </a:solidFill>
+              </a:rPr>
+              <a:t>natural</a:t>
+            </a:r>
+            <a:r>
+              <a:rPr lang="en-US" altLang="zh-CN" dirty="0" smtClean="0"/>
+              <a:t> (as it does not require a </a:t>
+            </a:r>
+            <a:r>
+              <a:rPr lang="en-US" altLang="zh-CN" dirty="0" smtClean="0">
+                <a:solidFill>
+                  <a:srgbClr val="FF0000"/>
+                </a:solidFill>
+              </a:rPr>
+              <a:t>response repository</a:t>
+            </a:r>
+            <a:r>
+              <a:rPr lang="en-US" altLang="zh-CN" dirty="0" smtClean="0"/>
+              <a:t>) yet suffers from generating </a:t>
+            </a:r>
+            <a:r>
+              <a:rPr lang="en-US" altLang="zh-CN" dirty="0" smtClean="0">
+                <a:solidFill>
+                  <a:srgbClr val="FF0000"/>
+                </a:solidFill>
+              </a:rPr>
+              <a:t>dull</a:t>
+            </a:r>
+            <a:r>
+              <a:rPr lang="en-US" altLang="zh-CN" dirty="0" smtClean="0"/>
+              <a:t> or </a:t>
+            </a:r>
+            <a:r>
+              <a:rPr lang="en-US" altLang="zh-CN" dirty="0" smtClean="0">
+                <a:solidFill>
+                  <a:srgbClr val="FF0000"/>
+                </a:solidFill>
+              </a:rPr>
+              <a:t>vague</a:t>
+            </a:r>
+            <a:r>
+              <a:rPr lang="en-US" altLang="zh-CN" dirty="0" smtClean="0"/>
+              <a:t> responses and generally needs </a:t>
+            </a:r>
+            <a:r>
+              <a:rPr lang="en-US" altLang="zh-CN" dirty="0" smtClean="0">
+                <a:solidFill>
+                  <a:srgbClr val="FF0000"/>
+                </a:solidFill>
+              </a:rPr>
+              <a:t>a great amount of training data</a:t>
+            </a:r>
+            <a:r>
+              <a:rPr lang="en-US" altLang="zh-CN" dirty="0" smtClean="0"/>
+              <a:t>.</a:t>
+            </a:r>
+          </a:p>
+          <a:p>
+            <a:endParaRPr lang="en-US" altLang="zh-CN" dirty="0" smtClean="0"/>
+          </a:p>
+          <a:p>
+            <a:r>
+              <a:rPr lang="en-US" altLang="zh-CN" dirty="0" smtClean="0"/>
+              <a:t>The model we propose in this work shares similarities with (Lowe et al. 2015a), which </a:t>
+            </a:r>
+            <a:r>
+              <a:rPr lang="en-US" altLang="zh-CN" dirty="0" smtClean="0">
+                <a:solidFill>
+                  <a:srgbClr val="FF0000"/>
+                </a:solidFill>
+              </a:rPr>
+              <a:t>encoded unstructured textual knowledge </a:t>
+            </a:r>
+            <a:r>
+              <a:rPr lang="en-US" altLang="zh-CN" dirty="0" smtClean="0"/>
+              <a:t>with a recurrent neural network (RNN).</a:t>
+            </a:r>
+          </a:p>
+          <a:p>
             <a:endParaRPr lang="zh-CN" altLang="en-US" dirty="0"/>
           </a:p>
         </p:txBody>
@@ -672,7 +824,7 @@
           <a:p>
             <a:fld id="{512C64C2-923E-4E49-A89E-DFD78E65AD4F}" type="slidenum">
               <a:rPr lang="zh-CN" altLang="en-US" smtClean="0"/>
-              <a:t>21</a:t>
+              <a:t>18</a:t>
             </a:fld>
             <a:endParaRPr lang="zh-CN" altLang="en-US"/>
           </a:p>
@@ -681,7 +833,7 @@
     </p:spTree>
     <p:extLst>
       <p:ext uri="{BB962C8B-B14F-4D97-AF65-F5344CB8AC3E}">
-        <p14:creationId xmlns:p14="http://schemas.microsoft.com/office/powerpoint/2010/main" val="2791241350"/>
+        <p14:creationId xmlns:p14="http://schemas.microsoft.com/office/powerpoint/2010/main" val="3069368690"/>
       </p:ext>
     </p:extLst>
   </p:cSld>
@@ -736,49 +888,23 @@
           <a:lstStyle/>
           <a:p>
             <a:r>
-              <a:rPr lang="en-US" altLang="zh-CN" dirty="0" smtClean="0">
-                <a:solidFill>
-                  <a:srgbClr val="FF0000"/>
-                </a:solidFill>
-              </a:rPr>
-              <a:t>max-pooling</a:t>
-            </a:r>
-            <a:r>
-              <a:rPr lang="en-US" altLang="zh-CN" baseline="0" dirty="0" smtClean="0">
-                <a:solidFill>
-                  <a:srgbClr val="FF0000"/>
-                </a:solidFill>
-              </a:rPr>
-              <a:t> and average-pooling</a:t>
-            </a:r>
-            <a:endParaRPr lang="en-US" altLang="zh-CN" dirty="0" smtClean="0">
-              <a:solidFill>
-                <a:srgbClr val="FF0000"/>
-              </a:solidFill>
-            </a:endParaRPr>
-          </a:p>
-          <a:p>
-            <a:r>
-              <a:rPr lang="en-US" altLang="zh-CN" dirty="0" smtClean="0">
-                <a:solidFill>
-                  <a:srgbClr val="FF0000"/>
-                </a:solidFill>
-              </a:rPr>
-              <a:t>vague</a:t>
-            </a:r>
-            <a:r>
-              <a:rPr lang="zh-CN" altLang="en-US" dirty="0" smtClean="0">
-                <a:solidFill>
-                  <a:srgbClr val="FF0000"/>
-                </a:solidFill>
-              </a:rPr>
-              <a:t>：不清楚的，含糊的</a:t>
-            </a:r>
-            <a:endParaRPr lang="zh-CN" altLang="en-US" dirty="0">
-              <a:solidFill>
-                <a:srgbClr val="FF0000"/>
-              </a:solidFill>
-            </a:endParaRPr>
+              <a:rPr lang="en-US" altLang="zh-CN" dirty="0" smtClean="0"/>
+              <a:t>Word Embeddings</a:t>
+            </a:r>
+          </a:p>
+          <a:p>
+            <a:r>
+              <a:rPr lang="en-US" altLang="zh-CN" sz="1200" b="0" i="0" u="none" strike="noStrike" kern="1200" baseline="0" dirty="0" smtClean="0">
+                <a:solidFill>
+                  <a:schemeClr val="tx1"/>
+                </a:solidFill>
+                <a:latin typeface="+mn-lt"/>
+                <a:ea typeface="+mn-ea"/>
+                <a:cs typeface="+mn-cs"/>
+              </a:rPr>
+              <a:t>attention</a:t>
+            </a:r>
+            <a:endParaRPr lang="zh-CN" altLang="en-US" dirty="0"/>
           </a:p>
         </p:txBody>
       </p:sp>
@@ -799,7 +925,7 @@
           <a:p>
             <a:fld id="{512C64C2-923E-4E49-A89E-DFD78E65AD4F}" type="slidenum">
               <a:rPr lang="zh-CN" altLang="en-US" smtClean="0"/>
-              <a:t>22</a:t>
+              <a:t>25</a:t>
             </a:fld>
             <a:endParaRPr lang="zh-CN" altLang="en-US"/>
           </a:p>
@@ -808,7 +934,7 @@
     </p:spTree>
     <p:extLst>
       <p:ext uri="{BB962C8B-B14F-4D97-AF65-F5344CB8AC3E}">
-        <p14:creationId xmlns:p14="http://schemas.microsoft.com/office/powerpoint/2010/main" val="1585914400"/>
+        <p14:creationId xmlns:p14="http://schemas.microsoft.com/office/powerpoint/2010/main" val="1923929451"/>
       </p:ext>
     </p:extLst>
   </p:cSld>
@@ -863,34 +989,49 @@
           <a:lstStyle/>
           <a:p>
             <a:r>
-              <a:rPr lang="en-US" altLang="zh-CN" dirty="0" smtClean="0"/>
-              <a:t>instance</a:t>
-            </a:r>
-            <a:r>
-              <a:rPr lang="en-US" altLang="zh-CN" baseline="0" dirty="0" smtClean="0"/>
-              <a:t> 3: Informally speaking, such cases suggest that to some extent, Dual-LSTM (models with no memory) is able to encode certain commonsense knowledge in model parameters (e.g., word embeddings) in an implicit way.</a:t>
-            </a:r>
-          </a:p>
-          <a:p>
-            <a:endParaRPr lang="en-US" altLang="zh-CN" baseline="0" dirty="0" smtClean="0"/>
-          </a:p>
-          <a:p>
-            <a:r>
-              <a:rPr lang="en-US" altLang="zh-CN" baseline="0" dirty="0" smtClean="0"/>
-              <a:t>instance 4: </a:t>
-            </a:r>
-            <a:r>
-              <a:rPr lang="en-US" altLang="zh-CN" sz="1200" b="0" i="0" u="none" strike="noStrike" kern="1200" baseline="0" dirty="0" smtClean="0">
-                <a:solidFill>
-                  <a:schemeClr val="tx1"/>
-                </a:solidFill>
-                <a:latin typeface="+mn-lt"/>
-                <a:ea typeface="+mn-ea"/>
-                <a:cs typeface="+mn-cs"/>
-              </a:rPr>
-              <a:t>In other cases, e.g., instance 4, the message itself is enough for the selection of the correct response, where both models do equally well.</a:t>
-            </a:r>
-            <a:endParaRPr lang="zh-CN" altLang="en-US" dirty="0"/>
+              <a:rPr lang="en-US" altLang="zh-CN" dirty="0" smtClean="0">
+                <a:solidFill>
+                  <a:srgbClr val="FF0000"/>
+                </a:solidFill>
+              </a:rPr>
+              <a:t>max-pooling</a:t>
+            </a:r>
+            <a:r>
+              <a:rPr lang="en-US" altLang="zh-CN" baseline="0" dirty="0" smtClean="0">
+                <a:solidFill>
+                  <a:srgbClr val="FF0000"/>
+                </a:solidFill>
+              </a:rPr>
+              <a:t> and average-pooling</a:t>
+            </a:r>
+            <a:endParaRPr lang="en-US" altLang="zh-CN" dirty="0" smtClean="0">
+              <a:solidFill>
+                <a:srgbClr val="FF0000"/>
+              </a:solidFill>
+            </a:endParaRPr>
+          </a:p>
+          <a:p>
+            <a:r>
+              <a:rPr lang="en-US" altLang="zh-CN" dirty="0" smtClean="0">
+                <a:solidFill>
+                  <a:srgbClr val="FF0000"/>
+                </a:solidFill>
+              </a:rPr>
+              <a:t>vague</a:t>
+            </a:r>
+            <a:r>
+              <a:rPr lang="zh-CN" altLang="en-US" dirty="0" smtClean="0">
+                <a:solidFill>
+                  <a:srgbClr val="FF0000"/>
+                </a:solidFill>
+              </a:rPr>
+              <a:t>：不清楚的，含糊的</a:t>
+            </a:r>
+            <a:endParaRPr lang="zh-CN" altLang="en-US" dirty="0">
+              <a:solidFill>
+                <a:srgbClr val="FF0000"/>
+              </a:solidFill>
+            </a:endParaRPr>
           </a:p>
         </p:txBody>
       </p:sp>
@@ -911,7 +1052,7 @@
           <a:p>
             <a:fld id="{512C64C2-923E-4E49-A89E-DFD78E65AD4F}" type="slidenum">
               <a:rPr lang="zh-CN" altLang="en-US" smtClean="0"/>
-              <a:t>25</a:t>
+              <a:t>26</a:t>
             </a:fld>
             <a:endParaRPr lang="zh-CN" altLang="en-US"/>
           </a:p>
@@ -920,7 +1061,7 @@
     </p:spTree>
     <p:extLst>
       <p:ext uri="{BB962C8B-B14F-4D97-AF65-F5344CB8AC3E}">
-        <p14:creationId xmlns:p14="http://schemas.microsoft.com/office/powerpoint/2010/main" val="1184398995"/>
+        <p14:creationId xmlns:p14="http://schemas.microsoft.com/office/powerpoint/2010/main" val="1585914400"/>
       </p:ext>
     </p:extLst>
   </p:cSld>
@@ -974,6 +1115,41 @@
           <a:bodyPr/>
           <a:lstStyle/>
           <a:p>
+            <a:r>
+              <a:rPr lang="en-US" altLang="zh-CN" dirty="0" smtClean="0"/>
+              <a:t>Objective facts</a:t>
+            </a:r>
+            <a:r>
+              <a:rPr lang="zh-CN" altLang="en-US" dirty="0" smtClean="0"/>
+              <a:t>：客观事实</a:t>
+            </a:r>
+            <a:endParaRPr lang="en-US" altLang="zh-CN" dirty="0" smtClean="0"/>
+          </a:p>
+          <a:p>
+            <a:r>
+              <a:rPr lang="en-US" altLang="zh-CN" sz="1200" b="0" i="0" u="none" strike="noStrike" kern="1200" baseline="0" dirty="0" smtClean="0">
+                <a:solidFill>
+                  <a:schemeClr val="tx1"/>
+                </a:solidFill>
+                <a:latin typeface="+mn-lt"/>
+                <a:ea typeface="+mn-ea"/>
+                <a:cs typeface="+mn-cs"/>
+              </a:rPr>
+              <a:t>The aim of commonsense knowledge representation and reasoning</a:t>
+            </a:r>
+          </a:p>
+          <a:p>
+            <a:r>
+              <a:rPr lang="en-US" altLang="zh-CN" sz="1200" b="0" i="0" u="none" strike="noStrike" kern="1200" baseline="0" dirty="0" smtClean="0">
+                <a:solidFill>
+                  <a:schemeClr val="tx1"/>
+                </a:solidFill>
+                <a:latin typeface="+mn-lt"/>
+                <a:ea typeface="+mn-ea"/>
+                <a:cs typeface="+mn-cs"/>
+              </a:rPr>
+              <a:t>is to give a foundation of real-world knowledge to a variety of AI applications</a:t>
+            </a:r>
             <a:endParaRPr lang="zh-CN" altLang="en-US" dirty="0"/>
           </a:p>
         </p:txBody>
@@ -995,7 +1171,7 @@
           <a:p>
             <a:fld id="{512C64C2-923E-4E49-A89E-DFD78E65AD4F}" type="slidenum">
               <a:rPr lang="zh-CN" altLang="en-US" smtClean="0"/>
-              <a:t>2</a:t>
+              <a:t>3</a:t>
             </a:fld>
             <a:endParaRPr lang="zh-CN" altLang="en-US"/>
           </a:p>
@@ -1004,7 +1180,7 @@
     </p:spTree>
     <p:extLst>
       <p:ext uri="{BB962C8B-B14F-4D97-AF65-F5344CB8AC3E}">
-        <p14:creationId xmlns:p14="http://schemas.microsoft.com/office/powerpoint/2010/main" val="2303320038"/>
+        <p14:creationId xmlns:p14="http://schemas.microsoft.com/office/powerpoint/2010/main" val="2580867221"/>
       </p:ext>
     </p:extLst>
   </p:cSld>
@@ -1059,15 +1235,7 @@
           <a:lstStyle/>
           <a:p>
             <a:r>
-              <a:rPr lang="en-US" altLang="zh-CN" dirty="0" smtClean="0"/>
-              <a:t>generation-based methods:</a:t>
-            </a:r>
-            <a:r>
-              <a:rPr lang="en-US" altLang="zh-CN" baseline="0" dirty="0" smtClean="0"/>
-              <a:t> </a:t>
-            </a:r>
-            <a:r>
-              <a:rPr lang="en-US" altLang="zh-CN" sz="1200" b="0" i="0" u="none" strike="noStrike" kern="1200" baseline="0" dirty="0" smtClean="0">
+              <a:rPr lang="en-US" altLang="zh-CN" sz="1200" b="0" i="1" u="none" strike="noStrike" kern="1200" baseline="0" dirty="0" smtClean="0">
                 <a:solidFill>
                   <a:schemeClr val="tx1"/>
                 </a:solidFill>
@@ -1075,157 +1243,159 @@
                 <a:ea typeface="+mn-ea"/>
                 <a:cs typeface="+mn-cs"/>
               </a:rPr>
-              <a:t>which employ an encoder-decoder framework where the message is encoded into a vector representation and, then, fed to the decoder to generate the response.</a:t>
-            </a:r>
-          </a:p>
-          <a:p>
-            <a:r>
-              <a:rPr lang="en-US" altLang="zh-CN" dirty="0" smtClean="0">
-                <a:solidFill>
-                  <a:srgbClr val="FF0000"/>
-                </a:solidFill>
-              </a:rPr>
-              <a:t>dull</a:t>
-            </a:r>
-            <a:r>
-              <a:rPr lang="en-US" altLang="zh-CN" dirty="0" smtClean="0"/>
-              <a:t> or </a:t>
-            </a:r>
-            <a:r>
-              <a:rPr lang="en-US" altLang="zh-CN" dirty="0" smtClean="0">
-                <a:solidFill>
-                  <a:srgbClr val="FF0000"/>
-                </a:solidFill>
-              </a:rPr>
-              <a:t>vague</a:t>
-            </a:r>
-            <a:r>
-              <a:rPr lang="en-US" altLang="zh-CN" dirty="0" smtClean="0">
+              <a:t>Message </a:t>
+            </a:r>
+            <a:r>
+              <a:rPr lang="en-US" altLang="zh-CN" sz="1200" b="0" i="0" u="none" strike="noStrike" kern="1200" baseline="0" dirty="0" smtClean="0">
                 <a:solidFill>
                   <a:schemeClr val="tx1"/>
                 </a:solidFill>
-              </a:rPr>
-              <a:t>:</a:t>
-            </a:r>
-            <a:r>
-              <a:rPr lang="en-US" altLang="zh-CN" baseline="0" dirty="0" smtClean="0">
+                <a:latin typeface="+mn-lt"/>
+                <a:ea typeface="+mn-ea"/>
+                <a:cs typeface="+mn-cs"/>
+              </a:rPr>
+              <a:t>(</a:t>
+            </a:r>
+            <a:r>
+              <a:rPr lang="en-US" altLang="zh-CN" sz="1200" b="0" i="1" u="none" strike="noStrike" kern="1200" baseline="0" dirty="0" smtClean="0">
                 <a:solidFill>
                   <a:schemeClr val="tx1"/>
                 </a:solidFill>
-              </a:rPr>
-              <a:t> </a:t>
-            </a:r>
-            <a:r>
-              <a:rPr lang="zh-CN" altLang="en-US" baseline="0" dirty="0" smtClean="0">
+                <a:latin typeface="+mn-lt"/>
+                <a:ea typeface="+mn-ea"/>
+                <a:cs typeface="+mn-cs"/>
+              </a:rPr>
+              <a:t>context</a:t>
+            </a:r>
+            <a:r>
+              <a:rPr lang="en-US" altLang="zh-CN" sz="1200" b="0" i="0" u="none" strike="noStrike" kern="1200" baseline="0" dirty="0" smtClean="0">
                 <a:solidFill>
                   <a:schemeClr val="tx1"/>
                 </a:solidFill>
-              </a:rPr>
-              <a:t>枯燥的，含糊的</a:t>
-            </a:r>
-            <a:endParaRPr lang="en-US" altLang="zh-CN" baseline="0" dirty="0" smtClean="0">
+                <a:latin typeface="+mn-lt"/>
+                <a:ea typeface="+mn-ea"/>
+                <a:cs typeface="+mn-cs"/>
+              </a:rPr>
+              <a:t>) </a:t>
+            </a:r>
+            <a:r>
+              <a:rPr lang="en-US" altLang="zh-CN" sz="1200" b="0" i="1" u="none" strike="noStrike" kern="1200" baseline="0" dirty="0" smtClean="0">
+                <a:solidFill>
+                  <a:schemeClr val="tx1"/>
+                </a:solidFill>
+                <a:latin typeface="+mn-lt"/>
+                <a:ea typeface="+mn-ea"/>
+                <a:cs typeface="+mn-cs"/>
+              </a:rPr>
+              <a:t>x </a:t>
+            </a:r>
+            <a:r>
+              <a:rPr lang="en-US" altLang="zh-CN" sz="1200" b="0" i="0" u="none" strike="noStrike" kern="1200" baseline="0" dirty="0" smtClean="0">
+                <a:solidFill>
+                  <a:schemeClr val="tx1"/>
+                </a:solidFill>
+                <a:latin typeface="+mn-lt"/>
+                <a:ea typeface="+mn-ea"/>
+                <a:cs typeface="+mn-cs"/>
+              </a:rPr>
+              <a:t>and </a:t>
+            </a:r>
+            <a:r>
+              <a:rPr lang="en-US" altLang="zh-CN" sz="1200" b="0" i="1" u="none" strike="noStrike" kern="1200" baseline="0" dirty="0" smtClean="0">
+                <a:solidFill>
+                  <a:schemeClr val="tx1"/>
+                </a:solidFill>
+                <a:latin typeface="+mn-lt"/>
+                <a:ea typeface="+mn-ea"/>
+                <a:cs typeface="+mn-cs"/>
+              </a:rPr>
+              <a:t>response y </a:t>
+            </a:r>
+            <a:r>
+              <a:rPr lang="en-US" altLang="zh-CN" sz="1200" b="0" i="0" u="none" strike="noStrike" kern="1200" baseline="0" dirty="0" smtClean="0">
+                <a:solidFill>
+                  <a:schemeClr val="tx1"/>
+                </a:solidFill>
+                <a:latin typeface="+mn-lt"/>
+                <a:ea typeface="+mn-ea"/>
+                <a:cs typeface="+mn-cs"/>
+              </a:rPr>
+              <a:t>are a sequence of tokens from vocabulary </a:t>
+            </a:r>
+            <a:r>
+              <a:rPr lang="en-US" altLang="zh-CN" sz="1200" b="0" i="1" u="none" strike="noStrike" kern="1200" baseline="0" dirty="0" smtClean="0">
+                <a:solidFill>
+                  <a:schemeClr val="tx1"/>
+                </a:solidFill>
+                <a:latin typeface="+mn-lt"/>
+                <a:ea typeface="+mn-ea"/>
+                <a:cs typeface="+mn-cs"/>
+              </a:rPr>
+              <a:t>V </a:t>
+            </a:r>
+            <a:r>
+              <a:rPr lang="en-US" altLang="zh-CN" sz="1200" b="0" i="0" u="none" strike="noStrike" kern="1200" baseline="0" dirty="0" smtClean="0">
+                <a:solidFill>
+                  <a:schemeClr val="tx1"/>
+                </a:solidFill>
+                <a:latin typeface="+mn-lt"/>
+                <a:ea typeface="+mn-ea"/>
+                <a:cs typeface="+mn-cs"/>
+              </a:rPr>
+              <a:t>.</a:t>
+            </a:r>
+          </a:p>
+          <a:p>
+            <a:r>
+              <a:rPr lang="en-US" altLang="zh-CN" sz="1200" b="0" i="0" u="none" strike="noStrike" kern="1200" baseline="0" dirty="0" smtClean="0">
+                <a:solidFill>
+                  <a:srgbClr val="FF0000"/>
+                </a:solidFill>
+                <a:latin typeface="+mn-lt"/>
+                <a:ea typeface="+mn-ea"/>
+                <a:cs typeface="+mn-cs"/>
+              </a:rPr>
+              <a:t>Cross Entropy Loss (</a:t>
+            </a:r>
+            <a:r>
+              <a:rPr lang="zh-CN" altLang="en-US" sz="1200" b="0" i="0" u="none" strike="noStrike" kern="1200" baseline="0" dirty="0" smtClean="0">
+                <a:solidFill>
+                  <a:srgbClr val="FF0000"/>
+                </a:solidFill>
+                <a:latin typeface="+mn-lt"/>
+                <a:ea typeface="+mn-ea"/>
+                <a:cs typeface="+mn-cs"/>
+              </a:rPr>
+              <a:t>交叉嫡验证</a:t>
+            </a:r>
+            <a:r>
+              <a:rPr lang="en-US" altLang="zh-CN" sz="1200" b="0" i="0" u="none" strike="noStrike" kern="1200" baseline="0" dirty="0" smtClean="0">
+                <a:solidFill>
+                  <a:srgbClr val="FF0000"/>
+                </a:solidFill>
+                <a:latin typeface="+mn-lt"/>
+                <a:ea typeface="+mn-ea"/>
+                <a:cs typeface="+mn-cs"/>
+              </a:rPr>
+              <a:t>): </a:t>
+            </a:r>
+            <a:r>
+              <a:rPr lang="zh-CN" altLang="en-US" sz="1200" b="0" i="0" u="none" strike="noStrike" kern="1200" baseline="0" dirty="0" smtClean="0">
+                <a:solidFill>
+                  <a:srgbClr val="FF0000"/>
+                </a:solidFill>
+                <a:latin typeface="+mn-lt"/>
+                <a:ea typeface="+mn-ea"/>
+                <a:cs typeface="+mn-cs"/>
+              </a:rPr>
+              <a:t>两个概率分布的距离，越小越好</a:t>
+            </a:r>
+            <a:endParaRPr lang="zh-CN" altLang="en-US" dirty="0">
               <a:solidFill>
-                <a:schemeClr val="tx1"/>
+                <a:srgbClr val="FF0000"/>
               </a:solidFill>
             </a:endParaRPr>
           </a:p>
-          <a:p>
-            <a:endParaRPr lang="en-US" altLang="zh-CN" baseline="0" dirty="0" smtClean="0">
-              <a:solidFill>
-                <a:schemeClr val="tx1"/>
-              </a:solidFill>
-            </a:endParaRPr>
-          </a:p>
-          <a:p>
-            <a:r>
-              <a:rPr lang="en-US" altLang="zh-CN" dirty="0" smtClean="0"/>
-              <a:t>The latter is more </a:t>
-            </a:r>
-            <a:r>
-              <a:rPr lang="en-US" altLang="zh-CN" dirty="0" smtClean="0">
-                <a:solidFill>
-                  <a:srgbClr val="FF0000"/>
-                </a:solidFill>
-              </a:rPr>
-              <a:t>natural</a:t>
-            </a:r>
-            <a:r>
-              <a:rPr lang="en-US" altLang="zh-CN" dirty="0" smtClean="0"/>
-              <a:t> (as it does not require a </a:t>
-            </a:r>
-            <a:r>
-              <a:rPr lang="en-US" altLang="zh-CN" dirty="0" smtClean="0">
-                <a:solidFill>
-                  <a:srgbClr val="FF0000"/>
-                </a:solidFill>
-              </a:rPr>
-              <a:t>response repository</a:t>
-            </a:r>
-            <a:r>
-              <a:rPr lang="en-US" altLang="zh-CN" dirty="0" smtClean="0"/>
-              <a:t>) yet suffers from generating </a:t>
-            </a:r>
-            <a:r>
-              <a:rPr lang="en-US" altLang="zh-CN" dirty="0" smtClean="0">
-                <a:solidFill>
-                  <a:srgbClr val="FF0000"/>
-                </a:solidFill>
-              </a:rPr>
-              <a:t>dull</a:t>
-            </a:r>
-            <a:r>
-              <a:rPr lang="en-US" altLang="zh-CN" dirty="0" smtClean="0"/>
-              <a:t> or </a:t>
-            </a:r>
-            <a:r>
-              <a:rPr lang="en-US" altLang="zh-CN" dirty="0" smtClean="0">
-                <a:solidFill>
-                  <a:srgbClr val="FF0000"/>
-                </a:solidFill>
-              </a:rPr>
-              <a:t>vague</a:t>
-            </a:r>
-            <a:r>
-              <a:rPr lang="en-US" altLang="zh-CN" dirty="0" smtClean="0"/>
-              <a:t> responses and generally needs </a:t>
-            </a:r>
-            <a:r>
-              <a:rPr lang="en-US" altLang="zh-CN" dirty="0" smtClean="0">
-                <a:solidFill>
-                  <a:srgbClr val="FF0000"/>
-                </a:solidFill>
-              </a:rPr>
-              <a:t>a great amount of training data</a:t>
-            </a:r>
-            <a:r>
-              <a:rPr lang="en-US" altLang="zh-CN" dirty="0" smtClean="0"/>
-              <a:t>.</a:t>
-            </a:r>
-          </a:p>
-          <a:p>
-            <a:endParaRPr lang="en-US" altLang="zh-CN" dirty="0" smtClean="0"/>
-          </a:p>
-          <a:p>
-            <a:r>
-              <a:rPr lang="en-US" altLang="zh-CN" dirty="0" smtClean="0"/>
-              <a:t>The model we propose in this work shares similarities with (Lowe et al. 2015a), which </a:t>
-            </a:r>
-            <a:r>
-              <a:rPr lang="en-US" altLang="zh-CN" dirty="0" smtClean="0">
-                <a:solidFill>
-                  <a:srgbClr val="FF0000"/>
-                </a:solidFill>
-              </a:rPr>
-              <a:t>encoded unstructured textual knowledge </a:t>
-            </a:r>
-            <a:r>
-              <a:rPr lang="en-US" altLang="zh-CN" dirty="0" smtClean="0"/>
-              <a:t>with a recurrent neural network (RNN).</a:t>
-            </a:r>
-          </a:p>
-          <a:p>
-            <a:endParaRPr lang="zh-CN" altLang="en-US" dirty="0"/>
-          </a:p>
         </p:txBody>
       </p:sp>
       <p:sp>
@@ -1245,7 +1415,7 @@
           <a:p>
             <a:fld id="{512C64C2-923E-4E49-A89E-DFD78E65AD4F}" type="slidenum">
               <a:rPr lang="zh-CN" altLang="en-US" smtClean="0"/>
-              <a:t>5</a:t>
+              <a:t>6</a:t>
             </a:fld>
             <a:endParaRPr lang="zh-CN" altLang="en-US"/>
           </a:p>
@@ -1254,7 +1424,7 @@
     </p:spTree>
     <p:extLst>
       <p:ext uri="{BB962C8B-B14F-4D97-AF65-F5344CB8AC3E}">
-        <p14:creationId xmlns:p14="http://schemas.microsoft.com/office/powerpoint/2010/main" val="3069368690"/>
+        <p14:creationId xmlns:p14="http://schemas.microsoft.com/office/powerpoint/2010/main" val="982469953"/>
       </p:ext>
     </p:extLst>
   </p:cSld>
@@ -1308,45 +1478,6 @@
           <a:bodyPr/>
           <a:lstStyle/>
           <a:p>
-            <a:r>
-              <a:rPr lang="en-US" altLang="zh-CN" dirty="0" smtClean="0"/>
-              <a:t>Objective facts</a:t>
-            </a:r>
-            <a:r>
-              <a:rPr lang="zh-CN" altLang="en-US" dirty="0" smtClean="0"/>
-              <a:t>：客观</a:t>
-            </a:r>
-            <a:r>
-              <a:rPr lang="zh-CN" altLang="en-US" dirty="0" smtClean="0"/>
-              <a:t>事实</a:t>
-            </a:r>
-            <a:endParaRPr lang="en-US" altLang="zh-CN" dirty="0" smtClean="0"/>
-          </a:p>
-          <a:p>
-            <a:r>
-              <a:rPr lang="en-US" altLang="zh-CN" sz="1200" b="0" i="0" u="none" strike="noStrike" kern="1200" baseline="0" dirty="0" smtClean="0">
-                <a:solidFill>
-                  <a:schemeClr val="tx1"/>
-                </a:solidFill>
-                <a:latin typeface="+mn-lt"/>
-                <a:ea typeface="+mn-ea"/>
-                <a:cs typeface="+mn-cs"/>
-              </a:rPr>
-              <a:t>The aim of commonsense knowledge representation and reasoning</a:t>
-            </a:r>
-          </a:p>
-          <a:p>
-            <a:r>
-              <a:rPr lang="en-US" altLang="zh-CN" sz="1200" b="0" i="0" u="none" strike="noStrike" kern="1200" baseline="0" dirty="0" smtClean="0">
-                <a:solidFill>
-                  <a:schemeClr val="tx1"/>
-                </a:solidFill>
-                <a:latin typeface="+mn-lt"/>
-                <a:ea typeface="+mn-ea"/>
-                <a:cs typeface="+mn-cs"/>
-              </a:rPr>
-              <a:t>is to give a foundation of real-world knowledge to a variety of AI applications</a:t>
-            </a:r>
             <a:endParaRPr lang="zh-CN" altLang="en-US" dirty="0"/>
           </a:p>
         </p:txBody>
@@ -1368,7 +1499,7 @@
           <a:p>
             <a:fld id="{512C64C2-923E-4E49-A89E-DFD78E65AD4F}" type="slidenum">
               <a:rPr lang="zh-CN" altLang="en-US" smtClean="0"/>
-              <a:t>6</a:t>
+              <a:t>7</a:t>
             </a:fld>
             <a:endParaRPr lang="zh-CN" altLang="en-US"/>
           </a:p>
@@ -1377,7 +1508,7 @@
     </p:spTree>
     <p:extLst>
       <p:ext uri="{BB962C8B-B14F-4D97-AF65-F5344CB8AC3E}">
-        <p14:creationId xmlns:p14="http://schemas.microsoft.com/office/powerpoint/2010/main" val="2580867221"/>
+        <p14:creationId xmlns:p14="http://schemas.microsoft.com/office/powerpoint/2010/main" val="3825825888"/>
       </p:ext>
     </p:extLst>
   </p:cSld>
@@ -1432,167 +1563,38 @@
           <a:lstStyle/>
           <a:p>
             <a:r>
-              <a:rPr lang="en-US" altLang="zh-CN" sz="1200" b="0" i="1" u="none" strike="noStrike" kern="1200" baseline="0" dirty="0" smtClean="0">
-                <a:solidFill>
-                  <a:schemeClr val="tx1"/>
-                </a:solidFill>
-                <a:latin typeface="+mn-lt"/>
-                <a:ea typeface="+mn-ea"/>
-                <a:cs typeface="+mn-cs"/>
-              </a:rPr>
-              <a:t>Message </a:t>
-            </a:r>
-            <a:r>
-              <a:rPr lang="en-US" altLang="zh-CN" sz="1200" b="0" i="0" u="none" strike="noStrike" kern="1200" baseline="0" dirty="0" smtClean="0">
-                <a:solidFill>
-                  <a:schemeClr val="tx1"/>
-                </a:solidFill>
-                <a:latin typeface="+mn-lt"/>
-                <a:ea typeface="+mn-ea"/>
-                <a:cs typeface="+mn-cs"/>
-              </a:rPr>
-              <a:t>(</a:t>
-            </a:r>
-            <a:r>
-              <a:rPr lang="en-US" altLang="zh-CN" sz="1200" b="0" i="1" u="none" strike="noStrike" kern="1200" baseline="0" dirty="0" smtClean="0">
-                <a:solidFill>
-                  <a:schemeClr val="tx1"/>
-                </a:solidFill>
-                <a:latin typeface="+mn-lt"/>
-                <a:ea typeface="+mn-ea"/>
-                <a:cs typeface="+mn-cs"/>
-              </a:rPr>
-              <a:t>context</a:t>
-            </a:r>
-            <a:r>
-              <a:rPr lang="en-US" altLang="zh-CN" sz="1200" b="0" i="0" u="none" strike="noStrike" kern="1200" baseline="0" dirty="0" smtClean="0">
-                <a:solidFill>
-                  <a:schemeClr val="tx1"/>
-                </a:solidFill>
-                <a:latin typeface="+mn-lt"/>
-                <a:ea typeface="+mn-ea"/>
-                <a:cs typeface="+mn-cs"/>
-              </a:rPr>
-              <a:t>) </a:t>
-            </a:r>
-            <a:r>
-              <a:rPr lang="en-US" altLang="zh-CN" sz="1200" b="0" i="1" u="none" strike="noStrike" kern="1200" baseline="0" dirty="0" smtClean="0">
-                <a:solidFill>
-                  <a:schemeClr val="tx1"/>
-                </a:solidFill>
-                <a:latin typeface="+mn-lt"/>
-                <a:ea typeface="+mn-ea"/>
-                <a:cs typeface="+mn-cs"/>
-              </a:rPr>
-              <a:t>x </a:t>
-            </a:r>
-            <a:r>
-              <a:rPr lang="en-US" altLang="zh-CN" sz="1200" b="0" i="0" u="none" strike="noStrike" kern="1200" baseline="0" dirty="0" smtClean="0">
-                <a:solidFill>
-                  <a:schemeClr val="tx1"/>
-                </a:solidFill>
-                <a:latin typeface="+mn-lt"/>
-                <a:ea typeface="+mn-ea"/>
-                <a:cs typeface="+mn-cs"/>
-              </a:rPr>
-              <a:t>and </a:t>
-            </a:r>
-            <a:r>
-              <a:rPr lang="en-US" altLang="zh-CN" sz="1200" b="0" i="1" u="none" strike="noStrike" kern="1200" baseline="0" dirty="0" smtClean="0">
-                <a:solidFill>
-                  <a:schemeClr val="tx1"/>
-                </a:solidFill>
-                <a:latin typeface="+mn-lt"/>
-                <a:ea typeface="+mn-ea"/>
-                <a:cs typeface="+mn-cs"/>
-              </a:rPr>
-              <a:t>response y </a:t>
-            </a:r>
-            <a:r>
-              <a:rPr lang="en-US" altLang="zh-CN" sz="1200" b="0" i="0" u="none" strike="noStrike" kern="1200" baseline="0" dirty="0" smtClean="0">
-                <a:solidFill>
-                  <a:schemeClr val="tx1"/>
-                </a:solidFill>
-                <a:latin typeface="+mn-lt"/>
-                <a:ea typeface="+mn-ea"/>
-                <a:cs typeface="+mn-cs"/>
-              </a:rPr>
-              <a:t>are a sequence of tokens from vocabulary </a:t>
-            </a:r>
-            <a:r>
-              <a:rPr lang="en-US" altLang="zh-CN" sz="1200" b="0" i="1" u="none" strike="noStrike" kern="1200" baseline="0" dirty="0" smtClean="0">
-                <a:solidFill>
-                  <a:schemeClr val="tx1"/>
-                </a:solidFill>
-                <a:latin typeface="+mn-lt"/>
-                <a:ea typeface="+mn-ea"/>
-                <a:cs typeface="+mn-cs"/>
-              </a:rPr>
-              <a:t>V </a:t>
-            </a:r>
-            <a:r>
-              <a:rPr lang="en-US" altLang="zh-CN" sz="1200" b="0" i="0" u="none" strike="noStrike" kern="1200" baseline="0" dirty="0" smtClean="0">
-                <a:solidFill>
-                  <a:schemeClr val="tx1"/>
-                </a:solidFill>
-                <a:latin typeface="+mn-lt"/>
-                <a:ea typeface="+mn-ea"/>
-                <a:cs typeface="+mn-cs"/>
-              </a:rPr>
-              <a:t>.</a:t>
-            </a:r>
-          </a:p>
-          <a:p>
-            <a:r>
-              <a:rPr lang="en-US" altLang="zh-CN" sz="1200" b="0" i="0" u="none" strike="noStrike" kern="1200" baseline="0" dirty="0" smtClean="0">
-                <a:solidFill>
-                  <a:srgbClr val="FF0000"/>
-                </a:solidFill>
-                <a:latin typeface="+mn-lt"/>
-                <a:ea typeface="+mn-ea"/>
-                <a:cs typeface="+mn-cs"/>
-              </a:rPr>
-              <a:t>Cross Entropy Loss (</a:t>
-            </a:r>
-            <a:r>
-              <a:rPr lang="zh-CN" altLang="en-US" sz="1200" b="0" i="0" u="none" strike="noStrike" kern="1200" baseline="0" dirty="0" smtClean="0">
-                <a:solidFill>
-                  <a:srgbClr val="FF0000"/>
-                </a:solidFill>
-                <a:latin typeface="+mn-lt"/>
-                <a:ea typeface="+mn-ea"/>
-                <a:cs typeface="+mn-cs"/>
-              </a:rPr>
-              <a:t>交叉嫡验证</a:t>
-            </a:r>
-            <a:r>
-              <a:rPr lang="en-US" altLang="zh-CN" sz="1200" b="0" i="0" u="none" strike="noStrike" kern="1200" baseline="0" dirty="0" smtClean="0">
-                <a:solidFill>
-                  <a:srgbClr val="FF0000"/>
-                </a:solidFill>
-                <a:latin typeface="+mn-lt"/>
-                <a:ea typeface="+mn-ea"/>
-                <a:cs typeface="+mn-cs"/>
-              </a:rPr>
-              <a:t>): </a:t>
-            </a:r>
-            <a:r>
-              <a:rPr lang="zh-CN" altLang="en-US" sz="1200" b="0" i="0" u="none" strike="noStrike" kern="1200" baseline="0" dirty="0" smtClean="0">
-                <a:solidFill>
-                  <a:srgbClr val="FF0000"/>
-                </a:solidFill>
-                <a:latin typeface="+mn-lt"/>
-                <a:ea typeface="+mn-ea"/>
-                <a:cs typeface="+mn-cs"/>
-              </a:rPr>
-              <a:t>两个概率分布的距离，越小越好</a:t>
-            </a:r>
-            <a:endParaRPr lang="zh-CN" altLang="en-US" dirty="0">
+              <a:rPr lang="en-US" altLang="zh-CN" dirty="0" smtClean="0">
+                <a:solidFill>
+                  <a:srgbClr val="FF0000"/>
+                </a:solidFill>
+              </a:rPr>
+              <a:t>n-gram matching</a:t>
+            </a:r>
+            <a:r>
+              <a:rPr lang="zh-CN" altLang="en-US" smtClean="0">
+                <a:solidFill>
+                  <a:srgbClr val="FF0000"/>
+                </a:solidFill>
+              </a:rPr>
+              <a:t>？：分词</a:t>
+            </a:r>
+            <a:endParaRPr lang="en-US" altLang="zh-CN" dirty="0" smtClean="0">
               <a:solidFill>
                 <a:srgbClr val="FF0000"/>
               </a:solidFill>
             </a:endParaRPr>
           </a:p>
+          <a:p>
+            <a:r>
+              <a:rPr lang="en-US" altLang="zh-CN" dirty="0" smtClean="0">
+                <a:solidFill>
+                  <a:srgbClr val="FF0000"/>
+                </a:solidFill>
+              </a:rPr>
+              <a:t>N: 5</a:t>
+            </a:r>
+            <a:endParaRPr lang="zh-CN" altLang="en-US" dirty="0"/>
+          </a:p>
         </p:txBody>
       </p:sp>
       <p:sp>
@@ -1612,7 +1614,7 @@
           <a:p>
             <a:fld id="{512C64C2-923E-4E49-A89E-DFD78E65AD4F}" type="slidenum">
               <a:rPr lang="zh-CN" altLang="en-US" smtClean="0"/>
-              <a:t>9</a:t>
+              <a:t>8</a:t>
             </a:fld>
             <a:endParaRPr lang="zh-CN" altLang="en-US"/>
           </a:p>
@@ -1621,7 +1623,7 @@
     </p:spTree>
     <p:extLst>
       <p:ext uri="{BB962C8B-B14F-4D97-AF65-F5344CB8AC3E}">
-        <p14:creationId xmlns:p14="http://schemas.microsoft.com/office/powerpoint/2010/main" val="982469953"/>
+        <p14:creationId xmlns:p14="http://schemas.microsoft.com/office/powerpoint/2010/main" val="2242570368"/>
       </p:ext>
     </p:extLst>
   </p:cSld>
@@ -1675,6 +1677,25 @@
           <a:bodyPr/>
           <a:lstStyle/>
           <a:p>
+            <a:r>
+              <a:rPr lang="en-US" altLang="zh-CN" dirty="0" smtClean="0"/>
+              <a:t>tuning: </a:t>
+            </a:r>
+            <a:r>
+              <a:rPr lang="zh-CN" altLang="en-US" dirty="0" smtClean="0"/>
+              <a:t>调整</a:t>
+            </a:r>
+            <a:endParaRPr lang="en-US" altLang="zh-CN" dirty="0" smtClean="0"/>
+          </a:p>
+          <a:p>
+            <a:r>
+              <a:rPr lang="en-US" altLang="zh-CN" dirty="0" smtClean="0"/>
+              <a:t>evaluation: </a:t>
+            </a:r>
+            <a:r>
+              <a:rPr lang="zh-CN" altLang="en-US" dirty="0" smtClean="0"/>
+              <a:t>评估</a:t>
+            </a:r>
             <a:endParaRPr lang="zh-CN" altLang="en-US" dirty="0"/>
           </a:p>
         </p:txBody>
@@ -1705,7 +1726,7 @@
     </p:spTree>
     <p:extLst>
       <p:ext uri="{BB962C8B-B14F-4D97-AF65-F5344CB8AC3E}">
-        <p14:creationId xmlns:p14="http://schemas.microsoft.com/office/powerpoint/2010/main" val="3825825888"/>
+        <p14:creationId xmlns:p14="http://schemas.microsoft.com/office/powerpoint/2010/main" val="3258197030"/>
       </p:ext>
     </p:extLst>
   </p:cSld>
@@ -1760,43 +1781,20 @@
           <a:lstStyle/>
           <a:p>
             <a:r>
-              <a:rPr lang="en-US" altLang="zh-CN" dirty="0" smtClean="0">
-                <a:solidFill>
-                  <a:srgbClr val="FF0000"/>
-                </a:solidFill>
-              </a:rPr>
-              <a:t>n-gram matching</a:t>
-            </a:r>
-            <a:r>
-              <a:rPr lang="zh-CN" altLang="en-US" smtClean="0">
-                <a:solidFill>
-                  <a:srgbClr val="FF0000"/>
-                </a:solidFill>
-              </a:rPr>
-              <a:t>？</a:t>
-            </a:r>
-            <a:r>
-              <a:rPr lang="zh-CN" altLang="en-US" smtClean="0">
-                <a:solidFill>
-                  <a:srgbClr val="FF0000"/>
-                </a:solidFill>
-              </a:rPr>
-              <a:t>：分词</a:t>
-            </a:r>
-            <a:endParaRPr lang="en-US" altLang="zh-CN" dirty="0" smtClean="0">
-              <a:solidFill>
-                <a:srgbClr val="FF0000"/>
-              </a:solidFill>
-            </a:endParaRPr>
-          </a:p>
-          <a:p>
-            <a:r>
-              <a:rPr lang="en-US" altLang="zh-CN" dirty="0" smtClean="0">
-                <a:solidFill>
-                  <a:srgbClr val="FF0000"/>
-                </a:solidFill>
-              </a:rPr>
-              <a:t>N: 5</a:t>
+              <a:rPr lang="en-US" altLang="zh-CN" dirty="0" smtClean="0"/>
+              <a:t>unigrams</a:t>
+            </a:r>
+          </a:p>
+          <a:p>
+            <a:r>
+              <a:rPr lang="en-US" altLang="zh-CN" dirty="0" smtClean="0"/>
+              <a:t>bi-grams</a:t>
+            </a:r>
+          </a:p>
+          <a:p>
+            <a:r>
+              <a:rPr lang="en-US" altLang="zh-CN" dirty="0" smtClean="0"/>
+              <a:t>tri-grams</a:t>
             </a:r>
             <a:endParaRPr lang="zh-CN" altLang="en-US" dirty="0"/>
           </a:p>
@@ -1828,7 +1826,7 @@
     </p:spTree>
     <p:extLst>
       <p:ext uri="{BB962C8B-B14F-4D97-AF65-F5344CB8AC3E}">
-        <p14:creationId xmlns:p14="http://schemas.microsoft.com/office/powerpoint/2010/main" val="2242570368"/>
+        <p14:creationId xmlns:p14="http://schemas.microsoft.com/office/powerpoint/2010/main" val="2791241350"/>
       </p:ext>
     </p:extLst>
   </p:cSld>
@@ -1884,10 +1882,21 @@
           <a:p>
             <a:r>
               <a:rPr lang="en-US" altLang="zh-CN" dirty="0" smtClean="0"/>
-              <a:t>Word Embeddings</a:t>
-            </a:r>
-          </a:p>
-          <a:p>
+              <a:t>instance</a:t>
+            </a:r>
+            <a:r>
+              <a:rPr lang="en-US" altLang="zh-CN" baseline="0" dirty="0" smtClean="0"/>
+              <a:t> 3: Informally speaking, such cases suggest that to some extent, Dual-LSTM (models with no memory) is able to encode certain commonsense knowledge in model parameters (e.g., word embeddings) in an implicit way.</a:t>
+            </a:r>
+          </a:p>
+          <a:p>
+            <a:endParaRPr lang="en-US" altLang="zh-CN" baseline="0" dirty="0" smtClean="0"/>
+          </a:p>
+          <a:p>
+            <a:r>
+              <a:rPr lang="en-US" altLang="zh-CN" baseline="0" dirty="0" smtClean="0"/>
+              <a:t>instance 4: </a:t>
+            </a:r>
             <a:r>
               <a:rPr lang="en-US" altLang="zh-CN" sz="1200" b="0" i="0" u="none" strike="noStrike" kern="1200" baseline="0" dirty="0" smtClean="0">
                 <a:solidFill>
@@ -1897,7 +1906,7 @@
                 <a:ea typeface="+mn-ea"/>
                 <a:cs typeface="+mn-cs"/>
               </a:rPr>
-              <a:t>attention</a:t>
+              <a:t>In other cases, e.g., instance 4, the message itself is enough for the selection of the correct response, where both models do equally well.</a:t>
             </a:r>
             <a:endParaRPr lang="zh-CN" altLang="en-US" dirty="0"/>
           </a:p>
@@ -1920,7 +1929,7 @@
           <a:p>
             <a:fld id="{512C64C2-923E-4E49-A89E-DFD78E65AD4F}" type="slidenum">
               <a:rPr lang="zh-CN" altLang="en-US" smtClean="0"/>
-              <a:t>19</a:t>
+              <a:t>14</a:t>
             </a:fld>
             <a:endParaRPr lang="zh-CN" altLang="en-US"/>
           </a:p>
@@ -1929,7 +1938,7 @@
     </p:spTree>
     <p:extLst>
       <p:ext uri="{BB962C8B-B14F-4D97-AF65-F5344CB8AC3E}">
-        <p14:creationId xmlns:p14="http://schemas.microsoft.com/office/powerpoint/2010/main" val="1923929451"/>
+        <p14:creationId xmlns:p14="http://schemas.microsoft.com/office/powerpoint/2010/main" val="1184398995"/>
       </p:ext>
     </p:extLst>
   </p:cSld>
@@ -1983,25 +1992,6 @@
           <a:bodyPr/>
           <a:lstStyle/>
           <a:p>
-            <a:r>
-              <a:rPr lang="en-US" altLang="zh-CN" dirty="0" smtClean="0"/>
-              <a:t>tuning: </a:t>
-            </a:r>
-            <a:r>
-              <a:rPr lang="zh-CN" altLang="en-US" dirty="0" smtClean="0"/>
-              <a:t>调整</a:t>
-            </a:r>
-            <a:endParaRPr lang="en-US" altLang="zh-CN" dirty="0" smtClean="0"/>
-          </a:p>
-          <a:p>
-            <a:r>
-              <a:rPr lang="en-US" altLang="zh-CN" dirty="0" smtClean="0"/>
-              <a:t>evaluation: </a:t>
-            </a:r>
-            <a:r>
-              <a:rPr lang="zh-CN" altLang="en-US" dirty="0" smtClean="0"/>
-              <a:t>评估</a:t>
-            </a:r>
             <a:endParaRPr lang="zh-CN" altLang="en-US" dirty="0"/>
           </a:p>
         </p:txBody>
@@ -2023,7 +2013,7 @@
           <a:p>
             <a:fld id="{512C64C2-923E-4E49-A89E-DFD78E65AD4F}" type="slidenum">
               <a:rPr lang="zh-CN" altLang="en-US" smtClean="0"/>
-              <a:t>20</a:t>
+              <a:t>16</a:t>
             </a:fld>
             <a:endParaRPr lang="zh-CN" altLang="en-US"/>
           </a:p>
@@ -2032,7 +2022,7 @@
     </p:spTree>
     <p:extLst>
       <p:ext uri="{BB962C8B-B14F-4D97-AF65-F5344CB8AC3E}">
-        <p14:creationId xmlns:p14="http://schemas.microsoft.com/office/powerpoint/2010/main" val="3258197030"/>
+        <p14:creationId xmlns:p14="http://schemas.microsoft.com/office/powerpoint/2010/main" val="2303320038"/>
       </p:ext>
     </p:extLst>
   </p:cSld>
@@ -2173,7 +2163,7 @@
           <a:p>
             <a:fld id="{51AD1C5E-5F3B-42B1-A452-0D9493B8349F}" type="datetimeFigureOut">
               <a:rPr lang="zh-CN" altLang="en-US" smtClean="0"/>
-              <a:t>2019/5/13</a:t>
+              <a:t>2019/5/28</a:t>
             </a:fld>
             <a:endParaRPr lang="zh-CN" altLang="en-US"/>
           </a:p>
@@ -2343,7 +2333,7 @@
           <a:p>
             <a:fld id="{51AD1C5E-5F3B-42B1-A452-0D9493B8349F}" type="datetimeFigureOut">
               <a:rPr lang="zh-CN" altLang="en-US" smtClean="0"/>
-              <a:t>2019/5/13</a:t>
+              <a:t>2019/5/28</a:t>
             </a:fld>
             <a:endParaRPr lang="zh-CN" altLang="en-US"/>
           </a:p>
@@ -2523,7 +2513,7 @@
           <a:p>
             <a:fld id="{51AD1C5E-5F3B-42B1-A452-0D9493B8349F}" type="datetimeFigureOut">
               <a:rPr lang="zh-CN" altLang="en-US" smtClean="0"/>
-              <a:t>2019/5/13</a:t>
+              <a:t>2019/5/28</a:t>
             </a:fld>
             <a:endParaRPr lang="zh-CN" altLang="en-US"/>
           </a:p>
@@ -2693,7 +2683,7 @@
           <a:p>
             <a:fld id="{51AD1C5E-5F3B-42B1-A452-0D9493B8349F}" type="datetimeFigureOut">
               <a:rPr lang="zh-CN" altLang="en-US" smtClean="0"/>
-              <a:t>2019/5/13</a:t>
+              <a:t>2019/5/28</a:t>
             </a:fld>
             <a:endParaRPr lang="zh-CN" altLang="en-US"/>
           </a:p>
@@ -2939,7 +2929,7 @@
           <a:p>
             <a:fld id="{51AD1C5E-5F3B-42B1-A452-0D9493B8349F}" type="datetimeFigureOut">
               <a:rPr lang="zh-CN" altLang="en-US" smtClean="0"/>
-              <a:t>2019/5/13</a:t>
+              <a:t>2019/5/28</a:t>
             </a:fld>
             <a:endParaRPr lang="zh-CN" altLang="en-US"/>
           </a:p>
@@ -3171,7 +3161,7 @@
           <a:p>
             <a:fld id="{51AD1C5E-5F3B-42B1-A452-0D9493B8349F}" type="datetimeFigureOut">
               <a:rPr lang="zh-CN" altLang="en-US" smtClean="0"/>
-              <a:t>2019/5/13</a:t>
+              <a:t>2019/5/28</a:t>
             </a:fld>
             <a:endParaRPr lang="zh-CN" altLang="en-US"/>
           </a:p>
@@ -3538,7 +3528,7 @@
           <a:p>
             <a:fld id="{51AD1C5E-5F3B-42B1-A452-0D9493B8349F}" type="datetimeFigureOut">
               <a:rPr lang="zh-CN" altLang="en-US" smtClean="0"/>
-              <a:t>2019/5/13</a:t>
+              <a:t>2019/5/28</a:t>
             </a:fld>
             <a:endParaRPr lang="zh-CN" altLang="en-US"/>
           </a:p>
@@ -3656,7 +3646,7 @@
           <a:p>
             <a:fld id="{51AD1C5E-5F3B-42B1-A452-0D9493B8349F}" type="datetimeFigureOut">
               <a:rPr lang="zh-CN" altLang="en-US" smtClean="0"/>
-              <a:t>2019/5/13</a:t>
+              <a:t>2019/5/28</a:t>
             </a:fld>
             <a:endParaRPr lang="zh-CN" altLang="en-US"/>
           </a:p>
@@ -3751,7 +3741,7 @@
           <a:p>
             <a:fld id="{51AD1C5E-5F3B-42B1-A452-0D9493B8349F}" type="datetimeFigureOut">
               <a:rPr lang="zh-CN" altLang="en-US" smtClean="0"/>
-              <a:t>2019/5/13</a:t>
+              <a:t>2019/5/28</a:t>
             </a:fld>
             <a:endParaRPr lang="zh-CN" altLang="en-US"/>
           </a:p>
@@ -4028,7 +4018,7 @@
           <a:p>
             <a:fld id="{51AD1C5E-5F3B-42B1-A452-0D9493B8349F}" type="datetimeFigureOut">
               <a:rPr lang="zh-CN" altLang="en-US" smtClean="0"/>
-              <a:t>2019/5/13</a:t>
+              <a:t>2019/5/28</a:t>
             </a:fld>
             <a:endParaRPr lang="zh-CN" altLang="en-US"/>
           </a:p>
@@ -4281,7 +4271,7 @@
           <a:p>
             <a:fld id="{51AD1C5E-5F3B-42B1-A452-0D9493B8349F}" type="datetimeFigureOut">
               <a:rPr lang="zh-CN" altLang="en-US" smtClean="0"/>
-              <a:t>2019/5/13</a:t>
+              <a:t>2019/5/28</a:t>
             </a:fld>
             <a:endParaRPr lang="zh-CN" altLang="en-US"/>
           </a:p>
@@ -4494,7 +4484,7 @@
           <a:p>
             <a:fld id="{51AD1C5E-5F3B-42B1-A452-0D9493B8349F}" type="datetimeFigureOut">
               <a:rPr lang="zh-CN" altLang="en-US" smtClean="0"/>
-              <a:t>2019/5/13</a:t>
+              <a:t>2019/5/28</a:t>
             </a:fld>
             <a:endParaRPr lang="zh-CN" altLang="en-US"/>
           </a:p>
@@ -5051,6 +5041,1480 @@
           <a:bodyPr/>
           <a:lstStyle/>
           <a:p>
+            <a:endParaRPr lang="zh-CN" altLang="en-US"/>
+          </a:p>
+        </p:txBody>
+      </p:sp>
+      <p:sp>
+        <p:nvSpPr>
+          <p:cNvPr id="3" name="内容占位符 2"/>
+          <p:cNvSpPr>
+            <a:spLocks noGrp="1"/>
+          </p:cNvSpPr>
+          <p:nvPr>
+            <p:ph idx="1"/>
+          </p:nvPr>
+        </p:nvSpPr>
+        <p:spPr/>
+        <p:txBody>
+          <a:bodyPr/>
+          <a:lstStyle/>
+          <a:p>
+            <a:endParaRPr lang="zh-CN" altLang="en-US"/>
+          </a:p>
+        </p:txBody>
+      </p:sp>
+      <p:pic>
+        <p:nvPicPr>
+          <p:cNvPr id="4" name="图片 3"/>
+          <p:cNvPicPr>
+            <a:picLocks noChangeAspect="1"/>
+          </p:cNvPicPr>
+          <p:nvPr/>
+        </p:nvPicPr>
+        <p:blipFill>
+          <a:blip r:embed="rId2"/>
+          <a:stretch>
+            <a:fillRect/>
+          </a:stretch>
+        </p:blipFill>
+        <p:spPr>
+          <a:xfrm>
+            <a:off x="1785" y="123825"/>
+            <a:ext cx="12190216" cy="6734175"/>
+          </a:xfrm>
+          <a:prstGeom prst="rect">
+            <a:avLst/>
+          </a:prstGeom>
+        </p:spPr>
+      </p:pic>
+    </p:spTree>
+    <p:extLst>
+      <p:ext uri="{BB962C8B-B14F-4D97-AF65-F5344CB8AC3E}">
+        <p14:creationId xmlns:p14="http://schemas.microsoft.com/office/powerpoint/2010/main" val="2042513183"/>
+      </p:ext>
+    </p:extLst>
+  </p:cSld>
+  <p:clrMapOvr>
+    <a:masterClrMapping/>
+  </p:clrMapOvr>
+</p:sld>
+</file>
+
+<file path=ppt/slides/slide11.xml><?xml version="1.0" encoding="utf-8"?>
+<p:sld xmlns:a="http://schemas.openxmlformats.org/drawingml/2006/main" xmlns:r="http://schemas.openxmlformats.org/officeDocument/2006/relationships" xmlns:p="http://schemas.openxmlformats.org/presentationml/2006/main">
+  <p:cSld>
+    <p:spTree>
+      <p:nvGrpSpPr>
+        <p:cNvPr id="1" name=""/>
+        <p:cNvGrpSpPr/>
+        <p:nvPr/>
+      </p:nvGrpSpPr>
+      <p:grpSpPr>
+        <a:xfrm>
+          <a:off x="0" y="0"/>
+          <a:ext cx="0" cy="0"/>
+          <a:chOff x="0" y="0"/>
+          <a:chExt cx="0" cy="0"/>
+        </a:xfrm>
+      </p:grpSpPr>
+      <p:sp>
+        <p:nvSpPr>
+          <p:cNvPr id="2" name="标题 1"/>
+          <p:cNvSpPr>
+            <a:spLocks noGrp="1"/>
+          </p:cNvSpPr>
+          <p:nvPr>
+            <p:ph type="title"/>
+          </p:nvPr>
+        </p:nvSpPr>
+        <p:spPr/>
+        <p:txBody>
+          <a:bodyPr/>
+          <a:lstStyle/>
+          <a:p>
+            <a:r>
+              <a:rPr lang="en-US" altLang="zh-CN" dirty="0" smtClean="0"/>
+              <a:t>Experiments: Twitter Dialogue Dataset</a:t>
+            </a:r>
+            <a:endParaRPr lang="zh-CN" altLang="en-US" dirty="0"/>
+          </a:p>
+        </p:txBody>
+      </p:sp>
+      <p:sp>
+        <p:nvSpPr>
+          <p:cNvPr id="3" name="内容占位符 2"/>
+          <p:cNvSpPr>
+            <a:spLocks noGrp="1"/>
+          </p:cNvSpPr>
+          <p:nvPr>
+            <p:ph idx="1"/>
+          </p:nvPr>
+        </p:nvSpPr>
+        <p:spPr/>
+        <p:txBody>
+          <a:bodyPr>
+            <a:normAutofit/>
+          </a:bodyPr>
+          <a:lstStyle/>
+          <a:p>
+            <a:r>
+              <a:rPr lang="en-US" altLang="zh-CN" dirty="0" smtClean="0"/>
+              <a:t>1.4M </a:t>
+            </a:r>
+            <a:r>
+              <a:rPr lang="en-US" altLang="zh-CN" dirty="0"/>
+              <a:t>Twitter &lt;message, response&gt; pairs are used </a:t>
+            </a:r>
+            <a:r>
+              <a:rPr lang="en-US" altLang="zh-CN" dirty="0" smtClean="0"/>
+              <a:t>for our </a:t>
+            </a:r>
+            <a:r>
+              <a:rPr lang="en-US" altLang="zh-CN" dirty="0"/>
+              <a:t>experiments</a:t>
+            </a:r>
+            <a:r>
+              <a:rPr lang="en-US" altLang="zh-CN" dirty="0" smtClean="0"/>
+              <a:t>.</a:t>
+            </a:r>
+          </a:p>
+          <a:p>
+            <a:r>
+              <a:rPr lang="en-US" altLang="zh-CN" dirty="0"/>
+              <a:t>1M </a:t>
+            </a:r>
+            <a:r>
+              <a:rPr lang="en-US" altLang="zh-CN" dirty="0" smtClean="0"/>
+              <a:t>Twitter&lt;message, response</a:t>
+            </a:r>
+            <a:r>
+              <a:rPr lang="en-US" altLang="zh-CN" dirty="0"/>
+              <a:t>&gt;</a:t>
+            </a:r>
+            <a:r>
+              <a:rPr lang="en-US" altLang="zh-CN" i="1" dirty="0"/>
+              <a:t> </a:t>
+            </a:r>
+            <a:r>
+              <a:rPr lang="en-US" altLang="zh-CN" dirty="0"/>
+              <a:t>pairs are used for training</a:t>
+            </a:r>
+            <a:r>
+              <a:rPr lang="en-US" altLang="zh-CN" dirty="0" smtClean="0"/>
+              <a:t>.</a:t>
+            </a:r>
+          </a:p>
+          <a:p>
+            <a:r>
+              <a:rPr lang="en-US" altLang="zh-CN" dirty="0"/>
+              <a:t>1M </a:t>
+            </a:r>
+            <a:r>
+              <a:rPr lang="en-US" altLang="zh-CN" i="1" dirty="0"/>
+              <a:t>&lt;</a:t>
+            </a:r>
+            <a:r>
+              <a:rPr lang="en-US" altLang="zh-CN" dirty="0"/>
+              <a:t>message, </a:t>
+            </a:r>
+            <a:r>
+              <a:rPr lang="en-US" altLang="zh-CN" dirty="0" smtClean="0"/>
+              <a:t>response, label=1</a:t>
+            </a:r>
+            <a:r>
+              <a:rPr lang="en-US" altLang="zh-CN" i="1" dirty="0"/>
+              <a:t>&gt; </a:t>
+            </a:r>
+            <a:r>
+              <a:rPr lang="en-US" altLang="zh-CN" dirty="0"/>
+              <a:t>triples as </a:t>
+            </a:r>
+            <a:r>
+              <a:rPr lang="en-US" altLang="zh-CN" dirty="0">
+                <a:solidFill>
+                  <a:srgbClr val="FF0000"/>
+                </a:solidFill>
+              </a:rPr>
+              <a:t>positive</a:t>
+            </a:r>
+            <a:r>
+              <a:rPr lang="en-US" altLang="zh-CN" dirty="0"/>
+              <a:t> instances</a:t>
+            </a:r>
+            <a:r>
+              <a:rPr lang="en-US" altLang="zh-CN" dirty="0" smtClean="0"/>
+              <a:t>.</a:t>
+            </a:r>
+          </a:p>
+          <a:p>
+            <a:r>
+              <a:rPr lang="en-US" altLang="zh-CN" dirty="0" smtClean="0"/>
+              <a:t>1M </a:t>
+            </a:r>
+            <a:r>
+              <a:rPr lang="en-US" altLang="zh-CN" dirty="0" smtClean="0">
+                <a:solidFill>
+                  <a:srgbClr val="FF0000"/>
+                </a:solidFill>
+              </a:rPr>
+              <a:t>negative</a:t>
+            </a:r>
+            <a:r>
+              <a:rPr lang="en-US" altLang="zh-CN" dirty="0" smtClean="0"/>
+              <a:t> </a:t>
+            </a:r>
+            <a:r>
+              <a:rPr lang="en-US" altLang="zh-CN" dirty="0"/>
+              <a:t>instances </a:t>
+            </a:r>
+            <a:r>
+              <a:rPr lang="en-US" altLang="zh-CN" i="1" dirty="0"/>
+              <a:t>&lt;</a:t>
+            </a:r>
+            <a:r>
+              <a:rPr lang="en-US" altLang="zh-CN" dirty="0"/>
+              <a:t>message, response, label=0</a:t>
+            </a:r>
+            <a:r>
+              <a:rPr lang="en-US" altLang="zh-CN" i="1" dirty="0"/>
+              <a:t>&gt; </a:t>
+            </a:r>
+            <a:r>
+              <a:rPr lang="en-US" altLang="zh-CN" dirty="0"/>
+              <a:t>are </a:t>
+            </a:r>
+            <a:r>
+              <a:rPr lang="en-US" altLang="zh-CN" dirty="0" smtClean="0"/>
+              <a:t>constructed by </a:t>
+            </a:r>
+            <a:r>
+              <a:rPr lang="en-US" altLang="zh-CN" dirty="0"/>
+              <a:t>replacing the ground truth response with a </a:t>
+            </a:r>
+            <a:r>
+              <a:rPr lang="en-US" altLang="zh-CN" dirty="0" smtClean="0">
+                <a:solidFill>
+                  <a:srgbClr val="FF0000"/>
+                </a:solidFill>
+              </a:rPr>
+              <a:t>random</a:t>
+            </a:r>
+            <a:r>
+              <a:rPr lang="en-US" altLang="zh-CN" dirty="0" smtClean="0"/>
+              <a:t> response </a:t>
+            </a:r>
+            <a:r>
+              <a:rPr lang="en-US" altLang="zh-CN" dirty="0"/>
+              <a:t>in the training set</a:t>
+            </a:r>
+            <a:r>
+              <a:rPr lang="en-US" altLang="zh-CN" dirty="0" smtClean="0"/>
+              <a:t>.</a:t>
+            </a:r>
+          </a:p>
+          <a:p>
+            <a:r>
+              <a:rPr lang="en-US" altLang="zh-CN" dirty="0" smtClean="0"/>
+              <a:t>For </a:t>
+            </a:r>
+            <a:r>
+              <a:rPr lang="en-US" altLang="zh-CN" dirty="0" smtClean="0">
+                <a:solidFill>
+                  <a:srgbClr val="FF0000"/>
+                </a:solidFill>
+              </a:rPr>
+              <a:t>tuning and evaluation</a:t>
+            </a:r>
+            <a:r>
+              <a:rPr lang="en-US" altLang="zh-CN" dirty="0" smtClean="0"/>
+              <a:t>, we use 20K </a:t>
+            </a:r>
+            <a:r>
+              <a:rPr lang="en-US" altLang="zh-CN" i="1" dirty="0" smtClean="0"/>
+              <a:t>&lt;</a:t>
+            </a:r>
+            <a:r>
+              <a:rPr lang="en-US" altLang="zh-CN" dirty="0" smtClean="0"/>
+              <a:t>message, response</a:t>
+            </a:r>
+            <a:r>
+              <a:rPr lang="en-US" altLang="zh-CN" i="1" dirty="0" smtClean="0"/>
+              <a:t>&gt; </a:t>
+            </a:r>
+            <a:r>
+              <a:rPr lang="en-US" altLang="zh-CN" dirty="0" smtClean="0"/>
+              <a:t>pairs that constitute the validation set (10K) and test set (10K).</a:t>
+            </a:r>
+            <a:endParaRPr lang="zh-CN" altLang="en-US" dirty="0" smtClean="0"/>
+          </a:p>
+          <a:p>
+            <a:endParaRPr lang="zh-CN" altLang="en-US" dirty="0"/>
+          </a:p>
+        </p:txBody>
+      </p:sp>
+    </p:spTree>
+    <p:extLst>
+      <p:ext uri="{BB962C8B-B14F-4D97-AF65-F5344CB8AC3E}">
+        <p14:creationId xmlns:p14="http://schemas.microsoft.com/office/powerpoint/2010/main" val="2662492001"/>
+      </p:ext>
+    </p:extLst>
+  </p:cSld>
+  <p:clrMapOvr>
+    <a:masterClrMapping/>
+  </p:clrMapOvr>
+</p:sld>
+</file>
+
+<file path=ppt/slides/slide12.xml><?xml version="1.0" encoding="utf-8"?>
+<p:sld xmlns:a="http://schemas.openxmlformats.org/drawingml/2006/main" xmlns:r="http://schemas.openxmlformats.org/officeDocument/2006/relationships" xmlns:p="http://schemas.openxmlformats.org/presentationml/2006/main">
+  <p:cSld>
+    <p:spTree>
+      <p:nvGrpSpPr>
+        <p:cNvPr id="1" name=""/>
+        <p:cNvGrpSpPr/>
+        <p:nvPr/>
+      </p:nvGrpSpPr>
+      <p:grpSpPr>
+        <a:xfrm>
+          <a:off x="0" y="0"/>
+          <a:ext cx="0" cy="0"/>
+          <a:chOff x="0" y="0"/>
+          <a:chExt cx="0" cy="0"/>
+        </a:xfrm>
+      </p:grpSpPr>
+      <p:sp>
+        <p:nvSpPr>
+          <p:cNvPr id="2" name="标题 1"/>
+          <p:cNvSpPr>
+            <a:spLocks noGrp="1"/>
+          </p:cNvSpPr>
+          <p:nvPr>
+            <p:ph type="title"/>
+          </p:nvPr>
+        </p:nvSpPr>
+        <p:spPr/>
+        <p:txBody>
+          <a:bodyPr/>
+          <a:lstStyle/>
+          <a:p>
+            <a:r>
+              <a:rPr lang="en-US" altLang="zh-CN" dirty="0" smtClean="0"/>
+              <a:t>Experiments:</a:t>
+            </a:r>
+            <a:r>
+              <a:rPr lang="en-US" altLang="zh-CN" dirty="0"/>
+              <a:t> ConceptNet</a:t>
+            </a:r>
+            <a:endParaRPr lang="zh-CN" altLang="en-US" dirty="0"/>
+          </a:p>
+        </p:txBody>
+      </p:sp>
+      <p:sp>
+        <p:nvSpPr>
+          <p:cNvPr id="3" name="内容占位符 2"/>
+          <p:cNvSpPr>
+            <a:spLocks noGrp="1"/>
+          </p:cNvSpPr>
+          <p:nvPr>
+            <p:ph idx="1"/>
+          </p:nvPr>
+        </p:nvSpPr>
+        <p:spPr/>
+        <p:txBody>
+          <a:bodyPr/>
+          <a:lstStyle/>
+          <a:p>
+            <a:r>
+              <a:rPr lang="en-US" altLang="zh-CN" dirty="0"/>
+              <a:t>1.4M concepts </a:t>
+            </a:r>
+            <a:r>
+              <a:rPr lang="en-US" altLang="zh-CN" dirty="0" smtClean="0"/>
+              <a:t>remain. 0.8M </a:t>
+            </a:r>
+            <a:r>
+              <a:rPr lang="en-US" altLang="zh-CN" dirty="0"/>
+              <a:t>concepts are </a:t>
+            </a:r>
+            <a:r>
+              <a:rPr lang="en-US" altLang="zh-CN" dirty="0">
+                <a:solidFill>
+                  <a:srgbClr val="FF0000"/>
+                </a:solidFill>
+              </a:rPr>
+              <a:t>unigrams</a:t>
+            </a:r>
+            <a:r>
+              <a:rPr lang="en-US" altLang="zh-CN" dirty="0"/>
+              <a:t>, 0.43M are </a:t>
+            </a:r>
+            <a:r>
+              <a:rPr lang="en-US" altLang="zh-CN" dirty="0">
+                <a:solidFill>
+                  <a:srgbClr val="FF0000"/>
+                </a:solidFill>
+              </a:rPr>
+              <a:t>bi-grams</a:t>
+            </a:r>
+            <a:r>
+              <a:rPr lang="en-US" altLang="zh-CN" dirty="0"/>
+              <a:t> </a:t>
+            </a:r>
+            <a:r>
+              <a:rPr lang="en-US" altLang="zh-CN" dirty="0" smtClean="0"/>
+              <a:t>and the </a:t>
+            </a:r>
+            <a:r>
+              <a:rPr lang="en-US" altLang="zh-CN" dirty="0"/>
+              <a:t>other </a:t>
+            </a:r>
+            <a:r>
+              <a:rPr lang="en-US" altLang="zh-CN" dirty="0" smtClean="0"/>
+              <a:t>0.17M are </a:t>
+            </a:r>
+            <a:r>
+              <a:rPr lang="en-US" altLang="zh-CN" dirty="0" smtClean="0">
+                <a:solidFill>
+                  <a:srgbClr val="FF0000"/>
+                </a:solidFill>
+              </a:rPr>
+              <a:t>tri-grams</a:t>
+            </a:r>
+            <a:r>
+              <a:rPr lang="en-US" altLang="zh-CN" dirty="0" smtClean="0"/>
+              <a:t> or more.</a:t>
+            </a:r>
+          </a:p>
+          <a:p>
+            <a:r>
+              <a:rPr lang="en-US" altLang="zh-CN" dirty="0"/>
+              <a:t>Each concept is </a:t>
+            </a:r>
+            <a:r>
+              <a:rPr lang="en-US" altLang="zh-CN" dirty="0" smtClean="0"/>
+              <a:t>associated with an average of 4.3 assertions.</a:t>
+            </a:r>
+          </a:p>
+          <a:p>
+            <a:r>
+              <a:rPr lang="en-US" altLang="zh-CN" dirty="0"/>
+              <a:t>More than </a:t>
+            </a:r>
+            <a:r>
+              <a:rPr lang="en-US" altLang="zh-CN" dirty="0">
+                <a:solidFill>
+                  <a:srgbClr val="FF0000"/>
+                </a:solidFill>
+              </a:rPr>
+              <a:t>half</a:t>
+            </a:r>
+            <a:r>
+              <a:rPr lang="en-US" altLang="zh-CN" dirty="0"/>
+              <a:t> </a:t>
+            </a:r>
+            <a:r>
+              <a:rPr lang="en-US" altLang="zh-CN" dirty="0" smtClean="0"/>
+              <a:t>of the </a:t>
+            </a:r>
+            <a:r>
+              <a:rPr lang="en-US" altLang="zh-CN" dirty="0"/>
+              <a:t>concepts are associated with only </a:t>
+            </a:r>
+            <a:r>
+              <a:rPr lang="en-US" altLang="zh-CN" dirty="0">
+                <a:solidFill>
+                  <a:srgbClr val="FF0000"/>
+                </a:solidFill>
+              </a:rPr>
+              <a:t>one</a:t>
+            </a:r>
+            <a:r>
+              <a:rPr lang="en-US" altLang="zh-CN" dirty="0"/>
+              <a:t> assertion</a:t>
+            </a:r>
+            <a:r>
+              <a:rPr lang="en-US" altLang="zh-CN" dirty="0" smtClean="0"/>
+              <a:t>.</a:t>
+            </a:r>
+          </a:p>
+          <a:p>
+            <a:r>
+              <a:rPr lang="en-US" altLang="zh-CN" dirty="0" smtClean="0"/>
+              <a:t>An average of </a:t>
+            </a:r>
+            <a:r>
+              <a:rPr lang="en-US" altLang="zh-CN" dirty="0" smtClean="0">
+                <a:solidFill>
+                  <a:srgbClr val="FF0000"/>
+                </a:solidFill>
+              </a:rPr>
+              <a:t>2.8 concepts </a:t>
+            </a:r>
+            <a:r>
+              <a:rPr lang="en-US" altLang="zh-CN" dirty="0" smtClean="0"/>
+              <a:t>can be found in ConceptNet for each message in our Twitter Dialogue Dataset, yielding an average of </a:t>
+            </a:r>
+            <a:r>
+              <a:rPr lang="en-US" altLang="zh-CN" dirty="0" smtClean="0">
+                <a:solidFill>
+                  <a:srgbClr val="FF0000"/>
+                </a:solidFill>
+              </a:rPr>
+              <a:t>150 commonsense assertions </a:t>
+            </a:r>
+            <a:r>
+              <a:rPr lang="en-US" altLang="zh-CN" dirty="0" smtClean="0"/>
+              <a:t>(the size of Ax).</a:t>
+            </a:r>
+          </a:p>
+          <a:p>
+            <a:endParaRPr lang="zh-CN" altLang="en-US" dirty="0"/>
+          </a:p>
+        </p:txBody>
+      </p:sp>
+    </p:spTree>
+    <p:extLst>
+      <p:ext uri="{BB962C8B-B14F-4D97-AF65-F5344CB8AC3E}">
+        <p14:creationId xmlns:p14="http://schemas.microsoft.com/office/powerpoint/2010/main" val="2050127023"/>
+      </p:ext>
+    </p:extLst>
+  </p:cSld>
+  <p:clrMapOvr>
+    <a:masterClrMapping/>
+  </p:clrMapOvr>
+</p:sld>
+</file>
+
+<file path=ppt/slides/slide13.xml><?xml version="1.0" encoding="utf-8"?>
+<p:sld xmlns:a="http://schemas.openxmlformats.org/drawingml/2006/main" xmlns:r="http://schemas.openxmlformats.org/officeDocument/2006/relationships" xmlns:p="http://schemas.openxmlformats.org/presentationml/2006/main">
+  <p:cSld>
+    <p:spTree>
+      <p:nvGrpSpPr>
+        <p:cNvPr id="1" name=""/>
+        <p:cNvGrpSpPr/>
+        <p:nvPr/>
+      </p:nvGrpSpPr>
+      <p:grpSpPr>
+        <a:xfrm>
+          <a:off x="0" y="0"/>
+          <a:ext cx="0" cy="0"/>
+          <a:chOff x="0" y="0"/>
+          <a:chExt cx="0" cy="0"/>
+        </a:xfrm>
+      </p:grpSpPr>
+      <p:sp>
+        <p:nvSpPr>
+          <p:cNvPr id="2" name="标题 1"/>
+          <p:cNvSpPr>
+            <a:spLocks noGrp="1"/>
+          </p:cNvSpPr>
+          <p:nvPr>
+            <p:ph type="title"/>
+          </p:nvPr>
+        </p:nvSpPr>
+        <p:spPr/>
+        <p:txBody>
+          <a:bodyPr/>
+          <a:lstStyle/>
+          <a:p>
+            <a:r>
+              <a:rPr lang="en-US" altLang="zh-CN" dirty="0"/>
+              <a:t>Results and Analysis</a:t>
+            </a:r>
+            <a:endParaRPr lang="zh-CN" altLang="en-US" dirty="0"/>
+          </a:p>
+        </p:txBody>
+      </p:sp>
+      <p:pic>
+        <p:nvPicPr>
+          <p:cNvPr id="5" name="内容占位符 4"/>
+          <p:cNvPicPr>
+            <a:picLocks noGrp="1" noChangeAspect="1"/>
+          </p:cNvPicPr>
+          <p:nvPr>
+            <p:ph idx="1"/>
+          </p:nvPr>
+        </p:nvPicPr>
+        <p:blipFill>
+          <a:blip r:embed="rId2"/>
+          <a:stretch>
+            <a:fillRect/>
+          </a:stretch>
+        </p:blipFill>
+        <p:spPr>
+          <a:xfrm>
+            <a:off x="838200" y="4453729"/>
+            <a:ext cx="10515600" cy="2247109"/>
+          </a:xfrm>
+          <a:prstGeom prst="rect">
+            <a:avLst/>
+          </a:prstGeom>
+        </p:spPr>
+      </p:pic>
+      <p:sp>
+        <p:nvSpPr>
+          <p:cNvPr id="6" name="内容占位符 2"/>
+          <p:cNvSpPr txBox="1">
+            <a:spLocks/>
+          </p:cNvSpPr>
+          <p:nvPr/>
+        </p:nvSpPr>
+        <p:spPr>
+          <a:xfrm>
+            <a:off x="838200" y="1825625"/>
+            <a:ext cx="10515600" cy="2755900"/>
+          </a:xfrm>
+          <a:prstGeom prst="rect">
+            <a:avLst/>
+          </a:prstGeom>
+        </p:spPr>
+        <p:txBody>
+          <a:bodyPr vert="horz" lIns="91440" tIns="45720" rIns="91440" bIns="45720" rtlCol="0">
+            <a:normAutofit/>
+          </a:bodyPr>
+          <a:lstStyle>
+            <a:lvl1pPr marL="228600" indent="-228600" algn="l" defTabSz="914400" rtl="0" eaLnBrk="1" latinLnBrk="0" hangingPunct="1">
+              <a:lnSpc>
+                <a:spcPct val="90000"/>
+              </a:lnSpc>
+              <a:spcBef>
+                <a:spcPts val="1000"/>
+              </a:spcBef>
+              <a:buFont typeface="Arial" panose="020B0604020202020204" pitchFamily="34" charset="0"/>
+              <a:buChar char="•"/>
+              <a:defRPr sz="2800" kern="1200">
+                <a:solidFill>
+                  <a:schemeClr val="tx1"/>
+                </a:solidFill>
+                <a:latin typeface="+mn-lt"/>
+                <a:ea typeface="+mn-ea"/>
+                <a:cs typeface="+mn-cs"/>
+              </a:defRPr>
+            </a:lvl1pPr>
+            <a:lvl2pPr marL="685800" indent="-228600" algn="l" defTabSz="914400" rtl="0" eaLnBrk="1" latinLnBrk="0" hangingPunct="1">
+              <a:lnSpc>
+                <a:spcPct val="90000"/>
+              </a:lnSpc>
+              <a:spcBef>
+                <a:spcPts val="500"/>
+              </a:spcBef>
+              <a:buFont typeface="Arial" panose="020B0604020202020204" pitchFamily="34" charset="0"/>
+              <a:buChar char="•"/>
+              <a:defRPr sz="2400" kern="1200">
+                <a:solidFill>
+                  <a:schemeClr val="tx1"/>
+                </a:solidFill>
+                <a:latin typeface="+mn-lt"/>
+                <a:ea typeface="+mn-ea"/>
+                <a:cs typeface="+mn-cs"/>
+              </a:defRPr>
+            </a:lvl2pPr>
+            <a:lvl3pPr marL="1143000" indent="-228600" algn="l" defTabSz="914400" rtl="0" eaLnBrk="1" latinLnBrk="0" hangingPunct="1">
+              <a:lnSpc>
+                <a:spcPct val="90000"/>
+              </a:lnSpc>
+              <a:spcBef>
+                <a:spcPts val="500"/>
+              </a:spcBef>
+              <a:buFont typeface="Arial" panose="020B0604020202020204" pitchFamily="34" charset="0"/>
+              <a:buChar char="•"/>
+              <a:defRPr sz="2000" kern="1200">
+                <a:solidFill>
+                  <a:schemeClr val="tx1"/>
+                </a:solidFill>
+                <a:latin typeface="+mn-lt"/>
+                <a:ea typeface="+mn-ea"/>
+                <a:cs typeface="+mn-cs"/>
+              </a:defRPr>
+            </a:lvl3pPr>
+            <a:lvl4pPr marL="1600200" indent="-228600" algn="l" defTabSz="914400" rtl="0" eaLnBrk="1" latinLnBrk="0" hangingPunct="1">
+              <a:lnSpc>
+                <a:spcPct val="90000"/>
+              </a:lnSpc>
+              <a:spcBef>
+                <a:spcPts val="500"/>
+              </a:spcBef>
+              <a:buFont typeface="Arial" panose="020B0604020202020204" pitchFamily="34" charset="0"/>
+              <a:buChar char="•"/>
+              <a:defRPr sz="1800" kern="1200">
+                <a:solidFill>
+                  <a:schemeClr val="tx1"/>
+                </a:solidFill>
+                <a:latin typeface="+mn-lt"/>
+                <a:ea typeface="+mn-ea"/>
+                <a:cs typeface="+mn-cs"/>
+              </a:defRPr>
+            </a:lvl4pPr>
+            <a:lvl5pPr marL="2057400" indent="-228600" algn="l" defTabSz="914400" rtl="0" eaLnBrk="1" latinLnBrk="0" hangingPunct="1">
+              <a:lnSpc>
+                <a:spcPct val="90000"/>
+              </a:lnSpc>
+              <a:spcBef>
+                <a:spcPts val="500"/>
+              </a:spcBef>
+              <a:buFont typeface="Arial" panose="020B0604020202020204" pitchFamily="34" charset="0"/>
+              <a:buChar char="•"/>
+              <a:defRPr sz="1800" kern="1200">
+                <a:solidFill>
+                  <a:schemeClr val="tx1"/>
+                </a:solidFill>
+                <a:latin typeface="+mn-lt"/>
+                <a:ea typeface="+mn-ea"/>
+                <a:cs typeface="+mn-cs"/>
+              </a:defRPr>
+            </a:lvl5pPr>
+            <a:lvl6pPr marL="2514600" indent="-228600" algn="l" defTabSz="914400" rtl="0" eaLnBrk="1" latinLnBrk="0" hangingPunct="1">
+              <a:lnSpc>
+                <a:spcPct val="90000"/>
+              </a:lnSpc>
+              <a:spcBef>
+                <a:spcPts val="500"/>
+              </a:spcBef>
+              <a:buFont typeface="Arial" panose="020B0604020202020204" pitchFamily="34" charset="0"/>
+              <a:buChar char="•"/>
+              <a:defRPr sz="1800" kern="1200">
+                <a:solidFill>
+                  <a:schemeClr val="tx1"/>
+                </a:solidFill>
+                <a:latin typeface="+mn-lt"/>
+                <a:ea typeface="+mn-ea"/>
+                <a:cs typeface="+mn-cs"/>
+              </a:defRPr>
+            </a:lvl6pPr>
+            <a:lvl7pPr marL="2971800" indent="-228600" algn="l" defTabSz="914400" rtl="0" eaLnBrk="1" latinLnBrk="0" hangingPunct="1">
+              <a:lnSpc>
+                <a:spcPct val="90000"/>
+              </a:lnSpc>
+              <a:spcBef>
+                <a:spcPts val="500"/>
+              </a:spcBef>
+              <a:buFont typeface="Arial" panose="020B0604020202020204" pitchFamily="34" charset="0"/>
+              <a:buChar char="•"/>
+              <a:defRPr sz="1800" kern="1200">
+                <a:solidFill>
+                  <a:schemeClr val="tx1"/>
+                </a:solidFill>
+                <a:latin typeface="+mn-lt"/>
+                <a:ea typeface="+mn-ea"/>
+                <a:cs typeface="+mn-cs"/>
+              </a:defRPr>
+            </a:lvl7pPr>
+            <a:lvl8pPr marL="3429000" indent="-228600" algn="l" defTabSz="914400" rtl="0" eaLnBrk="1" latinLnBrk="0" hangingPunct="1">
+              <a:lnSpc>
+                <a:spcPct val="90000"/>
+              </a:lnSpc>
+              <a:spcBef>
+                <a:spcPts val="500"/>
+              </a:spcBef>
+              <a:buFont typeface="Arial" panose="020B0604020202020204" pitchFamily="34" charset="0"/>
+              <a:buChar char="•"/>
+              <a:defRPr sz="1800" kern="1200">
+                <a:solidFill>
+                  <a:schemeClr val="tx1"/>
+                </a:solidFill>
+                <a:latin typeface="+mn-lt"/>
+                <a:ea typeface="+mn-ea"/>
+                <a:cs typeface="+mn-cs"/>
+              </a:defRPr>
+            </a:lvl8pPr>
+            <a:lvl9pPr marL="3886200" indent="-228600" algn="l" defTabSz="914400" rtl="0" eaLnBrk="1" latinLnBrk="0" hangingPunct="1">
+              <a:lnSpc>
+                <a:spcPct val="90000"/>
+              </a:lnSpc>
+              <a:spcBef>
+                <a:spcPts val="500"/>
+              </a:spcBef>
+              <a:buFont typeface="Arial" panose="020B0604020202020204" pitchFamily="34" charset="0"/>
+              <a:buChar char="•"/>
+              <a:defRPr sz="1800" kern="1200">
+                <a:solidFill>
+                  <a:schemeClr val="tx1"/>
+                </a:solidFill>
+                <a:latin typeface="+mn-lt"/>
+                <a:ea typeface="+mn-ea"/>
+                <a:cs typeface="+mn-cs"/>
+              </a:defRPr>
+            </a:lvl9pPr>
+          </a:lstStyle>
+          <a:p>
+            <a:r>
+              <a:rPr lang="en-US" altLang="zh-CN" dirty="0" smtClean="0"/>
+              <a:t> </a:t>
+            </a:r>
+            <a:r>
+              <a:rPr lang="en-US" altLang="zh-CN" dirty="0"/>
+              <a:t>LSTMs perform </a:t>
+            </a:r>
+            <a:r>
+              <a:rPr lang="en-US" altLang="zh-CN" dirty="0" smtClean="0"/>
+              <a:t>better than other methods.</a:t>
+            </a:r>
+          </a:p>
+          <a:p>
+            <a:r>
+              <a:rPr lang="en-US" altLang="zh-CN" dirty="0" smtClean="0"/>
+              <a:t>Tri-LSTM &gt; Dual-LSTM</a:t>
+            </a:r>
+          </a:p>
+          <a:p>
+            <a:r>
+              <a:rPr lang="en-US" altLang="zh-CN" dirty="0" smtClean="0"/>
+              <a:t>Max-pooling over all commonsense assertions depending on response y is a better method for utilizing commonsense knowledge than attention over memory in our setting, as demonstrated by the gain of performance of word embeddings over memory networks.</a:t>
+            </a:r>
+            <a:endParaRPr lang="zh-CN" altLang="en-US" dirty="0"/>
+          </a:p>
+        </p:txBody>
+      </p:sp>
+    </p:spTree>
+    <p:extLst>
+      <p:ext uri="{BB962C8B-B14F-4D97-AF65-F5344CB8AC3E}">
+        <p14:creationId xmlns:p14="http://schemas.microsoft.com/office/powerpoint/2010/main" val="4012598353"/>
+      </p:ext>
+    </p:extLst>
+  </p:cSld>
+  <p:clrMapOvr>
+    <a:masterClrMapping/>
+  </p:clrMapOvr>
+</p:sld>
+</file>
+
+<file path=ppt/slides/slide14.xml><?xml version="1.0" encoding="utf-8"?>
+<p:sld xmlns:a="http://schemas.openxmlformats.org/drawingml/2006/main" xmlns:r="http://schemas.openxmlformats.org/officeDocument/2006/relationships" xmlns:p="http://schemas.openxmlformats.org/presentationml/2006/main">
+  <p:cSld>
+    <p:spTree>
+      <p:nvGrpSpPr>
+        <p:cNvPr id="1" name=""/>
+        <p:cNvGrpSpPr/>
+        <p:nvPr/>
+      </p:nvGrpSpPr>
+      <p:grpSpPr>
+        <a:xfrm>
+          <a:off x="0" y="0"/>
+          <a:ext cx="0" cy="0"/>
+          <a:chOff x="0" y="0"/>
+          <a:chExt cx="0" cy="0"/>
+        </a:xfrm>
+      </p:grpSpPr>
+      <p:sp>
+        <p:nvSpPr>
+          <p:cNvPr id="2" name="标题 1"/>
+          <p:cNvSpPr>
+            <a:spLocks noGrp="1"/>
+          </p:cNvSpPr>
+          <p:nvPr>
+            <p:ph type="title"/>
+          </p:nvPr>
+        </p:nvSpPr>
+        <p:spPr/>
+        <p:txBody>
+          <a:bodyPr/>
+          <a:lstStyle/>
+          <a:p>
+            <a:endParaRPr lang="zh-CN" altLang="en-US"/>
+          </a:p>
+        </p:txBody>
+      </p:sp>
+      <p:sp>
+        <p:nvSpPr>
+          <p:cNvPr id="3" name="内容占位符 2"/>
+          <p:cNvSpPr>
+            <a:spLocks noGrp="1"/>
+          </p:cNvSpPr>
+          <p:nvPr>
+            <p:ph idx="1"/>
+          </p:nvPr>
+        </p:nvSpPr>
+        <p:spPr/>
+        <p:txBody>
+          <a:bodyPr/>
+          <a:lstStyle/>
+          <a:p>
+            <a:endParaRPr lang="zh-CN" altLang="en-US"/>
+          </a:p>
+        </p:txBody>
+      </p:sp>
+      <p:pic>
+        <p:nvPicPr>
+          <p:cNvPr id="4" name="图片 3"/>
+          <p:cNvPicPr>
+            <a:picLocks noChangeAspect="1"/>
+          </p:cNvPicPr>
+          <p:nvPr/>
+        </p:nvPicPr>
+        <p:blipFill>
+          <a:blip r:embed="rId3"/>
+          <a:stretch>
+            <a:fillRect/>
+          </a:stretch>
+        </p:blipFill>
+        <p:spPr>
+          <a:xfrm>
+            <a:off x="110582" y="0"/>
+            <a:ext cx="12081418" cy="6292056"/>
+          </a:xfrm>
+          <a:prstGeom prst="rect">
+            <a:avLst/>
+          </a:prstGeom>
+        </p:spPr>
+      </p:pic>
+    </p:spTree>
+    <p:extLst>
+      <p:ext uri="{BB962C8B-B14F-4D97-AF65-F5344CB8AC3E}">
+        <p14:creationId xmlns:p14="http://schemas.microsoft.com/office/powerpoint/2010/main" val="491890622"/>
+      </p:ext>
+    </p:extLst>
+  </p:cSld>
+  <p:clrMapOvr>
+    <a:masterClrMapping/>
+  </p:clrMapOvr>
+</p:sld>
+</file>
+
+<file path=ppt/slides/slide15.xml><?xml version="1.0" encoding="utf-8"?>
+<p:sld xmlns:a="http://schemas.openxmlformats.org/drawingml/2006/main" xmlns:r="http://schemas.openxmlformats.org/officeDocument/2006/relationships" xmlns:p="http://schemas.openxmlformats.org/presentationml/2006/main">
+  <p:cSld>
+    <p:spTree>
+      <p:nvGrpSpPr>
+        <p:cNvPr id="1" name=""/>
+        <p:cNvGrpSpPr/>
+        <p:nvPr/>
+      </p:nvGrpSpPr>
+      <p:grpSpPr>
+        <a:xfrm>
+          <a:off x="0" y="0"/>
+          <a:ext cx="0" cy="0"/>
+          <a:chOff x="0" y="0"/>
+          <a:chExt cx="0" cy="0"/>
+        </a:xfrm>
+      </p:grpSpPr>
+      <p:sp>
+        <p:nvSpPr>
+          <p:cNvPr id="2" name="标题 1"/>
+          <p:cNvSpPr>
+            <a:spLocks noGrp="1"/>
+          </p:cNvSpPr>
+          <p:nvPr>
+            <p:ph type="title"/>
+          </p:nvPr>
+        </p:nvSpPr>
+        <p:spPr/>
+        <p:txBody>
+          <a:bodyPr/>
+          <a:lstStyle/>
+          <a:p>
+            <a:endParaRPr lang="zh-CN" altLang="en-US"/>
+          </a:p>
+        </p:txBody>
+      </p:sp>
+      <p:sp>
+        <p:nvSpPr>
+          <p:cNvPr id="3" name="内容占位符 2"/>
+          <p:cNvSpPr>
+            <a:spLocks noGrp="1"/>
+          </p:cNvSpPr>
+          <p:nvPr>
+            <p:ph idx="1"/>
+          </p:nvPr>
+        </p:nvSpPr>
+        <p:spPr/>
+        <p:txBody>
+          <a:bodyPr/>
+          <a:lstStyle/>
+          <a:p>
+            <a:endParaRPr lang="zh-CN" altLang="en-US"/>
+          </a:p>
+        </p:txBody>
+      </p:sp>
+    </p:spTree>
+    <p:extLst>
+      <p:ext uri="{BB962C8B-B14F-4D97-AF65-F5344CB8AC3E}">
+        <p14:creationId xmlns:p14="http://schemas.microsoft.com/office/powerpoint/2010/main" val="3623674386"/>
+      </p:ext>
+    </p:extLst>
+  </p:cSld>
+  <p:clrMapOvr>
+    <a:masterClrMapping/>
+  </p:clrMapOvr>
+</p:sld>
+</file>
+
+<file path=ppt/slides/slide16.xml><?xml version="1.0" encoding="utf-8"?>
+<p:sld xmlns:a="http://schemas.openxmlformats.org/drawingml/2006/main" xmlns:r="http://schemas.openxmlformats.org/officeDocument/2006/relationships" xmlns:p="http://schemas.openxmlformats.org/presentationml/2006/main">
+  <p:cSld>
+    <p:spTree>
+      <p:nvGrpSpPr>
+        <p:cNvPr id="1" name=""/>
+        <p:cNvGrpSpPr/>
+        <p:nvPr/>
+      </p:nvGrpSpPr>
+      <p:grpSpPr>
+        <a:xfrm>
+          <a:off x="0" y="0"/>
+          <a:ext cx="0" cy="0"/>
+          <a:chOff x="0" y="0"/>
+          <a:chExt cx="0" cy="0"/>
+        </a:xfrm>
+      </p:grpSpPr>
+      <p:sp>
+        <p:nvSpPr>
+          <p:cNvPr id="2" name="标题 1"/>
+          <p:cNvSpPr>
+            <a:spLocks noGrp="1"/>
+          </p:cNvSpPr>
+          <p:nvPr>
+            <p:ph type="title"/>
+          </p:nvPr>
+        </p:nvSpPr>
+        <p:spPr/>
+        <p:txBody>
+          <a:bodyPr/>
+          <a:lstStyle/>
+          <a:p>
+            <a:r>
+              <a:rPr lang="en-US" altLang="zh-CN" dirty="0" smtClean="0"/>
+              <a:t>Abstract &amp; Introduction</a:t>
+            </a:r>
+            <a:endParaRPr lang="zh-CN" altLang="en-US" dirty="0"/>
+          </a:p>
+        </p:txBody>
+      </p:sp>
+      <p:sp>
+        <p:nvSpPr>
+          <p:cNvPr id="3" name="内容占位符 2"/>
+          <p:cNvSpPr>
+            <a:spLocks noGrp="1"/>
+          </p:cNvSpPr>
+          <p:nvPr>
+            <p:ph idx="1"/>
+          </p:nvPr>
+        </p:nvSpPr>
+        <p:spPr/>
+        <p:txBody>
+          <a:bodyPr/>
+          <a:lstStyle/>
+          <a:p>
+            <a:r>
+              <a:rPr lang="en-US" altLang="zh-CN" dirty="0" smtClean="0"/>
+              <a:t>By relying on a large number of </a:t>
+            </a:r>
+            <a:r>
+              <a:rPr lang="en-US" altLang="zh-CN" dirty="0" smtClean="0">
+                <a:solidFill>
+                  <a:srgbClr val="FF0000"/>
+                </a:solidFill>
+              </a:rPr>
+              <a:t>message-response pairs</a:t>
+            </a:r>
+            <a:r>
+              <a:rPr lang="en-US" altLang="zh-CN" dirty="0" smtClean="0"/>
+              <a:t>, the </a:t>
+            </a:r>
+            <a:r>
+              <a:rPr lang="en-US" altLang="zh-CN" dirty="0" smtClean="0">
+                <a:solidFill>
+                  <a:srgbClr val="FF0000"/>
+                </a:solidFill>
+              </a:rPr>
+              <a:t>Seq2Seq framework</a:t>
+            </a:r>
+            <a:r>
+              <a:rPr lang="en-US" altLang="zh-CN" dirty="0" smtClean="0"/>
+              <a:t> (Sutskever, Vinyals, and Le 2014) attempts to produce an appropriate response </a:t>
+            </a:r>
+            <a:r>
+              <a:rPr lang="en-US" altLang="zh-CN" dirty="0" smtClean="0">
+                <a:solidFill>
+                  <a:srgbClr val="FF0000"/>
+                </a:solidFill>
+              </a:rPr>
+              <a:t>based solely on the message itself</a:t>
+            </a:r>
+            <a:r>
+              <a:rPr lang="en-US" altLang="zh-CN" dirty="0" smtClean="0"/>
+              <a:t>, without any memory module.</a:t>
+            </a:r>
+          </a:p>
+          <a:p>
+            <a:r>
+              <a:rPr lang="en-US" altLang="zh-CN" dirty="0" smtClean="0"/>
+              <a:t>In this paper, we investigate the impact of providing </a:t>
+            </a:r>
+            <a:r>
+              <a:rPr lang="en-US" altLang="zh-CN" dirty="0" smtClean="0">
+                <a:solidFill>
+                  <a:srgbClr val="FF0000"/>
+                </a:solidFill>
+              </a:rPr>
+              <a:t>commonsense knowledge </a:t>
+            </a:r>
+            <a:r>
+              <a:rPr lang="en-US" altLang="zh-CN" dirty="0" smtClean="0"/>
+              <a:t>about the concepts covered in the dialogue.</a:t>
+            </a:r>
+          </a:p>
+          <a:p>
+            <a:r>
+              <a:rPr lang="en-US" altLang="zh-CN" dirty="0"/>
+              <a:t>Such information may </a:t>
+            </a:r>
+            <a:r>
+              <a:rPr lang="en-US" altLang="zh-CN" dirty="0" smtClean="0"/>
+              <a:t>contain </a:t>
+            </a:r>
+            <a:r>
+              <a:rPr lang="en-US" altLang="zh-CN" dirty="0" smtClean="0">
+                <a:solidFill>
+                  <a:srgbClr val="FF0000"/>
+                </a:solidFill>
+              </a:rPr>
+              <a:t>personal </a:t>
+            </a:r>
+            <a:r>
+              <a:rPr lang="en-US" altLang="zh-CN" dirty="0">
+                <a:solidFill>
+                  <a:srgbClr val="FF0000"/>
+                </a:solidFill>
+              </a:rPr>
+              <a:t>experience, recent events, commonsense </a:t>
+            </a:r>
+            <a:r>
+              <a:rPr lang="en-US" altLang="zh-CN" dirty="0" smtClean="0">
+                <a:solidFill>
+                  <a:srgbClr val="FF0000"/>
+                </a:solidFill>
+              </a:rPr>
+              <a:t>knowledge</a:t>
+            </a:r>
+            <a:r>
+              <a:rPr lang="en-US" altLang="zh-CN" dirty="0" smtClean="0"/>
+              <a:t> and </a:t>
+            </a:r>
+            <a:r>
+              <a:rPr lang="en-US" altLang="zh-CN" dirty="0"/>
+              <a:t>more (Figure 1).</a:t>
+            </a:r>
+            <a:endParaRPr lang="zh-CN" altLang="en-US" dirty="0"/>
+          </a:p>
+        </p:txBody>
+      </p:sp>
+    </p:spTree>
+    <p:extLst>
+      <p:ext uri="{BB962C8B-B14F-4D97-AF65-F5344CB8AC3E}">
+        <p14:creationId xmlns:p14="http://schemas.microsoft.com/office/powerpoint/2010/main" val="903631547"/>
+      </p:ext>
+    </p:extLst>
+  </p:cSld>
+  <p:clrMapOvr>
+    <a:masterClrMapping/>
+  </p:clrMapOvr>
+</p:sld>
+</file>
+
+<file path=ppt/slides/slide17.xml><?xml version="1.0" encoding="utf-8"?>
+<p:sld xmlns:a="http://schemas.openxmlformats.org/drawingml/2006/main" xmlns:r="http://schemas.openxmlformats.org/officeDocument/2006/relationships" xmlns:p="http://schemas.openxmlformats.org/presentationml/2006/main">
+  <p:cSld>
+    <p:spTree>
+      <p:nvGrpSpPr>
+        <p:cNvPr id="1" name=""/>
+        <p:cNvGrpSpPr/>
+        <p:nvPr/>
+      </p:nvGrpSpPr>
+      <p:grpSpPr>
+        <a:xfrm>
+          <a:off x="0" y="0"/>
+          <a:ext cx="0" cy="0"/>
+          <a:chOff x="0" y="0"/>
+          <a:chExt cx="0" cy="0"/>
+        </a:xfrm>
+      </p:grpSpPr>
+      <p:sp>
+        <p:nvSpPr>
+          <p:cNvPr id="2" name="标题 1"/>
+          <p:cNvSpPr>
+            <a:spLocks noGrp="1"/>
+          </p:cNvSpPr>
+          <p:nvPr>
+            <p:ph type="title"/>
+          </p:nvPr>
+        </p:nvSpPr>
+        <p:spPr/>
+        <p:txBody>
+          <a:bodyPr/>
+          <a:lstStyle/>
+          <a:p>
+            <a:r>
+              <a:rPr lang="en-US" altLang="zh-CN" dirty="0" smtClean="0"/>
+              <a:t>Abstract &amp; Introduction</a:t>
+            </a:r>
+            <a:endParaRPr lang="zh-CN" altLang="en-US" dirty="0"/>
+          </a:p>
+        </p:txBody>
+      </p:sp>
+      <p:sp>
+        <p:nvSpPr>
+          <p:cNvPr id="3" name="内容占位符 2"/>
+          <p:cNvSpPr>
+            <a:spLocks noGrp="1"/>
+          </p:cNvSpPr>
+          <p:nvPr>
+            <p:ph idx="1"/>
+          </p:nvPr>
+        </p:nvSpPr>
+        <p:spPr/>
+        <p:txBody>
+          <a:bodyPr/>
+          <a:lstStyle/>
+          <a:p>
+            <a:r>
+              <a:rPr lang="en-US" altLang="zh-CN" dirty="0" smtClean="0"/>
+              <a:t>In the context of artificial intelligence (AI), commonsense knowledge is the set of </a:t>
+            </a:r>
+            <a:r>
+              <a:rPr lang="en-US" altLang="zh-CN" dirty="0" smtClean="0">
+                <a:solidFill>
+                  <a:srgbClr val="FF0000"/>
+                </a:solidFill>
+              </a:rPr>
+              <a:t>background</a:t>
+            </a:r>
+            <a:r>
+              <a:rPr lang="en-US" altLang="zh-CN" dirty="0" smtClean="0"/>
+              <a:t> </a:t>
+            </a:r>
+            <a:r>
+              <a:rPr lang="en-US" altLang="zh-CN" dirty="0" smtClean="0">
+                <a:solidFill>
+                  <a:srgbClr val="FF0000"/>
+                </a:solidFill>
+              </a:rPr>
+              <a:t>information</a:t>
+            </a:r>
+            <a:r>
+              <a:rPr lang="en-US" altLang="zh-CN" dirty="0" smtClean="0"/>
+              <a:t> that an individual is intended to </a:t>
+            </a:r>
+            <a:r>
+              <a:rPr lang="en-US" altLang="zh-CN" dirty="0" smtClean="0">
+                <a:solidFill>
+                  <a:srgbClr val="FF0000"/>
+                </a:solidFill>
+              </a:rPr>
+              <a:t>know or assume </a:t>
+            </a:r>
+            <a:r>
+              <a:rPr lang="en-US" altLang="zh-CN" dirty="0" smtClean="0"/>
+              <a:t>and the ability to </a:t>
+            </a:r>
+            <a:r>
+              <a:rPr lang="en-US" altLang="zh-CN" dirty="0" smtClean="0">
+                <a:solidFill>
+                  <a:srgbClr val="FF0000"/>
+                </a:solidFill>
+              </a:rPr>
+              <a:t>use</a:t>
+            </a:r>
+            <a:r>
+              <a:rPr lang="en-US" altLang="zh-CN" dirty="0" smtClean="0"/>
+              <a:t> it when appropriate (Minsky 1986; Cambria et al. 2009; Cambria and Hussain 2015).</a:t>
+            </a:r>
+          </a:p>
+          <a:p>
+            <a:r>
+              <a:rPr lang="en-US" altLang="zh-CN" dirty="0" smtClean="0"/>
+              <a:t>Due to the </a:t>
+            </a:r>
+            <a:r>
+              <a:rPr lang="en-US" altLang="zh-CN" dirty="0" smtClean="0">
+                <a:solidFill>
+                  <a:srgbClr val="FF0000"/>
+                </a:solidFill>
+              </a:rPr>
+              <a:t>vastness</a:t>
+            </a:r>
+            <a:r>
+              <a:rPr lang="en-US" altLang="zh-CN" dirty="0" smtClean="0"/>
+              <a:t> of such kind of knowledge, we speculate that this goal is better suited by employing an </a:t>
+            </a:r>
+            <a:r>
+              <a:rPr lang="en-US" altLang="zh-CN" dirty="0" smtClean="0">
+                <a:solidFill>
+                  <a:srgbClr val="FF0000"/>
+                </a:solidFill>
+              </a:rPr>
+              <a:t>external memory module</a:t>
+            </a:r>
+            <a:r>
+              <a:rPr lang="en-US" altLang="zh-CN" dirty="0" smtClean="0"/>
+              <a:t> containing commonsense knowledge rather than forcing the system to encode it in </a:t>
+            </a:r>
+            <a:r>
+              <a:rPr lang="en-US" altLang="zh-CN" dirty="0" smtClean="0">
+                <a:solidFill>
+                  <a:srgbClr val="FF0000"/>
+                </a:solidFill>
+              </a:rPr>
+              <a:t>model parameters</a:t>
+            </a:r>
+            <a:r>
+              <a:rPr lang="en-US" altLang="zh-CN" dirty="0" smtClean="0"/>
+              <a:t> as in traditional methods.</a:t>
+            </a:r>
+            <a:endParaRPr lang="zh-CN" altLang="en-US" dirty="0"/>
+          </a:p>
+        </p:txBody>
+      </p:sp>
+    </p:spTree>
+    <p:extLst>
+      <p:ext uri="{BB962C8B-B14F-4D97-AF65-F5344CB8AC3E}">
+        <p14:creationId xmlns:p14="http://schemas.microsoft.com/office/powerpoint/2010/main" val="827273784"/>
+      </p:ext>
+    </p:extLst>
+  </p:cSld>
+  <p:clrMapOvr>
+    <a:masterClrMapping/>
+  </p:clrMapOvr>
+</p:sld>
+</file>
+
+<file path=ppt/slides/slide18.xml><?xml version="1.0" encoding="utf-8"?>
+<p:sld xmlns:a="http://schemas.openxmlformats.org/drawingml/2006/main" xmlns:r="http://schemas.openxmlformats.org/officeDocument/2006/relationships" xmlns:p="http://schemas.openxmlformats.org/presentationml/2006/main">
+  <p:cSld>
+    <p:spTree>
+      <p:nvGrpSpPr>
+        <p:cNvPr id="1" name=""/>
+        <p:cNvGrpSpPr/>
+        <p:nvPr/>
+      </p:nvGrpSpPr>
+      <p:grpSpPr>
+        <a:xfrm>
+          <a:off x="0" y="0"/>
+          <a:ext cx="0" cy="0"/>
+          <a:chOff x="0" y="0"/>
+          <a:chExt cx="0" cy="0"/>
+        </a:xfrm>
+      </p:grpSpPr>
+      <p:sp>
+        <p:nvSpPr>
+          <p:cNvPr id="2" name="标题 1"/>
+          <p:cNvSpPr>
+            <a:spLocks noGrp="1"/>
+          </p:cNvSpPr>
+          <p:nvPr>
+            <p:ph type="title"/>
+          </p:nvPr>
+        </p:nvSpPr>
+        <p:spPr/>
+        <p:txBody>
+          <a:bodyPr/>
+          <a:lstStyle/>
+          <a:p>
+            <a:r>
+              <a:rPr lang="en-US" altLang="zh-CN" dirty="0" smtClean="0"/>
+              <a:t>Related Work: </a:t>
+            </a:r>
+            <a:r>
+              <a:rPr lang="en-US" altLang="zh-CN" dirty="0"/>
+              <a:t>Conversational Models</a:t>
+            </a:r>
+            <a:endParaRPr lang="zh-CN" altLang="en-US" dirty="0"/>
+          </a:p>
+        </p:txBody>
+      </p:sp>
+      <p:sp>
+        <p:nvSpPr>
+          <p:cNvPr id="3" name="内容占位符 2"/>
+          <p:cNvSpPr>
+            <a:spLocks noGrp="1"/>
+          </p:cNvSpPr>
+          <p:nvPr>
+            <p:ph idx="1"/>
+          </p:nvPr>
+        </p:nvSpPr>
+        <p:spPr/>
+        <p:txBody>
+          <a:bodyPr/>
+          <a:lstStyle/>
+          <a:p>
+            <a:r>
+              <a:rPr lang="en-US" altLang="zh-CN" dirty="0"/>
+              <a:t>Data-driven conversational </a:t>
+            </a:r>
+            <a:r>
+              <a:rPr lang="en-US" altLang="zh-CN" dirty="0" smtClean="0"/>
+              <a:t>models</a:t>
+            </a:r>
+          </a:p>
+          <a:p>
+            <a:pPr lvl="1"/>
+            <a:r>
+              <a:rPr lang="en-US" altLang="zh-CN" dirty="0" smtClean="0"/>
+              <a:t>retrieval-based </a:t>
+            </a:r>
+            <a:r>
+              <a:rPr lang="en-US" altLang="zh-CN" dirty="0"/>
+              <a:t>methods</a:t>
+            </a:r>
+            <a:endParaRPr lang="en-US" altLang="zh-CN" dirty="0" smtClean="0"/>
+          </a:p>
+          <a:p>
+            <a:pPr lvl="1"/>
+            <a:r>
+              <a:rPr lang="en-US" altLang="zh-CN" dirty="0" smtClean="0"/>
+              <a:t>generation-based methods</a:t>
+            </a:r>
+          </a:p>
+          <a:p>
+            <a:pPr lvl="1"/>
+            <a:endParaRPr lang="zh-CN" altLang="en-US" dirty="0"/>
+          </a:p>
+        </p:txBody>
+      </p:sp>
+    </p:spTree>
+    <p:extLst>
+      <p:ext uri="{BB962C8B-B14F-4D97-AF65-F5344CB8AC3E}">
+        <p14:creationId xmlns:p14="http://schemas.microsoft.com/office/powerpoint/2010/main" val="1122432907"/>
+      </p:ext>
+    </p:extLst>
+  </p:cSld>
+  <p:clrMapOvr>
+    <a:masterClrMapping/>
+  </p:clrMapOvr>
+</p:sld>
+</file>
+
+<file path=ppt/slides/slide19.xml><?xml version="1.0" encoding="utf-8"?>
+<p:sld xmlns:a="http://schemas.openxmlformats.org/drawingml/2006/main" xmlns:r="http://schemas.openxmlformats.org/officeDocument/2006/relationships" xmlns:p="http://schemas.openxmlformats.org/presentationml/2006/main">
+  <p:cSld>
+    <p:spTree>
+      <p:nvGrpSpPr>
+        <p:cNvPr id="1" name=""/>
+        <p:cNvGrpSpPr/>
+        <p:nvPr/>
+      </p:nvGrpSpPr>
+      <p:grpSpPr>
+        <a:xfrm>
+          <a:off x="0" y="0"/>
+          <a:ext cx="0" cy="0"/>
+          <a:chOff x="0" y="0"/>
+          <a:chExt cx="0" cy="0"/>
+        </a:xfrm>
+      </p:grpSpPr>
+      <p:sp>
+        <p:nvSpPr>
+          <p:cNvPr id="2" name="标题 1"/>
+          <p:cNvSpPr>
+            <a:spLocks noGrp="1"/>
+          </p:cNvSpPr>
+          <p:nvPr>
+            <p:ph type="title"/>
+          </p:nvPr>
+        </p:nvSpPr>
+        <p:spPr/>
+        <p:txBody>
+          <a:bodyPr/>
+          <a:lstStyle/>
+          <a:p>
             <a:r>
               <a:rPr lang="en-US" altLang="zh-CN" dirty="0" smtClean="0"/>
               <a:t>Model Description:</a:t>
@@ -5218,7 +6682,7 @@
 </p:sld>
 </file>
 
-<file path=ppt/slides/slide11.xml><?xml version="1.0" encoding="utf-8"?>
+<file path=ppt/slides/slide2.xml><?xml version="1.0" encoding="utf-8"?>
 <p:sld xmlns:a="http://schemas.openxmlformats.org/drawingml/2006/main" xmlns:r="http://schemas.openxmlformats.org/officeDocument/2006/relationships" xmlns:p="http://schemas.openxmlformats.org/presentationml/2006/main">
   <p:cSld>
     <p:spTree>
@@ -5247,502 +6711,47 @@
         </p:nvSpPr>
         <p:spPr/>
         <p:txBody>
-          <a:bodyPr>
-            <a:normAutofit/>
-          </a:bodyPr>
-          <a:lstStyle/>
-          <a:p>
-            <a:r>
-              <a:rPr lang="en-US" altLang="zh-CN" sz="3200" dirty="0" smtClean="0"/>
-              <a:t>Model Description: Commonsense Knowledge </a:t>
-            </a:r>
-            <a:r>
-              <a:rPr lang="en-US" altLang="zh-CN" sz="3200" dirty="0"/>
-              <a:t>Retrieval</a:t>
-            </a:r>
-            <a:endParaRPr lang="zh-CN" altLang="en-US" sz="3200" dirty="0"/>
-          </a:p>
-        </p:txBody>
-      </p:sp>
-      <p:sp>
-        <p:nvSpPr>
-          <p:cNvPr id="3" name="内容占位符 2"/>
-          <p:cNvSpPr>
-            <a:spLocks noGrp="1"/>
-          </p:cNvSpPr>
+          <a:bodyPr/>
+          <a:lstStyle/>
+          <a:p>
+            <a:r>
+              <a:rPr lang="en-US" altLang="zh-CN" dirty="0" smtClean="0"/>
+              <a:t>Abstract &amp; Introduction</a:t>
+            </a:r>
+            <a:endParaRPr lang="zh-CN" altLang="en-US" dirty="0"/>
+          </a:p>
+        </p:txBody>
+      </p:sp>
+      <p:pic>
+        <p:nvPicPr>
+          <p:cNvPr id="4" name="内容占位符 3"/>
+          <p:cNvPicPr>
+            <a:picLocks noGrp="1" noChangeAspect="1"/>
+          </p:cNvPicPr>
           <p:nvPr>
             <p:ph idx="1"/>
           </p:nvPr>
-        </p:nvSpPr>
-        <p:spPr/>
-        <p:txBody>
-          <a:bodyPr>
-            <a:normAutofit fontScale="92500" lnSpcReduction="10000"/>
-          </a:bodyPr>
-          <a:lstStyle/>
-          <a:p>
-            <a:r>
-              <a:rPr lang="en-US" altLang="zh-CN" dirty="0" smtClean="0"/>
-              <a:t>We </a:t>
-            </a:r>
-            <a:r>
-              <a:rPr lang="en-US" altLang="zh-CN" dirty="0"/>
-              <a:t>assume that a commonsense </a:t>
-            </a:r>
-            <a:r>
-              <a:rPr lang="en-US" altLang="zh-CN" dirty="0" smtClean="0"/>
-              <a:t>knowledge base </a:t>
-            </a:r>
-            <a:r>
-              <a:rPr lang="en-US" altLang="zh-CN" dirty="0"/>
-              <a:t>is composed of </a:t>
-            </a:r>
-            <a:r>
-              <a:rPr lang="en-US" altLang="zh-CN" dirty="0" smtClean="0">
-                <a:solidFill>
-                  <a:srgbClr val="FF0000"/>
-                </a:solidFill>
-              </a:rPr>
-              <a:t>assertions </a:t>
-            </a:r>
-            <a:r>
-              <a:rPr lang="en-US" altLang="zh-CN" i="1" dirty="0">
-                <a:solidFill>
-                  <a:srgbClr val="FF0000"/>
-                </a:solidFill>
-              </a:rPr>
-              <a:t>A </a:t>
-            </a:r>
-            <a:r>
-              <a:rPr lang="en-US" altLang="zh-CN" dirty="0"/>
-              <a:t>about </a:t>
-            </a:r>
-            <a:r>
-              <a:rPr lang="en-US" altLang="zh-CN" dirty="0">
-                <a:solidFill>
-                  <a:srgbClr val="FF0000"/>
-                </a:solidFill>
-              </a:rPr>
-              <a:t>concepts </a:t>
-            </a:r>
-            <a:r>
-              <a:rPr lang="en-US" altLang="zh-CN" i="1" dirty="0">
-                <a:solidFill>
-                  <a:srgbClr val="FF0000"/>
-                </a:solidFill>
-              </a:rPr>
-              <a:t>C</a:t>
-            </a:r>
-            <a:r>
-              <a:rPr lang="en-US" altLang="zh-CN" dirty="0" smtClean="0"/>
-              <a:t>.</a:t>
-            </a:r>
-          </a:p>
-          <a:p>
-            <a:r>
-              <a:rPr lang="en-US" altLang="zh-CN" dirty="0" smtClean="0"/>
-              <a:t>Each assertion </a:t>
-            </a:r>
-            <a:r>
-              <a:rPr lang="en-US" altLang="zh-CN" i="1" dirty="0" smtClean="0"/>
-              <a:t>a ∈ A </a:t>
-            </a:r>
-            <a:r>
-              <a:rPr lang="en-US" altLang="zh-CN" dirty="0" smtClean="0"/>
-              <a:t>takes the form of a </a:t>
-            </a:r>
-            <a:r>
-              <a:rPr lang="en-US" altLang="zh-CN" dirty="0" smtClean="0">
-                <a:solidFill>
-                  <a:srgbClr val="FF0000"/>
-                </a:solidFill>
-              </a:rPr>
-              <a:t>triple </a:t>
-            </a:r>
-            <a:r>
-              <a:rPr lang="en-US" altLang="zh-CN" i="1" dirty="0" smtClean="0">
-                <a:solidFill>
-                  <a:srgbClr val="FF0000"/>
-                </a:solidFill>
-              </a:rPr>
-              <a:t>&lt;c</a:t>
-            </a:r>
-            <a:r>
-              <a:rPr lang="en-US" altLang="zh-CN" dirty="0" smtClean="0">
-                <a:solidFill>
-                  <a:srgbClr val="FF0000"/>
-                </a:solidFill>
-              </a:rPr>
-              <a:t>1</a:t>
-            </a:r>
-            <a:r>
-              <a:rPr lang="en-US" altLang="zh-CN" i="1" dirty="0" smtClean="0">
-                <a:solidFill>
-                  <a:srgbClr val="FF0000"/>
-                </a:solidFill>
-              </a:rPr>
-              <a:t>, r, c</a:t>
-            </a:r>
-            <a:r>
-              <a:rPr lang="en-US" altLang="zh-CN" dirty="0" smtClean="0">
-                <a:solidFill>
-                  <a:srgbClr val="FF0000"/>
-                </a:solidFill>
-              </a:rPr>
-              <a:t>2</a:t>
-            </a:r>
-            <a:r>
-              <a:rPr lang="en-US" altLang="zh-CN" i="1" dirty="0" smtClean="0">
-                <a:solidFill>
-                  <a:srgbClr val="FF0000"/>
-                </a:solidFill>
-              </a:rPr>
-              <a:t>&gt;, </a:t>
-            </a:r>
-            <a:r>
-              <a:rPr lang="en-US" altLang="zh-CN" dirty="0" smtClean="0"/>
-              <a:t>where </a:t>
-            </a:r>
-            <a:r>
-              <a:rPr lang="en-US" altLang="zh-CN" i="1" dirty="0" smtClean="0">
-                <a:solidFill>
-                  <a:srgbClr val="FF0000"/>
-                </a:solidFill>
-              </a:rPr>
-              <a:t>r </a:t>
-            </a:r>
-            <a:r>
-              <a:rPr lang="en-US" altLang="zh-CN" i="1" dirty="0">
-                <a:solidFill>
-                  <a:srgbClr val="FF0000"/>
-                </a:solidFill>
-              </a:rPr>
-              <a:t>∈ R </a:t>
-            </a:r>
-            <a:r>
-              <a:rPr lang="en-US" altLang="zh-CN" dirty="0"/>
-              <a:t>is a </a:t>
-            </a:r>
-            <a:r>
-              <a:rPr lang="en-US" altLang="zh-CN" i="1" dirty="0">
-                <a:solidFill>
-                  <a:srgbClr val="FF0000"/>
-                </a:solidFill>
-              </a:rPr>
-              <a:t>relation</a:t>
-            </a:r>
-            <a:r>
-              <a:rPr lang="en-US" altLang="zh-CN" i="1" dirty="0"/>
-              <a:t> </a:t>
-            </a:r>
-            <a:r>
-              <a:rPr lang="en-US" altLang="zh-CN" dirty="0"/>
-              <a:t>between </a:t>
-            </a:r>
-            <a:r>
-              <a:rPr lang="en-US" altLang="zh-CN" i="1" dirty="0"/>
-              <a:t>c</a:t>
-            </a:r>
-            <a:r>
-              <a:rPr lang="en-US" altLang="zh-CN" dirty="0"/>
-              <a:t>1 and </a:t>
-            </a:r>
-            <a:r>
-              <a:rPr lang="en-US" altLang="zh-CN" i="1" dirty="0"/>
-              <a:t>c</a:t>
-            </a:r>
-            <a:r>
-              <a:rPr lang="en-US" altLang="zh-CN" dirty="0"/>
-              <a:t>2, such as </a:t>
-            </a:r>
-            <a:r>
-              <a:rPr lang="en-US" altLang="zh-CN" i="1" dirty="0"/>
-              <a:t>IsA</a:t>
-            </a:r>
-            <a:r>
-              <a:rPr lang="en-US" altLang="zh-CN" dirty="0"/>
-              <a:t>, </a:t>
-            </a:r>
-            <a:r>
-              <a:rPr lang="en-US" altLang="zh-CN" i="1" dirty="0" smtClean="0"/>
-              <a:t>CapableOf</a:t>
-            </a:r>
-            <a:r>
-              <a:rPr lang="en-US" altLang="zh-CN" dirty="0" smtClean="0"/>
-              <a:t>, etc</a:t>
-            </a:r>
-            <a:r>
-              <a:rPr lang="en-US" altLang="zh-CN" dirty="0"/>
-              <a:t>. </a:t>
-            </a:r>
-            <a:r>
-              <a:rPr lang="en-US" altLang="zh-CN" i="1" dirty="0"/>
-              <a:t>c</a:t>
-            </a:r>
-            <a:r>
-              <a:rPr lang="en-US" altLang="zh-CN" dirty="0"/>
-              <a:t>1</a:t>
-            </a:r>
-            <a:r>
-              <a:rPr lang="en-US" altLang="zh-CN" i="1" dirty="0"/>
-              <a:t>, c</a:t>
-            </a:r>
-            <a:r>
-              <a:rPr lang="en-US" altLang="zh-CN" dirty="0"/>
-              <a:t>2 are </a:t>
-            </a:r>
-            <a:r>
-              <a:rPr lang="en-US" altLang="zh-CN" dirty="0">
-                <a:solidFill>
-                  <a:srgbClr val="FF0000"/>
-                </a:solidFill>
-              </a:rPr>
-              <a:t>concepts</a:t>
-            </a:r>
-            <a:r>
-              <a:rPr lang="en-US" altLang="zh-CN" dirty="0"/>
-              <a:t> in </a:t>
-            </a:r>
-            <a:r>
-              <a:rPr lang="en-US" altLang="zh-CN" i="1" dirty="0"/>
-              <a:t>C</a:t>
-            </a:r>
-            <a:r>
-              <a:rPr lang="en-US" altLang="zh-CN" dirty="0" smtClean="0"/>
-              <a:t>.</a:t>
-            </a:r>
-          </a:p>
-          <a:p>
-            <a:r>
-              <a:rPr lang="en-US" altLang="zh-CN" dirty="0"/>
-              <a:t>The relation set </a:t>
-            </a:r>
-            <a:r>
-              <a:rPr lang="en-US" altLang="zh-CN" i="1" dirty="0"/>
-              <a:t>R </a:t>
-            </a:r>
-            <a:r>
-              <a:rPr lang="en-US" altLang="zh-CN" dirty="0" smtClean="0"/>
-              <a:t>is typically </a:t>
-            </a:r>
-            <a:r>
-              <a:rPr lang="en-US" altLang="zh-CN" dirty="0"/>
-              <a:t>much smaller than </a:t>
-            </a:r>
-            <a:r>
-              <a:rPr lang="en-US" altLang="zh-CN" i="1" dirty="0" smtClean="0"/>
-              <a:t>C.</a:t>
-            </a:r>
-          </a:p>
-          <a:p>
-            <a:r>
-              <a:rPr lang="en-US" altLang="zh-CN" i="1" dirty="0" smtClean="0"/>
-              <a:t>c </a:t>
-            </a:r>
-            <a:r>
-              <a:rPr lang="en-US" altLang="zh-CN" dirty="0"/>
-              <a:t>can either be a single </a:t>
-            </a:r>
-            <a:r>
-              <a:rPr lang="en-US" altLang="zh-CN" dirty="0" smtClean="0"/>
-              <a:t>word or a multi-word expression.</a:t>
-            </a:r>
-          </a:p>
-          <a:p>
-            <a:r>
-              <a:rPr lang="en-US" altLang="zh-CN" dirty="0"/>
-              <a:t>We build a </a:t>
-            </a:r>
-            <a:r>
-              <a:rPr lang="en-US" altLang="zh-CN" dirty="0" smtClean="0">
-                <a:solidFill>
-                  <a:srgbClr val="FF0000"/>
-                </a:solidFill>
-              </a:rPr>
-              <a:t>dictionary</a:t>
-            </a:r>
-            <a:r>
-              <a:rPr lang="en-US" altLang="zh-CN" dirty="0" smtClean="0"/>
-              <a:t> </a:t>
-            </a:r>
-            <a:r>
-              <a:rPr lang="en-US" altLang="zh-CN" i="1" dirty="0" smtClean="0">
-                <a:solidFill>
-                  <a:srgbClr val="FF0000"/>
-                </a:solidFill>
-              </a:rPr>
-              <a:t>H</a:t>
-            </a:r>
-            <a:r>
-              <a:rPr lang="en-US" altLang="zh-CN" i="1" dirty="0" smtClean="0"/>
-              <a:t> </a:t>
-            </a:r>
-            <a:r>
-              <a:rPr lang="en-US" altLang="zh-CN" dirty="0"/>
-              <a:t>out of </a:t>
-            </a:r>
-            <a:r>
-              <a:rPr lang="en-US" altLang="zh-CN" i="1" dirty="0"/>
-              <a:t>A </a:t>
-            </a:r>
-            <a:r>
-              <a:rPr lang="en-US" altLang="zh-CN" dirty="0"/>
-              <a:t>where every </a:t>
-            </a:r>
-            <a:r>
-              <a:rPr lang="en-US" altLang="zh-CN" dirty="0">
-                <a:solidFill>
-                  <a:srgbClr val="FF0000"/>
-                </a:solidFill>
-              </a:rPr>
-              <a:t>concept</a:t>
-            </a:r>
-            <a:r>
-              <a:rPr lang="en-US" altLang="zh-CN" dirty="0"/>
-              <a:t> </a:t>
-            </a:r>
-            <a:r>
-              <a:rPr lang="en-US" altLang="zh-CN" i="1" dirty="0"/>
-              <a:t>c </a:t>
-            </a:r>
-            <a:r>
-              <a:rPr lang="en-US" altLang="zh-CN" dirty="0"/>
-              <a:t>is a </a:t>
-            </a:r>
-            <a:r>
-              <a:rPr lang="en-US" altLang="zh-CN" dirty="0">
-                <a:solidFill>
-                  <a:srgbClr val="FF0000"/>
-                </a:solidFill>
-              </a:rPr>
-              <a:t>key</a:t>
-            </a:r>
-            <a:r>
-              <a:rPr lang="en-US" altLang="zh-CN" dirty="0"/>
-              <a:t> and a list of </a:t>
-            </a:r>
-            <a:r>
-              <a:rPr lang="en-US" altLang="zh-CN" dirty="0" smtClean="0"/>
-              <a:t>all </a:t>
-            </a:r>
-            <a:r>
-              <a:rPr lang="en-US" altLang="zh-CN" dirty="0" smtClean="0">
-                <a:solidFill>
-                  <a:srgbClr val="FF0000"/>
-                </a:solidFill>
-              </a:rPr>
-              <a:t>assertions</a:t>
-            </a:r>
-            <a:r>
-              <a:rPr lang="en-US" altLang="zh-CN" dirty="0" smtClean="0"/>
-              <a:t> </a:t>
-            </a:r>
-            <a:r>
-              <a:rPr lang="en-US" altLang="zh-CN" dirty="0"/>
-              <a:t>in </a:t>
-            </a:r>
-            <a:r>
-              <a:rPr lang="en-US" altLang="zh-CN" i="1" dirty="0"/>
-              <a:t>A </a:t>
-            </a:r>
-            <a:r>
-              <a:rPr lang="en-US" altLang="zh-CN" dirty="0"/>
-              <a:t>concerning </a:t>
-            </a:r>
-            <a:r>
-              <a:rPr lang="en-US" altLang="zh-CN" i="1" dirty="0"/>
-              <a:t>c</a:t>
-            </a:r>
-            <a:r>
-              <a:rPr lang="en-US" altLang="zh-CN" dirty="0"/>
-              <a:t>, i.e., </a:t>
-            </a:r>
-            <a:r>
-              <a:rPr lang="en-US" altLang="zh-CN" i="1" dirty="0"/>
-              <a:t>c </a:t>
-            </a:r>
-            <a:r>
-              <a:rPr lang="en-US" altLang="zh-CN" dirty="0"/>
-              <a:t>= </a:t>
-            </a:r>
-            <a:r>
-              <a:rPr lang="en-US" altLang="zh-CN" i="1" dirty="0"/>
-              <a:t>c</a:t>
-            </a:r>
-            <a:r>
-              <a:rPr lang="en-US" altLang="zh-CN" dirty="0"/>
-              <a:t>1 or </a:t>
-            </a:r>
-            <a:r>
-              <a:rPr lang="en-US" altLang="zh-CN" i="1" dirty="0"/>
-              <a:t>c </a:t>
-            </a:r>
-            <a:r>
-              <a:rPr lang="en-US" altLang="zh-CN" dirty="0"/>
-              <a:t>= </a:t>
-            </a:r>
-            <a:r>
-              <a:rPr lang="en-US" altLang="zh-CN" i="1" dirty="0"/>
-              <a:t>c</a:t>
-            </a:r>
-            <a:r>
-              <a:rPr lang="en-US" altLang="zh-CN" dirty="0"/>
-              <a:t>2, is </a:t>
-            </a:r>
-            <a:r>
-              <a:rPr lang="en-US" altLang="zh-CN" dirty="0" smtClean="0"/>
-              <a:t>the value.</a:t>
-            </a:r>
-          </a:p>
-          <a:p>
-            <a:r>
-              <a:rPr lang="en-US" altLang="zh-CN" dirty="0"/>
-              <a:t>Our goal is to </a:t>
-            </a:r>
-            <a:r>
-              <a:rPr lang="en-US" altLang="zh-CN" dirty="0">
-                <a:solidFill>
-                  <a:srgbClr val="FF0000"/>
-                </a:solidFill>
-              </a:rPr>
-              <a:t>retrieve</a:t>
-            </a:r>
-            <a:r>
-              <a:rPr lang="en-US" altLang="zh-CN" dirty="0"/>
-              <a:t> commonsense knowledge </a:t>
-            </a:r>
-            <a:r>
-              <a:rPr lang="en-US" altLang="zh-CN" dirty="0" smtClean="0"/>
-              <a:t>about every </a:t>
-            </a:r>
-            <a:r>
-              <a:rPr lang="en-US" altLang="zh-CN" dirty="0"/>
-              <a:t>concept covered in the </a:t>
-            </a:r>
-            <a:r>
-              <a:rPr lang="en-US" altLang="zh-CN" dirty="0">
-                <a:solidFill>
-                  <a:srgbClr val="FF0000"/>
-                </a:solidFill>
-              </a:rPr>
-              <a:t>message</a:t>
-            </a:r>
-            <a:r>
-              <a:rPr lang="en-US" altLang="zh-CN" dirty="0"/>
-              <a:t>.</a:t>
-            </a:r>
-            <a:endParaRPr lang="zh-CN" altLang="en-US" dirty="0">
-              <a:solidFill>
-                <a:srgbClr val="FF0000"/>
-              </a:solidFill>
-            </a:endParaRPr>
-          </a:p>
-        </p:txBody>
-      </p:sp>
+        </p:nvPicPr>
+        <p:blipFill>
+          <a:blip r:embed="rId2"/>
+          <a:stretch>
+            <a:fillRect/>
+          </a:stretch>
+        </p:blipFill>
+        <p:spPr>
+          <a:xfrm>
+            <a:off x="153508" y="1857376"/>
+            <a:ext cx="11884983" cy="3838574"/>
+          </a:xfrm>
+          <a:prstGeom prst="rect">
+            <a:avLst/>
+          </a:prstGeom>
+        </p:spPr>
+      </p:pic>
     </p:spTree>
     <p:extLst>
       <p:ext uri="{BB962C8B-B14F-4D97-AF65-F5344CB8AC3E}">
-        <p14:creationId xmlns:p14="http://schemas.microsoft.com/office/powerpoint/2010/main" val="2208431070"/>
+        <p14:creationId xmlns:p14="http://schemas.microsoft.com/office/powerpoint/2010/main" val="900013508"/>
       </p:ext>
     </p:extLst>
   </p:cSld>
@@ -5752,207 +6761,7 @@
 </p:sld>
 </file>
 
-<file path=ppt/slides/slide12.xml><?xml version="1.0" encoding="utf-8"?>
-<p:sld xmlns:a="http://schemas.openxmlformats.org/drawingml/2006/main" xmlns:r="http://schemas.openxmlformats.org/officeDocument/2006/relationships" xmlns:p="http://schemas.openxmlformats.org/presentationml/2006/main">
-  <p:cSld>
-    <p:spTree>
-      <p:nvGrpSpPr>
-        <p:cNvPr id="1" name=""/>
-        <p:cNvGrpSpPr/>
-        <p:nvPr/>
-      </p:nvGrpSpPr>
-      <p:grpSpPr>
-        <a:xfrm>
-          <a:off x="0" y="0"/>
-          <a:ext cx="0" cy="0"/>
-          <a:chOff x="0" y="0"/>
-          <a:chExt cx="0" cy="0"/>
-        </a:xfrm>
-      </p:grpSpPr>
-      <p:sp>
-        <p:nvSpPr>
-          <p:cNvPr id="2" name="标题 1"/>
-          <p:cNvSpPr>
-            <a:spLocks noGrp="1"/>
-          </p:cNvSpPr>
-          <p:nvPr>
-            <p:ph type="title"/>
-          </p:nvPr>
-        </p:nvSpPr>
-        <p:spPr/>
-        <p:txBody>
-          <a:bodyPr>
-            <a:normAutofit/>
-          </a:bodyPr>
-          <a:lstStyle/>
-          <a:p>
-            <a:r>
-              <a:rPr lang="en-US" altLang="zh-CN" sz="3200" dirty="0" smtClean="0"/>
-              <a:t>Model Description: Commonsense Knowledge Retrieval</a:t>
-            </a:r>
-            <a:endParaRPr lang="zh-CN" altLang="en-US" sz="3200" dirty="0"/>
-          </a:p>
-        </p:txBody>
-      </p:sp>
-      <p:sp>
-        <p:nvSpPr>
-          <p:cNvPr id="3" name="内容占位符 2"/>
-          <p:cNvSpPr>
-            <a:spLocks noGrp="1"/>
-          </p:cNvSpPr>
-          <p:nvPr>
-            <p:ph idx="1"/>
-          </p:nvPr>
-        </p:nvSpPr>
-        <p:spPr/>
-        <p:txBody>
-          <a:bodyPr/>
-          <a:lstStyle/>
-          <a:p>
-            <a:r>
-              <a:rPr lang="en-US" altLang="zh-CN" dirty="0"/>
-              <a:t>We define </a:t>
-            </a:r>
-            <a:r>
-              <a:rPr lang="en-US" altLang="zh-CN" i="1" dirty="0" smtClean="0">
-                <a:solidFill>
-                  <a:srgbClr val="FF0000"/>
-                </a:solidFill>
-              </a:rPr>
-              <a:t>A</a:t>
-            </a:r>
-            <a:r>
-              <a:rPr lang="en-US" altLang="zh-CN" i="1" baseline="-25000" dirty="0" smtClean="0">
-                <a:solidFill>
-                  <a:srgbClr val="FF0000"/>
-                </a:solidFill>
-              </a:rPr>
-              <a:t>x</a:t>
-            </a:r>
-            <a:r>
-              <a:rPr lang="en-US" altLang="zh-CN" i="1" dirty="0" smtClean="0"/>
-              <a:t> </a:t>
-            </a:r>
-            <a:r>
-              <a:rPr lang="en-US" altLang="zh-CN" dirty="0"/>
-              <a:t>as the set of commonsense </a:t>
-            </a:r>
-            <a:r>
-              <a:rPr lang="en-US" altLang="zh-CN" dirty="0">
-                <a:solidFill>
-                  <a:srgbClr val="FF0000"/>
-                </a:solidFill>
-              </a:rPr>
-              <a:t>assertions</a:t>
-            </a:r>
-            <a:r>
-              <a:rPr lang="en-US" altLang="zh-CN" dirty="0"/>
-              <a:t> </a:t>
-            </a:r>
-            <a:r>
-              <a:rPr lang="en-US" altLang="zh-CN" dirty="0" smtClean="0"/>
-              <a:t>concerned with </a:t>
-            </a:r>
-            <a:r>
-              <a:rPr lang="en-US" altLang="zh-CN" dirty="0">
-                <a:solidFill>
-                  <a:srgbClr val="FF0000"/>
-                </a:solidFill>
-              </a:rPr>
-              <a:t>message </a:t>
-            </a:r>
-            <a:r>
-              <a:rPr lang="en-US" altLang="zh-CN" i="1" dirty="0">
-                <a:solidFill>
-                  <a:srgbClr val="FF0000"/>
-                </a:solidFill>
-              </a:rPr>
-              <a:t>x</a:t>
-            </a:r>
-            <a:r>
-              <a:rPr lang="en-US" altLang="zh-CN" dirty="0" smtClean="0"/>
-              <a:t>.</a:t>
-            </a:r>
-          </a:p>
-          <a:p>
-            <a:r>
-              <a:rPr lang="en-US" altLang="zh-CN" dirty="0" smtClean="0"/>
-              <a:t>To recover concepts in message x, we use simple </a:t>
-            </a:r>
-            <a:r>
-              <a:rPr lang="en-US" altLang="zh-CN" dirty="0" smtClean="0">
-                <a:solidFill>
-                  <a:srgbClr val="FF0000"/>
-                </a:solidFill>
-              </a:rPr>
-              <a:t>n-gram matching </a:t>
-            </a:r>
-            <a:r>
-              <a:rPr lang="en-US" altLang="zh-CN" dirty="0" smtClean="0"/>
-              <a:t>(n ≤ N). Every n-gram in c is considered a </a:t>
-            </a:r>
-            <a:r>
-              <a:rPr lang="en-US" altLang="zh-CN" dirty="0" smtClean="0">
-                <a:solidFill>
-                  <a:srgbClr val="FF0000"/>
-                </a:solidFill>
-              </a:rPr>
-              <a:t>potential concept</a:t>
-            </a:r>
-            <a:r>
-              <a:rPr lang="en-US" altLang="zh-CN" dirty="0" smtClean="0"/>
-              <a:t>. If the n-gram is a </a:t>
-            </a:r>
-            <a:r>
-              <a:rPr lang="en-US" altLang="zh-CN" dirty="0" smtClean="0">
-                <a:solidFill>
-                  <a:srgbClr val="FF0000"/>
-                </a:solidFill>
-              </a:rPr>
-              <a:t>key in H</a:t>
-            </a:r>
-            <a:r>
-              <a:rPr lang="en-US" altLang="zh-CN" dirty="0" smtClean="0"/>
-              <a:t>, the corresponding value, i.e., all </a:t>
-            </a:r>
-            <a:r>
-              <a:rPr lang="en-US" altLang="zh-CN" dirty="0" smtClean="0">
-                <a:solidFill>
-                  <a:srgbClr val="FF0000"/>
-                </a:solidFill>
-              </a:rPr>
-              <a:t>assertions</a:t>
-            </a:r>
-            <a:r>
-              <a:rPr lang="en-US" altLang="zh-CN" dirty="0" smtClean="0"/>
-              <a:t> in A concerning the concept, is added to A</a:t>
-            </a:r>
-            <a:r>
-              <a:rPr lang="en-US" altLang="zh-CN" baseline="-25000" dirty="0" smtClean="0"/>
-              <a:t>x</a:t>
-            </a:r>
-            <a:r>
-              <a:rPr lang="en-US" altLang="zh-CN" dirty="0" smtClean="0"/>
-              <a:t> (Figure 4).</a:t>
-            </a:r>
-            <a:endParaRPr lang="zh-CN" altLang="en-US" dirty="0"/>
-          </a:p>
-        </p:txBody>
-      </p:sp>
-    </p:spTree>
-    <p:extLst>
-      <p:ext uri="{BB962C8B-B14F-4D97-AF65-F5344CB8AC3E}">
-        <p14:creationId xmlns:p14="http://schemas.microsoft.com/office/powerpoint/2010/main" val="3039941710"/>
-      </p:ext>
-    </p:extLst>
-  </p:cSld>
-  <p:clrMapOvr>
-    <a:masterClrMapping/>
-  </p:clrMapOvr>
-</p:sld>
-</file>
-
-<file path=ppt/slides/slide13.xml><?xml version="1.0" encoding="utf-8"?>
+<file path=ppt/slides/slide20.xml><?xml version="1.0" encoding="utf-8"?>
 <p:sld xmlns:a="http://schemas.openxmlformats.org/drawingml/2006/main" xmlns:r="http://schemas.openxmlformats.org/officeDocument/2006/relationships" xmlns:p="http://schemas.openxmlformats.org/presentationml/2006/main">
   <p:cSld>
     <p:spTree>
@@ -6377,7 +7186,7 @@
 </p:sld>
 </file>
 
-<file path=ppt/slides/slide14.xml><?xml version="1.0" encoding="utf-8"?>
+<file path=ppt/slides/slide21.xml><?xml version="1.0" encoding="utf-8"?>
 <p:sld xmlns:a="http://schemas.openxmlformats.org/drawingml/2006/main" xmlns:r="http://schemas.openxmlformats.org/officeDocument/2006/relationships" xmlns:p="http://schemas.openxmlformats.org/presentationml/2006/main">
   <p:cSld>
     <p:spTree>
@@ -6603,7 +7412,7 @@
 </p:sld>
 </file>
 
-<file path=ppt/slides/slide15.xml><?xml version="1.0" encoding="utf-8"?>
+<file path=ppt/slides/slide22.xml><?xml version="1.0" encoding="utf-8"?>
 <p:sld xmlns:a="http://schemas.openxmlformats.org/drawingml/2006/main" xmlns:r="http://schemas.openxmlformats.org/officeDocument/2006/relationships" xmlns:p="http://schemas.openxmlformats.org/presentationml/2006/main">
   <p:cSld>
     <p:spTree>
@@ -6906,7 +7715,7 @@
 </p:sld>
 </file>
 
-<file path=ppt/slides/slide16.xml><?xml version="1.0" encoding="utf-8"?>
+<file path=ppt/slides/slide23.xml><?xml version="1.0" encoding="utf-8"?>
 <p:sld xmlns:a="http://schemas.openxmlformats.org/drawingml/2006/main" xmlns:r="http://schemas.openxmlformats.org/officeDocument/2006/relationships" xmlns:p="http://schemas.openxmlformats.org/presentationml/2006/main">
   <p:cSld>
     <p:spTree>
@@ -7099,7 +7908,7 @@
 </p:sld>
 </file>
 
-<file path=ppt/slides/slide17.xml><?xml version="1.0" encoding="utf-8"?>
+<file path=ppt/slides/slide24.xml><?xml version="1.0" encoding="utf-8"?>
 <p:sld xmlns:a="http://schemas.openxmlformats.org/drawingml/2006/main" xmlns:r="http://schemas.openxmlformats.org/officeDocument/2006/relationships" xmlns:p="http://schemas.openxmlformats.org/presentationml/2006/main">
   <p:cSld>
     <p:spTree>
@@ -7191,1436 +8000,6 @@
 </p:sld>
 </file>
 
-<file path=ppt/slides/slide18.xml><?xml version="1.0" encoding="utf-8"?>
-<p:sld xmlns:a="http://schemas.openxmlformats.org/drawingml/2006/main" xmlns:r="http://schemas.openxmlformats.org/officeDocument/2006/relationships" xmlns:p="http://schemas.openxmlformats.org/presentationml/2006/main">
-  <p:cSld>
-    <p:spTree>
-      <p:nvGrpSpPr>
-        <p:cNvPr id="1" name=""/>
-        <p:cNvGrpSpPr/>
-        <p:nvPr/>
-      </p:nvGrpSpPr>
-      <p:grpSpPr>
-        <a:xfrm>
-          <a:off x="0" y="0"/>
-          <a:ext cx="0" cy="0"/>
-          <a:chOff x="0" y="0"/>
-          <a:chExt cx="0" cy="0"/>
-        </a:xfrm>
-      </p:grpSpPr>
-      <p:sp>
-        <p:nvSpPr>
-          <p:cNvPr id="2" name="标题 1"/>
-          <p:cNvSpPr>
-            <a:spLocks noGrp="1"/>
-          </p:cNvSpPr>
-          <p:nvPr>
-            <p:ph type="title"/>
-          </p:nvPr>
-        </p:nvSpPr>
-        <p:spPr/>
-        <p:txBody>
-          <a:bodyPr/>
-          <a:lstStyle/>
-          <a:p>
-            <a:endParaRPr lang="zh-CN" altLang="en-US"/>
-          </a:p>
-        </p:txBody>
-      </p:sp>
-      <p:sp>
-        <p:nvSpPr>
-          <p:cNvPr id="3" name="内容占位符 2"/>
-          <p:cNvSpPr>
-            <a:spLocks noGrp="1"/>
-          </p:cNvSpPr>
-          <p:nvPr>
-            <p:ph idx="1"/>
-          </p:nvPr>
-        </p:nvSpPr>
-        <p:spPr/>
-        <p:txBody>
-          <a:bodyPr/>
-          <a:lstStyle/>
-          <a:p>
-            <a:endParaRPr lang="zh-CN" altLang="en-US"/>
-          </a:p>
-        </p:txBody>
-      </p:sp>
-      <p:pic>
-        <p:nvPicPr>
-          <p:cNvPr id="4" name="图片 3"/>
-          <p:cNvPicPr>
-            <a:picLocks noChangeAspect="1"/>
-          </p:cNvPicPr>
-          <p:nvPr/>
-        </p:nvPicPr>
-        <p:blipFill>
-          <a:blip r:embed="rId2"/>
-          <a:stretch>
-            <a:fillRect/>
-          </a:stretch>
-        </p:blipFill>
-        <p:spPr>
-          <a:xfrm>
-            <a:off x="0" y="-1"/>
-            <a:ext cx="12150228" cy="6712085"/>
-          </a:xfrm>
-          <a:prstGeom prst="rect">
-            <a:avLst/>
-          </a:prstGeom>
-        </p:spPr>
-      </p:pic>
-    </p:spTree>
-    <p:extLst>
-      <p:ext uri="{BB962C8B-B14F-4D97-AF65-F5344CB8AC3E}">
-        <p14:creationId xmlns:p14="http://schemas.microsoft.com/office/powerpoint/2010/main" val="2042513183"/>
-      </p:ext>
-    </p:extLst>
-  </p:cSld>
-  <p:clrMapOvr>
-    <a:masterClrMapping/>
-  </p:clrMapOvr>
-</p:sld>
-</file>
-
-<file path=ppt/slides/slide19.xml><?xml version="1.0" encoding="utf-8"?>
-<p:sld xmlns:a="http://schemas.openxmlformats.org/drawingml/2006/main" xmlns:r="http://schemas.openxmlformats.org/officeDocument/2006/relationships" xmlns:p="http://schemas.openxmlformats.org/presentationml/2006/main">
-  <p:cSld>
-    <p:spTree>
-      <p:nvGrpSpPr>
-        <p:cNvPr id="1" name=""/>
-        <p:cNvGrpSpPr/>
-        <p:nvPr/>
-      </p:nvGrpSpPr>
-      <p:grpSpPr>
-        <a:xfrm>
-          <a:off x="0" y="0"/>
-          <a:ext cx="0" cy="0"/>
-          <a:chOff x="0" y="0"/>
-          <a:chExt cx="0" cy="0"/>
-        </a:xfrm>
-      </p:grpSpPr>
-      <p:sp>
-        <p:nvSpPr>
-          <p:cNvPr id="2" name="标题 1"/>
-          <p:cNvSpPr>
-            <a:spLocks noGrp="1"/>
-          </p:cNvSpPr>
-          <p:nvPr>
-            <p:ph type="title"/>
-          </p:nvPr>
-        </p:nvSpPr>
-        <p:spPr/>
-        <p:txBody>
-          <a:bodyPr/>
-          <a:lstStyle/>
-          <a:p>
-            <a:r>
-              <a:rPr lang="en-US" altLang="zh-CN" dirty="0"/>
-              <a:t>Model </a:t>
-            </a:r>
-            <a:r>
-              <a:rPr lang="en-US" altLang="zh-CN" dirty="0" smtClean="0"/>
-              <a:t>Description: </a:t>
-            </a:r>
-            <a:r>
-              <a:rPr lang="en-US" altLang="zh-CN" dirty="0"/>
-              <a:t>Comparison Approaches</a:t>
-            </a:r>
-            <a:endParaRPr lang="zh-CN" altLang="en-US" dirty="0"/>
-          </a:p>
-        </p:txBody>
-      </p:sp>
-      <p:sp>
-        <p:nvSpPr>
-          <p:cNvPr id="3" name="内容占位符 2"/>
-          <p:cNvSpPr>
-            <a:spLocks noGrp="1"/>
-          </p:cNvSpPr>
-          <p:nvPr>
-            <p:ph idx="1"/>
-          </p:nvPr>
-        </p:nvSpPr>
-        <p:spPr/>
-        <p:txBody>
-          <a:bodyPr/>
-          <a:lstStyle/>
-          <a:p>
-            <a:r>
-              <a:rPr lang="en-US" altLang="zh-CN" dirty="0"/>
-              <a:t>Supervised Word </a:t>
-            </a:r>
-            <a:r>
-              <a:rPr lang="en-US" altLang="zh-CN" dirty="0" smtClean="0"/>
-              <a:t>Embeddings</a:t>
-            </a:r>
-          </a:p>
-          <a:p>
-            <a:r>
-              <a:rPr lang="en-US" altLang="zh-CN" dirty="0"/>
-              <a:t>Memory Networks</a:t>
-            </a:r>
-            <a:endParaRPr lang="zh-CN" altLang="en-US" dirty="0"/>
-          </a:p>
-        </p:txBody>
-      </p:sp>
-    </p:spTree>
-    <p:extLst>
-      <p:ext uri="{BB962C8B-B14F-4D97-AF65-F5344CB8AC3E}">
-        <p14:creationId xmlns:p14="http://schemas.microsoft.com/office/powerpoint/2010/main" val="819893414"/>
-      </p:ext>
-    </p:extLst>
-  </p:cSld>
-  <p:clrMapOvr>
-    <a:masterClrMapping/>
-  </p:clrMapOvr>
-</p:sld>
-</file>
-
-<file path=ppt/slides/slide2.xml><?xml version="1.0" encoding="utf-8"?>
-<p:sld xmlns:a="http://schemas.openxmlformats.org/drawingml/2006/main" xmlns:r="http://schemas.openxmlformats.org/officeDocument/2006/relationships" xmlns:p="http://schemas.openxmlformats.org/presentationml/2006/main">
-  <p:cSld>
-    <p:spTree>
-      <p:nvGrpSpPr>
-        <p:cNvPr id="1" name=""/>
-        <p:cNvGrpSpPr/>
-        <p:nvPr/>
-      </p:nvGrpSpPr>
-      <p:grpSpPr>
-        <a:xfrm>
-          <a:off x="0" y="0"/>
-          <a:ext cx="0" cy="0"/>
-          <a:chOff x="0" y="0"/>
-          <a:chExt cx="0" cy="0"/>
-        </a:xfrm>
-      </p:grpSpPr>
-      <p:sp>
-        <p:nvSpPr>
-          <p:cNvPr id="2" name="标题 1"/>
-          <p:cNvSpPr>
-            <a:spLocks noGrp="1"/>
-          </p:cNvSpPr>
-          <p:nvPr>
-            <p:ph type="title"/>
-          </p:nvPr>
-        </p:nvSpPr>
-        <p:spPr/>
-        <p:txBody>
-          <a:bodyPr/>
-          <a:lstStyle/>
-          <a:p>
-            <a:r>
-              <a:rPr lang="en-US" altLang="zh-CN" dirty="0" smtClean="0"/>
-              <a:t>Abstract &amp; Introduction</a:t>
-            </a:r>
-            <a:endParaRPr lang="zh-CN" altLang="en-US" dirty="0"/>
-          </a:p>
-        </p:txBody>
-      </p:sp>
-      <p:sp>
-        <p:nvSpPr>
-          <p:cNvPr id="3" name="内容占位符 2"/>
-          <p:cNvSpPr>
-            <a:spLocks noGrp="1"/>
-          </p:cNvSpPr>
-          <p:nvPr>
-            <p:ph idx="1"/>
-          </p:nvPr>
-        </p:nvSpPr>
-        <p:spPr/>
-        <p:txBody>
-          <a:bodyPr/>
-          <a:lstStyle/>
-          <a:p>
-            <a:r>
-              <a:rPr lang="en-US" altLang="zh-CN" dirty="0" smtClean="0"/>
-              <a:t>By relying on a large number of </a:t>
-            </a:r>
-            <a:r>
-              <a:rPr lang="en-US" altLang="zh-CN" dirty="0" smtClean="0">
-                <a:solidFill>
-                  <a:srgbClr val="FF0000"/>
-                </a:solidFill>
-              </a:rPr>
-              <a:t>message-response pairs</a:t>
-            </a:r>
-            <a:r>
-              <a:rPr lang="en-US" altLang="zh-CN" dirty="0" smtClean="0"/>
-              <a:t>, the </a:t>
-            </a:r>
-            <a:r>
-              <a:rPr lang="en-US" altLang="zh-CN" dirty="0" smtClean="0">
-                <a:solidFill>
-                  <a:srgbClr val="FF0000"/>
-                </a:solidFill>
-              </a:rPr>
-              <a:t>Seq2Seq framework</a:t>
-            </a:r>
-            <a:r>
-              <a:rPr lang="en-US" altLang="zh-CN" dirty="0" smtClean="0"/>
-              <a:t> (Sutskever, Vinyals, and Le 2014) attempts to produce an appropriate response </a:t>
-            </a:r>
-            <a:r>
-              <a:rPr lang="en-US" altLang="zh-CN" dirty="0" smtClean="0">
-                <a:solidFill>
-                  <a:srgbClr val="FF0000"/>
-                </a:solidFill>
-              </a:rPr>
-              <a:t>based solely on the message itself</a:t>
-            </a:r>
-            <a:r>
-              <a:rPr lang="en-US" altLang="zh-CN" dirty="0" smtClean="0"/>
-              <a:t>, without any memory module.</a:t>
-            </a:r>
-          </a:p>
-          <a:p>
-            <a:r>
-              <a:rPr lang="en-US" altLang="zh-CN" dirty="0" smtClean="0"/>
-              <a:t>In this paper, we investigate the impact of providing </a:t>
-            </a:r>
-            <a:r>
-              <a:rPr lang="en-US" altLang="zh-CN" dirty="0" smtClean="0">
-                <a:solidFill>
-                  <a:srgbClr val="FF0000"/>
-                </a:solidFill>
-              </a:rPr>
-              <a:t>commonsense knowledge </a:t>
-            </a:r>
-            <a:r>
-              <a:rPr lang="en-US" altLang="zh-CN" dirty="0" smtClean="0"/>
-              <a:t>about the concepts covered in the dialogue</a:t>
-            </a:r>
-            <a:r>
-              <a:rPr lang="en-US" altLang="zh-CN" dirty="0" smtClean="0"/>
-              <a:t>.</a:t>
-            </a:r>
-          </a:p>
-          <a:p>
-            <a:r>
-              <a:rPr lang="en-US" altLang="zh-CN" dirty="0"/>
-              <a:t>Such information may </a:t>
-            </a:r>
-            <a:r>
-              <a:rPr lang="en-US" altLang="zh-CN" dirty="0" smtClean="0"/>
-              <a:t>contain </a:t>
-            </a:r>
-            <a:r>
-              <a:rPr lang="en-US" altLang="zh-CN" dirty="0" smtClean="0">
-                <a:solidFill>
-                  <a:srgbClr val="FF0000"/>
-                </a:solidFill>
-              </a:rPr>
-              <a:t>personal </a:t>
-            </a:r>
-            <a:r>
-              <a:rPr lang="en-US" altLang="zh-CN" dirty="0">
-                <a:solidFill>
-                  <a:srgbClr val="FF0000"/>
-                </a:solidFill>
-              </a:rPr>
-              <a:t>experience, recent events, commonsense </a:t>
-            </a:r>
-            <a:r>
-              <a:rPr lang="en-US" altLang="zh-CN" dirty="0" smtClean="0">
-                <a:solidFill>
-                  <a:srgbClr val="FF0000"/>
-                </a:solidFill>
-              </a:rPr>
-              <a:t>knowledge</a:t>
-            </a:r>
-            <a:r>
-              <a:rPr lang="en-US" altLang="zh-CN" dirty="0" smtClean="0"/>
-              <a:t> and </a:t>
-            </a:r>
-            <a:r>
-              <a:rPr lang="en-US" altLang="zh-CN" dirty="0"/>
-              <a:t>more (Figure 1).</a:t>
-            </a:r>
-            <a:endParaRPr lang="zh-CN" altLang="en-US" dirty="0"/>
-          </a:p>
-        </p:txBody>
-      </p:sp>
-    </p:spTree>
-    <p:extLst>
-      <p:ext uri="{BB962C8B-B14F-4D97-AF65-F5344CB8AC3E}">
-        <p14:creationId xmlns:p14="http://schemas.microsoft.com/office/powerpoint/2010/main" val="903631547"/>
-      </p:ext>
-    </p:extLst>
-  </p:cSld>
-  <p:clrMapOvr>
-    <a:masterClrMapping/>
-  </p:clrMapOvr>
-</p:sld>
-</file>
-
-<file path=ppt/slides/slide20.xml><?xml version="1.0" encoding="utf-8"?>
-<p:sld xmlns:a="http://schemas.openxmlformats.org/drawingml/2006/main" xmlns:r="http://schemas.openxmlformats.org/officeDocument/2006/relationships" xmlns:p="http://schemas.openxmlformats.org/presentationml/2006/main">
-  <p:cSld>
-    <p:spTree>
-      <p:nvGrpSpPr>
-        <p:cNvPr id="1" name=""/>
-        <p:cNvGrpSpPr/>
-        <p:nvPr/>
-      </p:nvGrpSpPr>
-      <p:grpSpPr>
-        <a:xfrm>
-          <a:off x="0" y="0"/>
-          <a:ext cx="0" cy="0"/>
-          <a:chOff x="0" y="0"/>
-          <a:chExt cx="0" cy="0"/>
-        </a:xfrm>
-      </p:grpSpPr>
-      <p:sp>
-        <p:nvSpPr>
-          <p:cNvPr id="2" name="标题 1"/>
-          <p:cNvSpPr>
-            <a:spLocks noGrp="1"/>
-          </p:cNvSpPr>
-          <p:nvPr>
-            <p:ph type="title"/>
-          </p:nvPr>
-        </p:nvSpPr>
-        <p:spPr/>
-        <p:txBody>
-          <a:bodyPr/>
-          <a:lstStyle/>
-          <a:p>
-            <a:r>
-              <a:rPr lang="en-US" altLang="zh-CN" dirty="0" smtClean="0"/>
-              <a:t>Experiments: Twitter Dialogue Dataset</a:t>
-            </a:r>
-            <a:endParaRPr lang="zh-CN" altLang="en-US" dirty="0"/>
-          </a:p>
-        </p:txBody>
-      </p:sp>
-      <p:sp>
-        <p:nvSpPr>
-          <p:cNvPr id="3" name="内容占位符 2"/>
-          <p:cNvSpPr>
-            <a:spLocks noGrp="1"/>
-          </p:cNvSpPr>
-          <p:nvPr>
-            <p:ph idx="1"/>
-          </p:nvPr>
-        </p:nvSpPr>
-        <p:spPr/>
-        <p:txBody>
-          <a:bodyPr>
-            <a:normAutofit/>
-          </a:bodyPr>
-          <a:lstStyle/>
-          <a:p>
-            <a:r>
-              <a:rPr lang="en-US" altLang="zh-CN" dirty="0" smtClean="0"/>
-              <a:t>1.4M </a:t>
-            </a:r>
-            <a:r>
-              <a:rPr lang="en-US" altLang="zh-CN" dirty="0"/>
-              <a:t>Twitter &lt;message, response&gt; pairs are used </a:t>
-            </a:r>
-            <a:r>
-              <a:rPr lang="en-US" altLang="zh-CN" dirty="0" smtClean="0"/>
-              <a:t>for our </a:t>
-            </a:r>
-            <a:r>
-              <a:rPr lang="en-US" altLang="zh-CN" dirty="0"/>
-              <a:t>experiments</a:t>
-            </a:r>
-            <a:r>
-              <a:rPr lang="en-US" altLang="zh-CN" dirty="0" smtClean="0"/>
-              <a:t>.</a:t>
-            </a:r>
-          </a:p>
-          <a:p>
-            <a:r>
-              <a:rPr lang="en-US" altLang="zh-CN" dirty="0"/>
-              <a:t>1M </a:t>
-            </a:r>
-            <a:r>
-              <a:rPr lang="en-US" altLang="zh-CN" dirty="0" smtClean="0"/>
-              <a:t>Twitter&lt;message, response</a:t>
-            </a:r>
-            <a:r>
-              <a:rPr lang="en-US" altLang="zh-CN" dirty="0"/>
-              <a:t>&gt;</a:t>
-            </a:r>
-            <a:r>
-              <a:rPr lang="en-US" altLang="zh-CN" i="1" dirty="0"/>
-              <a:t> </a:t>
-            </a:r>
-            <a:r>
-              <a:rPr lang="en-US" altLang="zh-CN" dirty="0"/>
-              <a:t>pairs are used for training</a:t>
-            </a:r>
-            <a:r>
-              <a:rPr lang="en-US" altLang="zh-CN" dirty="0" smtClean="0"/>
-              <a:t>.</a:t>
-            </a:r>
-          </a:p>
-          <a:p>
-            <a:r>
-              <a:rPr lang="en-US" altLang="zh-CN" dirty="0"/>
-              <a:t>1M </a:t>
-            </a:r>
-            <a:r>
-              <a:rPr lang="en-US" altLang="zh-CN" i="1" dirty="0"/>
-              <a:t>&lt;</a:t>
-            </a:r>
-            <a:r>
-              <a:rPr lang="en-US" altLang="zh-CN" dirty="0"/>
-              <a:t>message, </a:t>
-            </a:r>
-            <a:r>
-              <a:rPr lang="en-US" altLang="zh-CN" dirty="0" smtClean="0"/>
-              <a:t>response, label=1</a:t>
-            </a:r>
-            <a:r>
-              <a:rPr lang="en-US" altLang="zh-CN" i="1" dirty="0"/>
-              <a:t>&gt; </a:t>
-            </a:r>
-            <a:r>
-              <a:rPr lang="en-US" altLang="zh-CN" dirty="0"/>
-              <a:t>triples as </a:t>
-            </a:r>
-            <a:r>
-              <a:rPr lang="en-US" altLang="zh-CN" dirty="0">
-                <a:solidFill>
-                  <a:srgbClr val="FF0000"/>
-                </a:solidFill>
-              </a:rPr>
-              <a:t>positive</a:t>
-            </a:r>
-            <a:r>
-              <a:rPr lang="en-US" altLang="zh-CN" dirty="0"/>
-              <a:t> instances</a:t>
-            </a:r>
-            <a:r>
-              <a:rPr lang="en-US" altLang="zh-CN" dirty="0" smtClean="0"/>
-              <a:t>.</a:t>
-            </a:r>
-          </a:p>
-          <a:p>
-            <a:r>
-              <a:rPr lang="en-US" altLang="zh-CN" dirty="0" smtClean="0"/>
-              <a:t>1M </a:t>
-            </a:r>
-            <a:r>
-              <a:rPr lang="en-US" altLang="zh-CN" dirty="0" smtClean="0">
-                <a:solidFill>
-                  <a:srgbClr val="FF0000"/>
-                </a:solidFill>
-              </a:rPr>
-              <a:t>negative</a:t>
-            </a:r>
-            <a:r>
-              <a:rPr lang="en-US" altLang="zh-CN" dirty="0" smtClean="0"/>
-              <a:t> </a:t>
-            </a:r>
-            <a:r>
-              <a:rPr lang="en-US" altLang="zh-CN" dirty="0"/>
-              <a:t>instances </a:t>
-            </a:r>
-            <a:r>
-              <a:rPr lang="en-US" altLang="zh-CN" i="1" dirty="0"/>
-              <a:t>&lt;</a:t>
-            </a:r>
-            <a:r>
-              <a:rPr lang="en-US" altLang="zh-CN" dirty="0"/>
-              <a:t>message, response, label=0</a:t>
-            </a:r>
-            <a:r>
-              <a:rPr lang="en-US" altLang="zh-CN" i="1" dirty="0"/>
-              <a:t>&gt; </a:t>
-            </a:r>
-            <a:r>
-              <a:rPr lang="en-US" altLang="zh-CN" dirty="0"/>
-              <a:t>are </a:t>
-            </a:r>
-            <a:r>
-              <a:rPr lang="en-US" altLang="zh-CN" dirty="0" smtClean="0"/>
-              <a:t>constructed by </a:t>
-            </a:r>
-            <a:r>
-              <a:rPr lang="en-US" altLang="zh-CN" dirty="0"/>
-              <a:t>replacing the ground truth response with a </a:t>
-            </a:r>
-            <a:r>
-              <a:rPr lang="en-US" altLang="zh-CN" dirty="0" smtClean="0">
-                <a:solidFill>
-                  <a:srgbClr val="FF0000"/>
-                </a:solidFill>
-              </a:rPr>
-              <a:t>random</a:t>
-            </a:r>
-            <a:r>
-              <a:rPr lang="en-US" altLang="zh-CN" dirty="0" smtClean="0"/>
-              <a:t> response </a:t>
-            </a:r>
-            <a:r>
-              <a:rPr lang="en-US" altLang="zh-CN" dirty="0"/>
-              <a:t>in the training set</a:t>
-            </a:r>
-            <a:r>
-              <a:rPr lang="en-US" altLang="zh-CN" dirty="0" smtClean="0"/>
-              <a:t>.</a:t>
-            </a:r>
-          </a:p>
-          <a:p>
-            <a:r>
-              <a:rPr lang="en-US" altLang="zh-CN" dirty="0" smtClean="0"/>
-              <a:t>For </a:t>
-            </a:r>
-            <a:r>
-              <a:rPr lang="en-US" altLang="zh-CN" dirty="0" smtClean="0">
-                <a:solidFill>
-                  <a:srgbClr val="FF0000"/>
-                </a:solidFill>
-              </a:rPr>
-              <a:t>tuning and evaluation</a:t>
-            </a:r>
-            <a:r>
-              <a:rPr lang="en-US" altLang="zh-CN" dirty="0" smtClean="0"/>
-              <a:t>, we use 20K </a:t>
-            </a:r>
-            <a:r>
-              <a:rPr lang="en-US" altLang="zh-CN" i="1" dirty="0" smtClean="0"/>
-              <a:t>&lt;</a:t>
-            </a:r>
-            <a:r>
-              <a:rPr lang="en-US" altLang="zh-CN" dirty="0" smtClean="0"/>
-              <a:t>message, response</a:t>
-            </a:r>
-            <a:r>
-              <a:rPr lang="en-US" altLang="zh-CN" i="1" dirty="0" smtClean="0"/>
-              <a:t>&gt; </a:t>
-            </a:r>
-            <a:r>
-              <a:rPr lang="en-US" altLang="zh-CN" dirty="0" smtClean="0"/>
-              <a:t>pairs that constitute the validation set (10K) and test set (10K).</a:t>
-            </a:r>
-            <a:endParaRPr lang="zh-CN" altLang="en-US" dirty="0" smtClean="0"/>
-          </a:p>
-          <a:p>
-            <a:endParaRPr lang="zh-CN" altLang="en-US" dirty="0"/>
-          </a:p>
-        </p:txBody>
-      </p:sp>
-    </p:spTree>
-    <p:extLst>
-      <p:ext uri="{BB962C8B-B14F-4D97-AF65-F5344CB8AC3E}">
-        <p14:creationId xmlns:p14="http://schemas.microsoft.com/office/powerpoint/2010/main" val="2662492001"/>
-      </p:ext>
-    </p:extLst>
-  </p:cSld>
-  <p:clrMapOvr>
-    <a:masterClrMapping/>
-  </p:clrMapOvr>
-</p:sld>
-</file>
-
-<file path=ppt/slides/slide21.xml><?xml version="1.0" encoding="utf-8"?>
-<p:sld xmlns:a="http://schemas.openxmlformats.org/drawingml/2006/main" xmlns:r="http://schemas.openxmlformats.org/officeDocument/2006/relationships" xmlns:p="http://schemas.openxmlformats.org/presentationml/2006/main">
-  <p:cSld>
-    <p:spTree>
-      <p:nvGrpSpPr>
-        <p:cNvPr id="1" name=""/>
-        <p:cNvGrpSpPr/>
-        <p:nvPr/>
-      </p:nvGrpSpPr>
-      <p:grpSpPr>
-        <a:xfrm>
-          <a:off x="0" y="0"/>
-          <a:ext cx="0" cy="0"/>
-          <a:chOff x="0" y="0"/>
-          <a:chExt cx="0" cy="0"/>
-        </a:xfrm>
-      </p:grpSpPr>
-      <p:sp>
-        <p:nvSpPr>
-          <p:cNvPr id="2" name="标题 1"/>
-          <p:cNvSpPr>
-            <a:spLocks noGrp="1"/>
-          </p:cNvSpPr>
-          <p:nvPr>
-            <p:ph type="title"/>
-          </p:nvPr>
-        </p:nvSpPr>
-        <p:spPr/>
-        <p:txBody>
-          <a:bodyPr/>
-          <a:lstStyle/>
-          <a:p>
-            <a:r>
-              <a:rPr lang="en-US" altLang="zh-CN" dirty="0" smtClean="0"/>
-              <a:t>Experiments:</a:t>
-            </a:r>
-            <a:r>
-              <a:rPr lang="en-US" altLang="zh-CN" dirty="0"/>
-              <a:t> ConceptNet</a:t>
-            </a:r>
-            <a:endParaRPr lang="zh-CN" altLang="en-US" dirty="0"/>
-          </a:p>
-        </p:txBody>
-      </p:sp>
-      <p:sp>
-        <p:nvSpPr>
-          <p:cNvPr id="3" name="内容占位符 2"/>
-          <p:cNvSpPr>
-            <a:spLocks noGrp="1"/>
-          </p:cNvSpPr>
-          <p:nvPr>
-            <p:ph idx="1"/>
-          </p:nvPr>
-        </p:nvSpPr>
-        <p:spPr/>
-        <p:txBody>
-          <a:bodyPr/>
-          <a:lstStyle/>
-          <a:p>
-            <a:r>
-              <a:rPr lang="en-US" altLang="zh-CN" dirty="0"/>
-              <a:t>1.4M concepts </a:t>
-            </a:r>
-            <a:r>
-              <a:rPr lang="en-US" altLang="zh-CN" dirty="0" smtClean="0"/>
-              <a:t>remain. 0.8M </a:t>
-            </a:r>
-            <a:r>
-              <a:rPr lang="en-US" altLang="zh-CN" dirty="0"/>
-              <a:t>concepts are </a:t>
-            </a:r>
-            <a:r>
-              <a:rPr lang="en-US" altLang="zh-CN" dirty="0">
-                <a:solidFill>
-                  <a:srgbClr val="FF0000"/>
-                </a:solidFill>
-              </a:rPr>
-              <a:t>unigrams</a:t>
-            </a:r>
-            <a:r>
-              <a:rPr lang="en-US" altLang="zh-CN" dirty="0"/>
-              <a:t>, 0.43M are </a:t>
-            </a:r>
-            <a:r>
-              <a:rPr lang="en-US" altLang="zh-CN" dirty="0">
-                <a:solidFill>
-                  <a:srgbClr val="FF0000"/>
-                </a:solidFill>
-              </a:rPr>
-              <a:t>bi-grams</a:t>
-            </a:r>
-            <a:r>
-              <a:rPr lang="en-US" altLang="zh-CN" dirty="0"/>
-              <a:t> </a:t>
-            </a:r>
-            <a:r>
-              <a:rPr lang="en-US" altLang="zh-CN" dirty="0" smtClean="0"/>
-              <a:t>and the </a:t>
-            </a:r>
-            <a:r>
-              <a:rPr lang="en-US" altLang="zh-CN" dirty="0"/>
-              <a:t>other </a:t>
-            </a:r>
-            <a:r>
-              <a:rPr lang="en-US" altLang="zh-CN" dirty="0" smtClean="0"/>
-              <a:t>0.17M are </a:t>
-            </a:r>
-            <a:r>
-              <a:rPr lang="en-US" altLang="zh-CN" dirty="0" smtClean="0">
-                <a:solidFill>
-                  <a:srgbClr val="FF0000"/>
-                </a:solidFill>
-              </a:rPr>
-              <a:t>tri-grams</a:t>
-            </a:r>
-            <a:r>
-              <a:rPr lang="en-US" altLang="zh-CN" dirty="0" smtClean="0"/>
-              <a:t> or more.</a:t>
-            </a:r>
-          </a:p>
-          <a:p>
-            <a:r>
-              <a:rPr lang="en-US" altLang="zh-CN" dirty="0"/>
-              <a:t>Each concept is </a:t>
-            </a:r>
-            <a:r>
-              <a:rPr lang="en-US" altLang="zh-CN" dirty="0" smtClean="0"/>
-              <a:t>associated with an average of 4.3 assertions.</a:t>
-            </a:r>
-          </a:p>
-          <a:p>
-            <a:r>
-              <a:rPr lang="en-US" altLang="zh-CN" dirty="0"/>
-              <a:t>More than </a:t>
-            </a:r>
-            <a:r>
-              <a:rPr lang="en-US" altLang="zh-CN" dirty="0">
-                <a:solidFill>
-                  <a:srgbClr val="FF0000"/>
-                </a:solidFill>
-              </a:rPr>
-              <a:t>half</a:t>
-            </a:r>
-            <a:r>
-              <a:rPr lang="en-US" altLang="zh-CN" dirty="0"/>
-              <a:t> </a:t>
-            </a:r>
-            <a:r>
-              <a:rPr lang="en-US" altLang="zh-CN" dirty="0" smtClean="0"/>
-              <a:t>of the </a:t>
-            </a:r>
-            <a:r>
-              <a:rPr lang="en-US" altLang="zh-CN" dirty="0"/>
-              <a:t>concepts are associated with only </a:t>
-            </a:r>
-            <a:r>
-              <a:rPr lang="en-US" altLang="zh-CN" dirty="0">
-                <a:solidFill>
-                  <a:srgbClr val="FF0000"/>
-                </a:solidFill>
-              </a:rPr>
-              <a:t>one</a:t>
-            </a:r>
-            <a:r>
-              <a:rPr lang="en-US" altLang="zh-CN" dirty="0"/>
-              <a:t> assertion</a:t>
-            </a:r>
-            <a:r>
-              <a:rPr lang="en-US" altLang="zh-CN" dirty="0" smtClean="0"/>
-              <a:t>.</a:t>
-            </a:r>
-          </a:p>
-          <a:p>
-            <a:r>
-              <a:rPr lang="en-US" altLang="zh-CN" dirty="0" smtClean="0"/>
-              <a:t>An average of </a:t>
-            </a:r>
-            <a:r>
-              <a:rPr lang="en-US" altLang="zh-CN" dirty="0" smtClean="0">
-                <a:solidFill>
-                  <a:srgbClr val="FF0000"/>
-                </a:solidFill>
-              </a:rPr>
-              <a:t>2.8 concepts </a:t>
-            </a:r>
-            <a:r>
-              <a:rPr lang="en-US" altLang="zh-CN" dirty="0" smtClean="0"/>
-              <a:t>can be found in ConceptNet for each message in our Twitter Dialogue Dataset, yielding an average of </a:t>
-            </a:r>
-            <a:r>
-              <a:rPr lang="en-US" altLang="zh-CN" dirty="0" smtClean="0">
-                <a:solidFill>
-                  <a:srgbClr val="FF0000"/>
-                </a:solidFill>
-              </a:rPr>
-              <a:t>150 commonsense assertions </a:t>
-            </a:r>
-            <a:r>
-              <a:rPr lang="en-US" altLang="zh-CN" dirty="0" smtClean="0"/>
-              <a:t>(the size of Ax).</a:t>
-            </a:r>
-          </a:p>
-          <a:p>
-            <a:endParaRPr lang="zh-CN" altLang="en-US" dirty="0"/>
-          </a:p>
-        </p:txBody>
-      </p:sp>
-    </p:spTree>
-    <p:extLst>
-      <p:ext uri="{BB962C8B-B14F-4D97-AF65-F5344CB8AC3E}">
-        <p14:creationId xmlns:p14="http://schemas.microsoft.com/office/powerpoint/2010/main" val="2050127023"/>
-      </p:ext>
-    </p:extLst>
-  </p:cSld>
-  <p:clrMapOvr>
-    <a:masterClrMapping/>
-  </p:clrMapOvr>
-</p:sld>
-</file>
-
-<file path=ppt/slides/slide22.xml><?xml version="1.0" encoding="utf-8"?>
-<p:sld xmlns:a="http://schemas.openxmlformats.org/drawingml/2006/main" xmlns:r="http://schemas.openxmlformats.org/officeDocument/2006/relationships" xmlns:p="http://schemas.openxmlformats.org/presentationml/2006/main">
-  <p:cSld>
-    <p:spTree>
-      <p:nvGrpSpPr>
-        <p:cNvPr id="1" name=""/>
-        <p:cNvGrpSpPr/>
-        <p:nvPr/>
-      </p:nvGrpSpPr>
-      <p:grpSpPr>
-        <a:xfrm>
-          <a:off x="0" y="0"/>
-          <a:ext cx="0" cy="0"/>
-          <a:chOff x="0" y="0"/>
-          <a:chExt cx="0" cy="0"/>
-        </a:xfrm>
-      </p:grpSpPr>
-      <p:sp>
-        <p:nvSpPr>
-          <p:cNvPr id="2" name="标题 1"/>
-          <p:cNvSpPr>
-            <a:spLocks noGrp="1"/>
-          </p:cNvSpPr>
-          <p:nvPr>
-            <p:ph type="title"/>
-          </p:nvPr>
-        </p:nvSpPr>
-        <p:spPr/>
-        <p:txBody>
-          <a:bodyPr/>
-          <a:lstStyle/>
-          <a:p>
-            <a:r>
-              <a:rPr lang="en-US" altLang="zh-CN" dirty="0" smtClean="0"/>
-              <a:t>Experiments: ConceptNet</a:t>
-            </a:r>
-            <a:endParaRPr lang="zh-CN" altLang="en-US" dirty="0"/>
-          </a:p>
-        </p:txBody>
-      </p:sp>
-      <p:sp>
-        <p:nvSpPr>
-          <p:cNvPr id="3" name="内容占位符 2"/>
-          <p:cNvSpPr>
-            <a:spLocks noGrp="1"/>
-          </p:cNvSpPr>
-          <p:nvPr>
-            <p:ph idx="1"/>
-          </p:nvPr>
-        </p:nvSpPr>
-        <p:spPr/>
-        <p:txBody>
-          <a:bodyPr/>
-          <a:lstStyle/>
-          <a:p>
-            <a:r>
-              <a:rPr lang="en-US" altLang="zh-CN" dirty="0" smtClean="0"/>
-              <a:t>It is worth noting that ConceptNet is also </a:t>
-            </a:r>
-            <a:r>
-              <a:rPr lang="en-US" altLang="zh-CN" dirty="0" smtClean="0">
-                <a:solidFill>
-                  <a:srgbClr val="FF0000"/>
-                </a:solidFill>
-              </a:rPr>
-              <a:t>noisy</a:t>
-            </a:r>
-            <a:r>
-              <a:rPr lang="en-US" altLang="zh-CN" dirty="0" smtClean="0"/>
-              <a:t> due to uncertainties in the constructing process, where 15.5% of all assertions are considered “</a:t>
-            </a:r>
-            <a:r>
-              <a:rPr lang="en-US" altLang="zh-CN" dirty="0" smtClean="0">
-                <a:solidFill>
-                  <a:srgbClr val="FF0000"/>
-                </a:solidFill>
-              </a:rPr>
-              <a:t>false</a:t>
-            </a:r>
-            <a:r>
-              <a:rPr lang="en-US" altLang="zh-CN" dirty="0" smtClean="0"/>
-              <a:t>” or “</a:t>
-            </a:r>
-            <a:r>
-              <a:rPr lang="en-US" altLang="zh-CN" dirty="0" smtClean="0">
-                <a:solidFill>
-                  <a:srgbClr val="FF0000"/>
-                </a:solidFill>
-              </a:rPr>
-              <a:t>vague</a:t>
-            </a:r>
-            <a:r>
-              <a:rPr lang="en-US" altLang="zh-CN" dirty="0" smtClean="0"/>
-              <a:t>” by human evaluators (Speer and </a:t>
-            </a:r>
-            <a:r>
-              <a:rPr lang="en-US" altLang="zh-CN" dirty="0" err="1" smtClean="0"/>
-              <a:t>Havasi</a:t>
-            </a:r>
-            <a:r>
-              <a:rPr lang="en-US" altLang="zh-CN" dirty="0" smtClean="0"/>
-              <a:t> 2012).</a:t>
-            </a:r>
-          </a:p>
-          <a:p>
-            <a:r>
-              <a:rPr lang="en-US" altLang="zh-CN" dirty="0" smtClean="0"/>
-              <a:t>Our </a:t>
-            </a:r>
-            <a:r>
-              <a:rPr lang="en-US" altLang="zh-CN" dirty="0" smtClean="0">
-                <a:solidFill>
-                  <a:srgbClr val="FF0000"/>
-                </a:solidFill>
-              </a:rPr>
-              <a:t>max-pooling strategy </a:t>
-            </a:r>
-            <a:r>
-              <a:rPr lang="en-US" altLang="zh-CN" dirty="0" smtClean="0"/>
-              <a:t>used in Tri-LSTM encoder and supervised word embeddings is partly designed to alleviate this weakness.</a:t>
-            </a:r>
-            <a:endParaRPr lang="zh-CN" altLang="en-US" dirty="0"/>
-          </a:p>
-        </p:txBody>
-      </p:sp>
-    </p:spTree>
-    <p:extLst>
-      <p:ext uri="{BB962C8B-B14F-4D97-AF65-F5344CB8AC3E}">
-        <p14:creationId xmlns:p14="http://schemas.microsoft.com/office/powerpoint/2010/main" val="3856505673"/>
-      </p:ext>
-    </p:extLst>
-  </p:cSld>
-  <p:clrMapOvr>
-    <a:masterClrMapping/>
-  </p:clrMapOvr>
-</p:sld>
-</file>
-
-<file path=ppt/slides/slide23.xml><?xml version="1.0" encoding="utf-8"?>
-<p:sld xmlns:a="http://schemas.openxmlformats.org/drawingml/2006/main" xmlns:r="http://schemas.openxmlformats.org/officeDocument/2006/relationships" xmlns:p="http://schemas.openxmlformats.org/presentationml/2006/main">
-  <p:cSld>
-    <p:spTree>
-      <p:nvGrpSpPr>
-        <p:cNvPr id="1" name=""/>
-        <p:cNvGrpSpPr/>
-        <p:nvPr/>
-      </p:nvGrpSpPr>
-      <p:grpSpPr>
-        <a:xfrm>
-          <a:off x="0" y="0"/>
-          <a:ext cx="0" cy="0"/>
-          <a:chOff x="0" y="0"/>
-          <a:chExt cx="0" cy="0"/>
-        </a:xfrm>
-      </p:grpSpPr>
-      <p:sp>
-        <p:nvSpPr>
-          <p:cNvPr id="2" name="标题 1"/>
-          <p:cNvSpPr>
-            <a:spLocks noGrp="1"/>
-          </p:cNvSpPr>
-          <p:nvPr>
-            <p:ph type="title"/>
-          </p:nvPr>
-        </p:nvSpPr>
-        <p:spPr/>
-        <p:txBody>
-          <a:bodyPr/>
-          <a:lstStyle/>
-          <a:p>
-            <a:r>
-              <a:rPr lang="en-US" altLang="zh-CN" dirty="0" smtClean="0"/>
-              <a:t>Experiments: Parameter </a:t>
-            </a:r>
-            <a:r>
-              <a:rPr lang="en-US" altLang="zh-CN" dirty="0"/>
-              <a:t>Settings</a:t>
-            </a:r>
-            <a:endParaRPr lang="zh-CN" altLang="en-US" dirty="0"/>
-          </a:p>
-        </p:txBody>
-      </p:sp>
-      <p:sp>
-        <p:nvSpPr>
-          <p:cNvPr id="3" name="内容占位符 2"/>
-          <p:cNvSpPr>
-            <a:spLocks noGrp="1"/>
-          </p:cNvSpPr>
-          <p:nvPr>
-            <p:ph idx="1"/>
-          </p:nvPr>
-        </p:nvSpPr>
-        <p:spPr/>
-        <p:txBody>
-          <a:bodyPr/>
-          <a:lstStyle/>
-          <a:p>
-            <a:r>
-              <a:rPr lang="en-US" altLang="zh-CN" dirty="0" smtClean="0"/>
-              <a:t>In all our models excluding term frequency–inverse document frequency (TF-IDF) (Ramos and others 2003), we initialize word embeddings with pretrained GloVe embedding vectors (Pennington, Socher, and Manning 2014). The size of </a:t>
-            </a:r>
-            <a:r>
-              <a:rPr lang="en-US" altLang="zh-CN" dirty="0" smtClean="0">
-                <a:solidFill>
-                  <a:srgbClr val="FF0000"/>
-                </a:solidFill>
-              </a:rPr>
-              <a:t>hidden units </a:t>
-            </a:r>
-            <a:r>
-              <a:rPr lang="en-US" altLang="zh-CN" dirty="0" smtClean="0"/>
-              <a:t>in LSTM models is set to </a:t>
-            </a:r>
-            <a:r>
-              <a:rPr lang="en-US" altLang="zh-CN" dirty="0" smtClean="0">
-                <a:solidFill>
-                  <a:srgbClr val="FF0000"/>
-                </a:solidFill>
-              </a:rPr>
-              <a:t>256</a:t>
-            </a:r>
-            <a:r>
-              <a:rPr lang="en-US" altLang="zh-CN" dirty="0" smtClean="0"/>
-              <a:t> and the </a:t>
-            </a:r>
-            <a:r>
-              <a:rPr lang="en-US" altLang="zh-CN" dirty="0" smtClean="0">
-                <a:solidFill>
-                  <a:srgbClr val="FF0000"/>
-                </a:solidFill>
-              </a:rPr>
-              <a:t>word embedding dimension is 100. </a:t>
-            </a:r>
-            <a:r>
-              <a:rPr lang="en-US" altLang="zh-CN" dirty="0" smtClean="0"/>
-              <a:t>We use stochastic gradient descent (</a:t>
-            </a:r>
-            <a:r>
-              <a:rPr lang="en-US" altLang="zh-CN" dirty="0" smtClean="0">
-                <a:solidFill>
-                  <a:srgbClr val="FF0000"/>
-                </a:solidFill>
-              </a:rPr>
-              <a:t>SGD</a:t>
-            </a:r>
-            <a:r>
-              <a:rPr lang="en-US" altLang="zh-CN" dirty="0" smtClean="0"/>
-              <a:t>) for optimizing with </a:t>
-            </a:r>
-            <a:r>
-              <a:rPr lang="en-US" altLang="zh-CN" dirty="0" smtClean="0">
-                <a:solidFill>
-                  <a:srgbClr val="FF0000"/>
-                </a:solidFill>
-              </a:rPr>
-              <a:t>batch size of 64</a:t>
-            </a:r>
-            <a:r>
-              <a:rPr lang="en-US" altLang="zh-CN" dirty="0" smtClean="0"/>
-              <a:t>. We fixed training rate at </a:t>
-            </a:r>
-            <a:r>
-              <a:rPr lang="en-US" altLang="zh-CN" dirty="0" smtClean="0">
-                <a:solidFill>
-                  <a:srgbClr val="FF0000"/>
-                </a:solidFill>
-              </a:rPr>
-              <a:t>0.001</a:t>
-            </a:r>
-            <a:r>
-              <a:rPr lang="en-US" altLang="zh-CN" dirty="0" smtClean="0"/>
-              <a:t>.</a:t>
-            </a:r>
-            <a:endParaRPr lang="zh-CN" altLang="en-US" dirty="0"/>
-          </a:p>
-        </p:txBody>
-      </p:sp>
-    </p:spTree>
-    <p:extLst>
-      <p:ext uri="{BB962C8B-B14F-4D97-AF65-F5344CB8AC3E}">
-        <p14:creationId xmlns:p14="http://schemas.microsoft.com/office/powerpoint/2010/main" val="714445632"/>
-      </p:ext>
-    </p:extLst>
-  </p:cSld>
-  <p:clrMapOvr>
-    <a:masterClrMapping/>
-  </p:clrMapOvr>
-</p:sld>
-</file>
-
-<file path=ppt/slides/slide24.xml><?xml version="1.0" encoding="utf-8"?>
-<p:sld xmlns:a="http://schemas.openxmlformats.org/drawingml/2006/main" xmlns:r="http://schemas.openxmlformats.org/officeDocument/2006/relationships" xmlns:p="http://schemas.openxmlformats.org/presentationml/2006/main">
-  <p:cSld>
-    <p:spTree>
-      <p:nvGrpSpPr>
-        <p:cNvPr id="1" name=""/>
-        <p:cNvGrpSpPr/>
-        <p:nvPr/>
-      </p:nvGrpSpPr>
-      <p:grpSpPr>
-        <a:xfrm>
-          <a:off x="0" y="0"/>
-          <a:ext cx="0" cy="0"/>
-          <a:chOff x="0" y="0"/>
-          <a:chExt cx="0" cy="0"/>
-        </a:xfrm>
-      </p:grpSpPr>
-      <p:sp>
-        <p:nvSpPr>
-          <p:cNvPr id="2" name="标题 1"/>
-          <p:cNvSpPr>
-            <a:spLocks noGrp="1"/>
-          </p:cNvSpPr>
-          <p:nvPr>
-            <p:ph type="title"/>
-          </p:nvPr>
-        </p:nvSpPr>
-        <p:spPr/>
-        <p:txBody>
-          <a:bodyPr/>
-          <a:lstStyle/>
-          <a:p>
-            <a:r>
-              <a:rPr lang="en-US" altLang="zh-CN" dirty="0"/>
-              <a:t>Results and Analysis</a:t>
-            </a:r>
-            <a:endParaRPr lang="zh-CN" altLang="en-US" dirty="0"/>
-          </a:p>
-        </p:txBody>
-      </p:sp>
-      <p:pic>
-        <p:nvPicPr>
-          <p:cNvPr id="5" name="内容占位符 4"/>
-          <p:cNvPicPr>
-            <a:picLocks noGrp="1" noChangeAspect="1"/>
-          </p:cNvPicPr>
-          <p:nvPr>
-            <p:ph idx="1"/>
-          </p:nvPr>
-        </p:nvPicPr>
-        <p:blipFill>
-          <a:blip r:embed="rId2"/>
-          <a:stretch>
-            <a:fillRect/>
-          </a:stretch>
-        </p:blipFill>
-        <p:spPr>
-          <a:xfrm>
-            <a:off x="838200" y="4453729"/>
-            <a:ext cx="10515600" cy="2247109"/>
-          </a:xfrm>
-          <a:prstGeom prst="rect">
-            <a:avLst/>
-          </a:prstGeom>
-        </p:spPr>
-      </p:pic>
-      <p:sp>
-        <p:nvSpPr>
-          <p:cNvPr id="6" name="内容占位符 2"/>
-          <p:cNvSpPr txBox="1">
-            <a:spLocks/>
-          </p:cNvSpPr>
-          <p:nvPr/>
-        </p:nvSpPr>
-        <p:spPr>
-          <a:xfrm>
-            <a:off x="838200" y="1825625"/>
-            <a:ext cx="10515600" cy="2755900"/>
-          </a:xfrm>
-          <a:prstGeom prst="rect">
-            <a:avLst/>
-          </a:prstGeom>
-        </p:spPr>
-        <p:txBody>
-          <a:bodyPr vert="horz" lIns="91440" tIns="45720" rIns="91440" bIns="45720" rtlCol="0">
-            <a:normAutofit/>
-          </a:bodyPr>
-          <a:lstStyle>
-            <a:lvl1pPr marL="228600" indent="-228600" algn="l" defTabSz="914400" rtl="0" eaLnBrk="1" latinLnBrk="0" hangingPunct="1">
-              <a:lnSpc>
-                <a:spcPct val="90000"/>
-              </a:lnSpc>
-              <a:spcBef>
-                <a:spcPts val="1000"/>
-              </a:spcBef>
-              <a:buFont typeface="Arial" panose="020B0604020202020204" pitchFamily="34" charset="0"/>
-              <a:buChar char="•"/>
-              <a:defRPr sz="2800" kern="1200">
-                <a:solidFill>
-                  <a:schemeClr val="tx1"/>
-                </a:solidFill>
-                <a:latin typeface="+mn-lt"/>
-                <a:ea typeface="+mn-ea"/>
-                <a:cs typeface="+mn-cs"/>
-              </a:defRPr>
-            </a:lvl1pPr>
-            <a:lvl2pPr marL="685800" indent="-228600" algn="l" defTabSz="914400" rtl="0" eaLnBrk="1" latinLnBrk="0" hangingPunct="1">
-              <a:lnSpc>
-                <a:spcPct val="90000"/>
-              </a:lnSpc>
-              <a:spcBef>
-                <a:spcPts val="500"/>
-              </a:spcBef>
-              <a:buFont typeface="Arial" panose="020B0604020202020204" pitchFamily="34" charset="0"/>
-              <a:buChar char="•"/>
-              <a:defRPr sz="2400" kern="1200">
-                <a:solidFill>
-                  <a:schemeClr val="tx1"/>
-                </a:solidFill>
-                <a:latin typeface="+mn-lt"/>
-                <a:ea typeface="+mn-ea"/>
-                <a:cs typeface="+mn-cs"/>
-              </a:defRPr>
-            </a:lvl2pPr>
-            <a:lvl3pPr marL="1143000" indent="-228600" algn="l" defTabSz="914400" rtl="0" eaLnBrk="1" latinLnBrk="0" hangingPunct="1">
-              <a:lnSpc>
-                <a:spcPct val="90000"/>
-              </a:lnSpc>
-              <a:spcBef>
-                <a:spcPts val="500"/>
-              </a:spcBef>
-              <a:buFont typeface="Arial" panose="020B0604020202020204" pitchFamily="34" charset="0"/>
-              <a:buChar char="•"/>
-              <a:defRPr sz="2000" kern="1200">
-                <a:solidFill>
-                  <a:schemeClr val="tx1"/>
-                </a:solidFill>
-                <a:latin typeface="+mn-lt"/>
-                <a:ea typeface="+mn-ea"/>
-                <a:cs typeface="+mn-cs"/>
-              </a:defRPr>
-            </a:lvl3pPr>
-            <a:lvl4pPr marL="1600200" indent="-228600" algn="l" defTabSz="914400" rtl="0" eaLnBrk="1" latinLnBrk="0" hangingPunct="1">
-              <a:lnSpc>
-                <a:spcPct val="90000"/>
-              </a:lnSpc>
-              <a:spcBef>
-                <a:spcPts val="500"/>
-              </a:spcBef>
-              <a:buFont typeface="Arial" panose="020B0604020202020204" pitchFamily="34" charset="0"/>
-              <a:buChar char="•"/>
-              <a:defRPr sz="1800" kern="1200">
-                <a:solidFill>
-                  <a:schemeClr val="tx1"/>
-                </a:solidFill>
-                <a:latin typeface="+mn-lt"/>
-                <a:ea typeface="+mn-ea"/>
-                <a:cs typeface="+mn-cs"/>
-              </a:defRPr>
-            </a:lvl4pPr>
-            <a:lvl5pPr marL="2057400" indent="-228600" algn="l" defTabSz="914400" rtl="0" eaLnBrk="1" latinLnBrk="0" hangingPunct="1">
-              <a:lnSpc>
-                <a:spcPct val="90000"/>
-              </a:lnSpc>
-              <a:spcBef>
-                <a:spcPts val="500"/>
-              </a:spcBef>
-              <a:buFont typeface="Arial" panose="020B0604020202020204" pitchFamily="34" charset="0"/>
-              <a:buChar char="•"/>
-              <a:defRPr sz="1800" kern="1200">
-                <a:solidFill>
-                  <a:schemeClr val="tx1"/>
-                </a:solidFill>
-                <a:latin typeface="+mn-lt"/>
-                <a:ea typeface="+mn-ea"/>
-                <a:cs typeface="+mn-cs"/>
-              </a:defRPr>
-            </a:lvl5pPr>
-            <a:lvl6pPr marL="2514600" indent="-228600" algn="l" defTabSz="914400" rtl="0" eaLnBrk="1" latinLnBrk="0" hangingPunct="1">
-              <a:lnSpc>
-                <a:spcPct val="90000"/>
-              </a:lnSpc>
-              <a:spcBef>
-                <a:spcPts val="500"/>
-              </a:spcBef>
-              <a:buFont typeface="Arial" panose="020B0604020202020204" pitchFamily="34" charset="0"/>
-              <a:buChar char="•"/>
-              <a:defRPr sz="1800" kern="1200">
-                <a:solidFill>
-                  <a:schemeClr val="tx1"/>
-                </a:solidFill>
-                <a:latin typeface="+mn-lt"/>
-                <a:ea typeface="+mn-ea"/>
-                <a:cs typeface="+mn-cs"/>
-              </a:defRPr>
-            </a:lvl6pPr>
-            <a:lvl7pPr marL="2971800" indent="-228600" algn="l" defTabSz="914400" rtl="0" eaLnBrk="1" latinLnBrk="0" hangingPunct="1">
-              <a:lnSpc>
-                <a:spcPct val="90000"/>
-              </a:lnSpc>
-              <a:spcBef>
-                <a:spcPts val="500"/>
-              </a:spcBef>
-              <a:buFont typeface="Arial" panose="020B0604020202020204" pitchFamily="34" charset="0"/>
-              <a:buChar char="•"/>
-              <a:defRPr sz="1800" kern="1200">
-                <a:solidFill>
-                  <a:schemeClr val="tx1"/>
-                </a:solidFill>
-                <a:latin typeface="+mn-lt"/>
-                <a:ea typeface="+mn-ea"/>
-                <a:cs typeface="+mn-cs"/>
-              </a:defRPr>
-            </a:lvl7pPr>
-            <a:lvl8pPr marL="3429000" indent="-228600" algn="l" defTabSz="914400" rtl="0" eaLnBrk="1" latinLnBrk="0" hangingPunct="1">
-              <a:lnSpc>
-                <a:spcPct val="90000"/>
-              </a:lnSpc>
-              <a:spcBef>
-                <a:spcPts val="500"/>
-              </a:spcBef>
-              <a:buFont typeface="Arial" panose="020B0604020202020204" pitchFamily="34" charset="0"/>
-              <a:buChar char="•"/>
-              <a:defRPr sz="1800" kern="1200">
-                <a:solidFill>
-                  <a:schemeClr val="tx1"/>
-                </a:solidFill>
-                <a:latin typeface="+mn-lt"/>
-                <a:ea typeface="+mn-ea"/>
-                <a:cs typeface="+mn-cs"/>
-              </a:defRPr>
-            </a:lvl8pPr>
-            <a:lvl9pPr marL="3886200" indent="-228600" algn="l" defTabSz="914400" rtl="0" eaLnBrk="1" latinLnBrk="0" hangingPunct="1">
-              <a:lnSpc>
-                <a:spcPct val="90000"/>
-              </a:lnSpc>
-              <a:spcBef>
-                <a:spcPts val="500"/>
-              </a:spcBef>
-              <a:buFont typeface="Arial" panose="020B0604020202020204" pitchFamily="34" charset="0"/>
-              <a:buChar char="•"/>
-              <a:defRPr sz="1800" kern="1200">
-                <a:solidFill>
-                  <a:schemeClr val="tx1"/>
-                </a:solidFill>
-                <a:latin typeface="+mn-lt"/>
-                <a:ea typeface="+mn-ea"/>
-                <a:cs typeface="+mn-cs"/>
-              </a:defRPr>
-            </a:lvl9pPr>
-          </a:lstStyle>
-          <a:p>
-            <a:r>
-              <a:rPr lang="en-US" altLang="zh-CN" dirty="0" smtClean="0"/>
-              <a:t> </a:t>
-            </a:r>
-            <a:r>
-              <a:rPr lang="en-US" altLang="zh-CN" dirty="0"/>
-              <a:t>LSTMs perform </a:t>
-            </a:r>
-            <a:r>
-              <a:rPr lang="en-US" altLang="zh-CN" dirty="0" smtClean="0"/>
-              <a:t>better than other methods.</a:t>
-            </a:r>
-          </a:p>
-          <a:p>
-            <a:r>
-              <a:rPr lang="en-US" altLang="zh-CN" dirty="0" smtClean="0"/>
-              <a:t>Tri-LSTM &gt; Dual-LSTM</a:t>
-            </a:r>
-          </a:p>
-          <a:p>
-            <a:r>
-              <a:rPr lang="en-US" altLang="zh-CN" dirty="0" smtClean="0"/>
-              <a:t>Max-pooling over all commonsense assertions depending on response y is a better method for utilizing commonsense knowledge than attention over memory in our setting, as demonstrated by the gain of performance of word embeddings over memory networks.</a:t>
-            </a:r>
-            <a:endParaRPr lang="zh-CN" altLang="en-US" dirty="0"/>
-          </a:p>
-        </p:txBody>
-      </p:sp>
-    </p:spTree>
-    <p:extLst>
-      <p:ext uri="{BB962C8B-B14F-4D97-AF65-F5344CB8AC3E}">
-        <p14:creationId xmlns:p14="http://schemas.microsoft.com/office/powerpoint/2010/main" val="4012598353"/>
-      </p:ext>
-    </p:extLst>
-  </p:cSld>
-  <p:clrMapOvr>
-    <a:masterClrMapping/>
-  </p:clrMapOvr>
-</p:sld>
-</file>
-
 <file path=ppt/slides/slide25.xml><?xml version="1.0" encoding="utf-8"?>
 <p:sld xmlns:a="http://schemas.openxmlformats.org/drawingml/2006/main" xmlns:r="http://schemas.openxmlformats.org/officeDocument/2006/relationships" xmlns:p="http://schemas.openxmlformats.org/presentationml/2006/main">
   <p:cSld>
@@ -8653,7 +8032,19 @@
           <a:bodyPr/>
           <a:lstStyle/>
           <a:p>
-            <a:endParaRPr lang="zh-CN" altLang="en-US"/>
+            <a:r>
+              <a:rPr lang="en-US" altLang="zh-CN" dirty="0"/>
+              <a:t>Model </a:t>
+            </a:r>
+            <a:r>
+              <a:rPr lang="en-US" altLang="zh-CN" dirty="0" smtClean="0"/>
+              <a:t>Description: </a:t>
+            </a:r>
+            <a:r>
+              <a:rPr lang="en-US" altLang="zh-CN" dirty="0"/>
+              <a:t>Comparison Approaches</a:t>
+            </a:r>
+            <a:endParaRPr lang="zh-CN" altLang="en-US" dirty="0"/>
           </a:p>
         </p:txBody>
       </p:sp>
@@ -8672,38 +8063,28 @@
           <a:bodyPr/>
           <a:lstStyle/>
           <a:p>
-            <a:endParaRPr lang="zh-CN" altLang="en-US"/>
-          </a:p>
-        </p:txBody>
-      </p:sp>
-      <p:pic>
-        <p:nvPicPr>
-          <p:cNvPr id="4" name="图片 3"/>
-          <p:cNvPicPr>
-            <a:picLocks noChangeAspect="1"/>
-          </p:cNvPicPr>
-          <p:nvPr/>
-        </p:nvPicPr>
-        <p:blipFill>
-          <a:blip r:embed="rId3"/>
-          <a:stretch>
-            <a:fillRect/>
-          </a:stretch>
-        </p:blipFill>
-        <p:spPr>
-          <a:xfrm>
-            <a:off x="110582" y="0"/>
-            <a:ext cx="12081418" cy="6292056"/>
-          </a:xfrm>
-          <a:prstGeom prst="rect">
-            <a:avLst/>
-          </a:prstGeom>
-        </p:spPr>
-      </p:pic>
+            <a:r>
+              <a:rPr lang="en-US" altLang="zh-CN" dirty="0"/>
+              <a:t>Supervised Word </a:t>
+            </a:r>
+            <a:r>
+              <a:rPr lang="en-US" altLang="zh-CN" dirty="0" smtClean="0"/>
+              <a:t>Embeddings</a:t>
+            </a:r>
+          </a:p>
+          <a:p>
+            <a:r>
+              <a:rPr lang="en-US" altLang="zh-CN" dirty="0"/>
+              <a:t>Memory Networks</a:t>
+            </a:r>
+            <a:endParaRPr lang="zh-CN" altLang="en-US" dirty="0"/>
+          </a:p>
+        </p:txBody>
+      </p:sp>
     </p:spTree>
     <p:extLst>
       <p:ext uri="{BB962C8B-B14F-4D97-AF65-F5344CB8AC3E}">
-        <p14:creationId xmlns:p14="http://schemas.microsoft.com/office/powerpoint/2010/main" val="491890622"/>
+        <p14:creationId xmlns:p14="http://schemas.microsoft.com/office/powerpoint/2010/main" val="819893414"/>
       </p:ext>
     </p:extLst>
   </p:cSld>
@@ -8714,6 +8095,296 @@
 </file>
 
 <file path=ppt/slides/slide26.xml><?xml version="1.0" encoding="utf-8"?>
+<p:sld xmlns:a="http://schemas.openxmlformats.org/drawingml/2006/main" xmlns:r="http://schemas.openxmlformats.org/officeDocument/2006/relationships" xmlns:p="http://schemas.openxmlformats.org/presentationml/2006/main">
+  <p:cSld>
+    <p:spTree>
+      <p:nvGrpSpPr>
+        <p:cNvPr id="1" name=""/>
+        <p:cNvGrpSpPr/>
+        <p:nvPr/>
+      </p:nvGrpSpPr>
+      <p:grpSpPr>
+        <a:xfrm>
+          <a:off x="0" y="0"/>
+          <a:ext cx="0" cy="0"/>
+          <a:chOff x="0" y="0"/>
+          <a:chExt cx="0" cy="0"/>
+        </a:xfrm>
+      </p:grpSpPr>
+      <p:sp>
+        <p:nvSpPr>
+          <p:cNvPr id="2" name="标题 1"/>
+          <p:cNvSpPr>
+            <a:spLocks noGrp="1"/>
+          </p:cNvSpPr>
+          <p:nvPr>
+            <p:ph type="title"/>
+          </p:nvPr>
+        </p:nvSpPr>
+        <p:spPr/>
+        <p:txBody>
+          <a:bodyPr/>
+          <a:lstStyle/>
+          <a:p>
+            <a:r>
+              <a:rPr lang="en-US" altLang="zh-CN" dirty="0" smtClean="0"/>
+              <a:t>Experiments: ConceptNet</a:t>
+            </a:r>
+            <a:endParaRPr lang="zh-CN" altLang="en-US" dirty="0"/>
+          </a:p>
+        </p:txBody>
+      </p:sp>
+      <p:sp>
+        <p:nvSpPr>
+          <p:cNvPr id="3" name="内容占位符 2"/>
+          <p:cNvSpPr>
+            <a:spLocks noGrp="1"/>
+          </p:cNvSpPr>
+          <p:nvPr>
+            <p:ph idx="1"/>
+          </p:nvPr>
+        </p:nvSpPr>
+        <p:spPr/>
+        <p:txBody>
+          <a:bodyPr/>
+          <a:lstStyle/>
+          <a:p>
+            <a:r>
+              <a:rPr lang="en-US" altLang="zh-CN" dirty="0" smtClean="0"/>
+              <a:t>It is worth noting that ConceptNet is also </a:t>
+            </a:r>
+            <a:r>
+              <a:rPr lang="en-US" altLang="zh-CN" dirty="0" smtClean="0">
+                <a:solidFill>
+                  <a:srgbClr val="FF0000"/>
+                </a:solidFill>
+              </a:rPr>
+              <a:t>noisy</a:t>
+            </a:r>
+            <a:r>
+              <a:rPr lang="en-US" altLang="zh-CN" dirty="0" smtClean="0"/>
+              <a:t> due to uncertainties in the constructing process, where 15.5% of all assertions are considered “</a:t>
+            </a:r>
+            <a:r>
+              <a:rPr lang="en-US" altLang="zh-CN" dirty="0" smtClean="0">
+                <a:solidFill>
+                  <a:srgbClr val="FF0000"/>
+                </a:solidFill>
+              </a:rPr>
+              <a:t>false</a:t>
+            </a:r>
+            <a:r>
+              <a:rPr lang="en-US" altLang="zh-CN" dirty="0" smtClean="0"/>
+              <a:t>” or “</a:t>
+            </a:r>
+            <a:r>
+              <a:rPr lang="en-US" altLang="zh-CN" dirty="0" smtClean="0">
+                <a:solidFill>
+                  <a:srgbClr val="FF0000"/>
+                </a:solidFill>
+              </a:rPr>
+              <a:t>vague</a:t>
+            </a:r>
+            <a:r>
+              <a:rPr lang="en-US" altLang="zh-CN" dirty="0" smtClean="0"/>
+              <a:t>” by human evaluators (Speer and </a:t>
+            </a:r>
+            <a:r>
+              <a:rPr lang="en-US" altLang="zh-CN" dirty="0" err="1" smtClean="0"/>
+              <a:t>Havasi</a:t>
+            </a:r>
+            <a:r>
+              <a:rPr lang="en-US" altLang="zh-CN" dirty="0" smtClean="0"/>
+              <a:t> 2012).</a:t>
+            </a:r>
+          </a:p>
+          <a:p>
+            <a:r>
+              <a:rPr lang="en-US" altLang="zh-CN" dirty="0" smtClean="0"/>
+              <a:t>Our </a:t>
+            </a:r>
+            <a:r>
+              <a:rPr lang="en-US" altLang="zh-CN" dirty="0" smtClean="0">
+                <a:solidFill>
+                  <a:srgbClr val="FF0000"/>
+                </a:solidFill>
+              </a:rPr>
+              <a:t>max-pooling strategy </a:t>
+            </a:r>
+            <a:r>
+              <a:rPr lang="en-US" altLang="zh-CN" dirty="0" smtClean="0"/>
+              <a:t>used in Tri-LSTM encoder and supervised word embeddings is partly designed to alleviate this weakness.</a:t>
+            </a:r>
+            <a:endParaRPr lang="zh-CN" altLang="en-US" dirty="0"/>
+          </a:p>
+        </p:txBody>
+      </p:sp>
+    </p:spTree>
+    <p:extLst>
+      <p:ext uri="{BB962C8B-B14F-4D97-AF65-F5344CB8AC3E}">
+        <p14:creationId xmlns:p14="http://schemas.microsoft.com/office/powerpoint/2010/main" val="3856505673"/>
+      </p:ext>
+    </p:extLst>
+  </p:cSld>
+  <p:clrMapOvr>
+    <a:masterClrMapping/>
+  </p:clrMapOvr>
+</p:sld>
+</file>
+
+<file path=ppt/slides/slide27.xml><?xml version="1.0" encoding="utf-8"?>
+<p:sld xmlns:a="http://schemas.openxmlformats.org/drawingml/2006/main" xmlns:r="http://schemas.openxmlformats.org/officeDocument/2006/relationships" xmlns:p="http://schemas.openxmlformats.org/presentationml/2006/main">
+  <p:cSld>
+    <p:spTree>
+      <p:nvGrpSpPr>
+        <p:cNvPr id="1" name=""/>
+        <p:cNvGrpSpPr/>
+        <p:nvPr/>
+      </p:nvGrpSpPr>
+      <p:grpSpPr>
+        <a:xfrm>
+          <a:off x="0" y="0"/>
+          <a:ext cx="0" cy="0"/>
+          <a:chOff x="0" y="0"/>
+          <a:chExt cx="0" cy="0"/>
+        </a:xfrm>
+      </p:grpSpPr>
+      <p:sp>
+        <p:nvSpPr>
+          <p:cNvPr id="2" name="标题 1"/>
+          <p:cNvSpPr>
+            <a:spLocks noGrp="1"/>
+          </p:cNvSpPr>
+          <p:nvPr>
+            <p:ph type="title"/>
+          </p:nvPr>
+        </p:nvSpPr>
+        <p:spPr/>
+        <p:txBody>
+          <a:bodyPr/>
+          <a:lstStyle/>
+          <a:p>
+            <a:r>
+              <a:rPr lang="en-US" altLang="zh-CN" dirty="0" smtClean="0"/>
+              <a:t>Experiments: Parameter </a:t>
+            </a:r>
+            <a:r>
+              <a:rPr lang="en-US" altLang="zh-CN" dirty="0"/>
+              <a:t>Settings</a:t>
+            </a:r>
+            <a:endParaRPr lang="zh-CN" altLang="en-US" dirty="0"/>
+          </a:p>
+        </p:txBody>
+      </p:sp>
+      <p:sp>
+        <p:nvSpPr>
+          <p:cNvPr id="3" name="内容占位符 2"/>
+          <p:cNvSpPr>
+            <a:spLocks noGrp="1"/>
+          </p:cNvSpPr>
+          <p:nvPr>
+            <p:ph idx="1"/>
+          </p:nvPr>
+        </p:nvSpPr>
+        <p:spPr/>
+        <p:txBody>
+          <a:bodyPr/>
+          <a:lstStyle/>
+          <a:p>
+            <a:r>
+              <a:rPr lang="en-US" altLang="zh-CN" dirty="0" smtClean="0"/>
+              <a:t>In all our models excluding term frequency–inverse document frequency (TF-IDF) (Ramos and others 2003), we initialize word embeddings with pretrained GloVe embedding vectors (Pennington, Socher, and Manning 2014). The size of </a:t>
+            </a:r>
+            <a:r>
+              <a:rPr lang="en-US" altLang="zh-CN" dirty="0" smtClean="0">
+                <a:solidFill>
+                  <a:srgbClr val="FF0000"/>
+                </a:solidFill>
+              </a:rPr>
+              <a:t>hidden units </a:t>
+            </a:r>
+            <a:r>
+              <a:rPr lang="en-US" altLang="zh-CN" dirty="0" smtClean="0"/>
+              <a:t>in LSTM models is set to </a:t>
+            </a:r>
+            <a:r>
+              <a:rPr lang="en-US" altLang="zh-CN" dirty="0" smtClean="0">
+                <a:solidFill>
+                  <a:srgbClr val="FF0000"/>
+                </a:solidFill>
+              </a:rPr>
+              <a:t>256</a:t>
+            </a:r>
+            <a:r>
+              <a:rPr lang="en-US" altLang="zh-CN" dirty="0" smtClean="0"/>
+              <a:t> and the </a:t>
+            </a:r>
+            <a:r>
+              <a:rPr lang="en-US" altLang="zh-CN" dirty="0" smtClean="0">
+                <a:solidFill>
+                  <a:srgbClr val="FF0000"/>
+                </a:solidFill>
+              </a:rPr>
+              <a:t>word embedding dimension is 100. </a:t>
+            </a:r>
+            <a:r>
+              <a:rPr lang="en-US" altLang="zh-CN" dirty="0" smtClean="0"/>
+              <a:t>We use stochastic gradient descent (</a:t>
+            </a:r>
+            <a:r>
+              <a:rPr lang="en-US" altLang="zh-CN" dirty="0" smtClean="0">
+                <a:solidFill>
+                  <a:srgbClr val="FF0000"/>
+                </a:solidFill>
+              </a:rPr>
+              <a:t>SGD</a:t>
+            </a:r>
+            <a:r>
+              <a:rPr lang="en-US" altLang="zh-CN" dirty="0" smtClean="0"/>
+              <a:t>) for optimizing with </a:t>
+            </a:r>
+            <a:r>
+              <a:rPr lang="en-US" altLang="zh-CN" dirty="0" smtClean="0">
+                <a:solidFill>
+                  <a:srgbClr val="FF0000"/>
+                </a:solidFill>
+              </a:rPr>
+              <a:t>batch size of 64</a:t>
+            </a:r>
+            <a:r>
+              <a:rPr lang="en-US" altLang="zh-CN" dirty="0" smtClean="0"/>
+              <a:t>. We fixed training rate at </a:t>
+            </a:r>
+            <a:r>
+              <a:rPr lang="en-US" altLang="zh-CN" dirty="0" smtClean="0">
+                <a:solidFill>
+                  <a:srgbClr val="FF0000"/>
+                </a:solidFill>
+              </a:rPr>
+              <a:t>0.001</a:t>
+            </a:r>
+            <a:r>
+              <a:rPr lang="en-US" altLang="zh-CN" dirty="0" smtClean="0"/>
+              <a:t>.</a:t>
+            </a:r>
+            <a:endParaRPr lang="zh-CN" altLang="en-US" dirty="0"/>
+          </a:p>
+        </p:txBody>
+      </p:sp>
+    </p:spTree>
+    <p:extLst>
+      <p:ext uri="{BB962C8B-B14F-4D97-AF65-F5344CB8AC3E}">
+        <p14:creationId xmlns:p14="http://schemas.microsoft.com/office/powerpoint/2010/main" val="714445632"/>
+      </p:ext>
+    </p:extLst>
+  </p:cSld>
+  <p:clrMapOvr>
+    <a:masterClrMapping/>
+  </p:clrMapOvr>
+</p:sld>
+</file>
+
+<file path=ppt/slides/slide28.xml><?xml version="1.0" encoding="utf-8"?>
 <p:sld xmlns:a="http://schemas.openxmlformats.org/drawingml/2006/main" xmlns:r="http://schemas.openxmlformats.org/officeDocument/2006/relationships" xmlns:p="http://schemas.openxmlformats.org/presentationml/2006/main">
   <p:cSld>
     <p:spTree>
@@ -8823,109 +8494,38 @@
           <a:p>
             <a:r>
               <a:rPr lang="en-US" altLang="zh-CN" dirty="0" smtClean="0"/>
-              <a:t>Abstract &amp; Introduction</a:t>
+              <a:t>Related Work: Commonsense Knowledge </a:t>
             </a:r>
             <a:endParaRPr lang="zh-CN" altLang="en-US" dirty="0"/>
           </a:p>
         </p:txBody>
       </p:sp>
-      <p:pic>
-        <p:nvPicPr>
-          <p:cNvPr id="4" name="内容占位符 3"/>
-          <p:cNvPicPr>
-            <a:picLocks noGrp="1" noChangeAspect="1"/>
-          </p:cNvPicPr>
+      <p:sp>
+        <p:nvSpPr>
+          <p:cNvPr id="3" name="内容占位符 2"/>
+          <p:cNvSpPr>
+            <a:spLocks noGrp="1"/>
+          </p:cNvSpPr>
           <p:nvPr>
             <p:ph idx="1"/>
           </p:nvPr>
-        </p:nvPicPr>
-        <p:blipFill>
-          <a:blip r:embed="rId2"/>
-          <a:stretch>
-            <a:fillRect/>
-          </a:stretch>
-        </p:blipFill>
-        <p:spPr>
-          <a:xfrm>
-            <a:off x="153508" y="1857376"/>
-            <a:ext cx="11884983" cy="3838574"/>
-          </a:xfrm>
-          <a:prstGeom prst="rect">
-            <a:avLst/>
-          </a:prstGeom>
-        </p:spPr>
-      </p:pic>
-    </p:spTree>
-    <p:extLst>
-      <p:ext uri="{BB962C8B-B14F-4D97-AF65-F5344CB8AC3E}">
-        <p14:creationId xmlns:p14="http://schemas.microsoft.com/office/powerpoint/2010/main" val="900013508"/>
-      </p:ext>
-    </p:extLst>
-  </p:cSld>
-  <p:clrMapOvr>
-    <a:masterClrMapping/>
-  </p:clrMapOvr>
-</p:sld>
-</file>
-
-<file path=ppt/slides/slide4.xml><?xml version="1.0" encoding="utf-8"?>
-<p:sld xmlns:a="http://schemas.openxmlformats.org/drawingml/2006/main" xmlns:r="http://schemas.openxmlformats.org/officeDocument/2006/relationships" xmlns:p="http://schemas.openxmlformats.org/presentationml/2006/main">
-  <p:cSld>
-    <p:spTree>
-      <p:nvGrpSpPr>
-        <p:cNvPr id="1" name=""/>
-        <p:cNvGrpSpPr/>
-        <p:nvPr/>
-      </p:nvGrpSpPr>
-      <p:grpSpPr>
-        <a:xfrm>
-          <a:off x="0" y="0"/>
-          <a:ext cx="0" cy="0"/>
-          <a:chOff x="0" y="0"/>
-          <a:chExt cx="0" cy="0"/>
-        </a:xfrm>
-      </p:grpSpPr>
-      <p:sp>
-        <p:nvSpPr>
-          <p:cNvPr id="2" name="标题 1"/>
-          <p:cNvSpPr>
-            <a:spLocks noGrp="1"/>
-          </p:cNvSpPr>
-          <p:nvPr>
-            <p:ph type="title"/>
-          </p:nvPr>
-        </p:nvSpPr>
-        <p:spPr/>
-        <p:txBody>
-          <a:bodyPr/>
-          <a:lstStyle/>
-          <a:p>
-            <a:r>
-              <a:rPr lang="en-US" altLang="zh-CN" dirty="0" smtClean="0"/>
-              <a:t>Abstract &amp; Introduction</a:t>
-            </a:r>
-            <a:endParaRPr lang="zh-CN" altLang="en-US" dirty="0"/>
-          </a:p>
-        </p:txBody>
-      </p:sp>
-      <p:sp>
-        <p:nvSpPr>
-          <p:cNvPr id="3" name="内容占位符 2"/>
-          <p:cNvSpPr>
-            <a:spLocks noGrp="1"/>
-          </p:cNvSpPr>
-          <p:nvPr>
-            <p:ph idx="1"/>
-          </p:nvPr>
-        </p:nvSpPr>
-        <p:spPr/>
-        <p:txBody>
-          <a:bodyPr/>
-          <a:lstStyle/>
-          <a:p>
-            <a:r>
-              <a:rPr lang="en-US" altLang="zh-CN" dirty="0" smtClean="0"/>
-              <a:t>In the context of artificial intelligence (AI), commonsense knowledge is the set of </a:t>
+        </p:nvSpPr>
+        <p:spPr/>
+        <p:txBody>
+          <a:bodyPr/>
+          <a:lstStyle/>
+          <a:p>
+            <a:r>
+              <a:rPr lang="en-US" altLang="zh-CN" dirty="0" smtClean="0"/>
+              <a:t>Commonsense </a:t>
+            </a:r>
+            <a:r>
+              <a:rPr lang="en-US" altLang="zh-CN" dirty="0"/>
+              <a:t>K</a:t>
+            </a:r>
+            <a:r>
+              <a:rPr lang="en-US" altLang="zh-CN" dirty="0" smtClean="0"/>
+              <a:t>nowledge Base: </a:t>
             </a:r>
             <a:r>
               <a:rPr lang="en-US" altLang="zh-CN" dirty="0" smtClean="0">
@@ -8933,285 +8533,29 @@
                   <a:srgbClr val="FF0000"/>
                 </a:solidFill>
               </a:rPr>
-              <a:t>background</a:t>
+              <a:t>ConceptNet</a:t>
             </a:r>
             <a:r>
               <a:rPr lang="en-US" altLang="zh-CN" dirty="0" smtClean="0"/>
               <a:t> </a:t>
             </a:r>
             <a:r>
-              <a:rPr lang="en-US" altLang="zh-CN" dirty="0" smtClean="0">
-                <a:solidFill>
-                  <a:srgbClr val="FF0000"/>
-                </a:solidFill>
-              </a:rPr>
-              <a:t>information</a:t>
-            </a:r>
-            <a:r>
-              <a:rPr lang="en-US" altLang="zh-CN" dirty="0" smtClean="0"/>
-              <a:t> that an individual is intended to </a:t>
-            </a:r>
-            <a:r>
-              <a:rPr lang="en-US" altLang="zh-CN" dirty="0" smtClean="0">
-                <a:solidFill>
-                  <a:srgbClr val="FF0000"/>
-                </a:solidFill>
-              </a:rPr>
-              <a:t>know or assume </a:t>
-            </a:r>
-            <a:r>
-              <a:rPr lang="en-US" altLang="zh-CN" dirty="0" smtClean="0"/>
-              <a:t>and the ability to </a:t>
-            </a:r>
-            <a:r>
-              <a:rPr lang="en-US" altLang="zh-CN" dirty="0" smtClean="0">
-                <a:solidFill>
-                  <a:srgbClr val="FF0000"/>
-                </a:solidFill>
-              </a:rPr>
-              <a:t>use</a:t>
-            </a:r>
-            <a:r>
-              <a:rPr lang="en-US" altLang="zh-CN" dirty="0" smtClean="0"/>
-              <a:t> it when appropriate (Minsky 1986; Cambria et al. 2009; Cambria and Hussain 2015).</a:t>
-            </a:r>
-          </a:p>
-          <a:p>
-            <a:r>
-              <a:rPr lang="en-US" altLang="zh-CN" dirty="0" smtClean="0"/>
-              <a:t>Due to the </a:t>
-            </a:r>
-            <a:r>
-              <a:rPr lang="en-US" altLang="zh-CN" dirty="0" smtClean="0">
-                <a:solidFill>
-                  <a:srgbClr val="FF0000"/>
-                </a:solidFill>
-              </a:rPr>
-              <a:t>vastness</a:t>
-            </a:r>
-            <a:r>
-              <a:rPr lang="en-US" altLang="zh-CN" dirty="0" smtClean="0"/>
-              <a:t> of such kind of knowledge, we speculate that this goal is better suited by employing an </a:t>
-            </a:r>
-            <a:r>
-              <a:rPr lang="en-US" altLang="zh-CN" dirty="0" smtClean="0">
-                <a:solidFill>
-                  <a:srgbClr val="FF0000"/>
-                </a:solidFill>
-              </a:rPr>
-              <a:t>external memory module</a:t>
-            </a:r>
-            <a:r>
-              <a:rPr lang="en-US" altLang="zh-CN" dirty="0" smtClean="0"/>
-              <a:t> containing commonsense knowledge rather than forcing the system to encode it in </a:t>
-            </a:r>
-            <a:r>
-              <a:rPr lang="en-US" altLang="zh-CN" dirty="0" smtClean="0">
-                <a:solidFill>
-                  <a:srgbClr val="FF0000"/>
-                </a:solidFill>
-              </a:rPr>
-              <a:t>model parameters</a:t>
-            </a:r>
-            <a:r>
-              <a:rPr lang="en-US" altLang="zh-CN" dirty="0" smtClean="0"/>
-              <a:t> as in traditional methods.</a:t>
-            </a:r>
-            <a:endParaRPr lang="zh-CN" altLang="en-US" dirty="0"/>
-          </a:p>
-        </p:txBody>
-      </p:sp>
-    </p:spTree>
-    <p:extLst>
-      <p:ext uri="{BB962C8B-B14F-4D97-AF65-F5344CB8AC3E}">
-        <p14:creationId xmlns:p14="http://schemas.microsoft.com/office/powerpoint/2010/main" val="827273784"/>
-      </p:ext>
-    </p:extLst>
-  </p:cSld>
-  <p:clrMapOvr>
-    <a:masterClrMapping/>
-  </p:clrMapOvr>
-</p:sld>
-</file>
-
-<file path=ppt/slides/slide5.xml><?xml version="1.0" encoding="utf-8"?>
-<p:sld xmlns:a="http://schemas.openxmlformats.org/drawingml/2006/main" xmlns:r="http://schemas.openxmlformats.org/officeDocument/2006/relationships" xmlns:p="http://schemas.openxmlformats.org/presentationml/2006/main">
-  <p:cSld>
-    <p:spTree>
-      <p:nvGrpSpPr>
-        <p:cNvPr id="1" name=""/>
-        <p:cNvGrpSpPr/>
-        <p:nvPr/>
-      </p:nvGrpSpPr>
-      <p:grpSpPr>
-        <a:xfrm>
-          <a:off x="0" y="0"/>
-          <a:ext cx="0" cy="0"/>
-          <a:chOff x="0" y="0"/>
-          <a:chExt cx="0" cy="0"/>
-        </a:xfrm>
-      </p:grpSpPr>
-      <p:sp>
-        <p:nvSpPr>
-          <p:cNvPr id="2" name="标题 1"/>
-          <p:cNvSpPr>
-            <a:spLocks noGrp="1"/>
-          </p:cNvSpPr>
-          <p:nvPr>
-            <p:ph type="title"/>
-          </p:nvPr>
-        </p:nvSpPr>
-        <p:spPr/>
-        <p:txBody>
-          <a:bodyPr/>
-          <a:lstStyle/>
-          <a:p>
-            <a:r>
-              <a:rPr lang="en-US" altLang="zh-CN" dirty="0" smtClean="0"/>
-              <a:t>Related Work: </a:t>
-            </a:r>
-            <a:r>
-              <a:rPr lang="en-US" altLang="zh-CN" dirty="0"/>
-              <a:t>Conversational Models</a:t>
-            </a:r>
-            <a:endParaRPr lang="zh-CN" altLang="en-US" dirty="0"/>
-          </a:p>
-        </p:txBody>
-      </p:sp>
-      <p:sp>
-        <p:nvSpPr>
-          <p:cNvPr id="3" name="内容占位符 2"/>
-          <p:cNvSpPr>
-            <a:spLocks noGrp="1"/>
-          </p:cNvSpPr>
-          <p:nvPr>
-            <p:ph idx="1"/>
-          </p:nvPr>
-        </p:nvSpPr>
-        <p:spPr/>
-        <p:txBody>
-          <a:bodyPr/>
-          <a:lstStyle/>
-          <a:p>
-            <a:r>
-              <a:rPr lang="en-US" altLang="zh-CN" dirty="0"/>
-              <a:t>Data-driven conversational </a:t>
-            </a:r>
-            <a:r>
-              <a:rPr lang="en-US" altLang="zh-CN" dirty="0" smtClean="0"/>
-              <a:t>models</a:t>
-            </a:r>
-          </a:p>
-          <a:p>
-            <a:pPr lvl="1"/>
-            <a:r>
-              <a:rPr lang="en-US" altLang="zh-CN" dirty="0" smtClean="0"/>
-              <a:t>retrieval-based </a:t>
-            </a:r>
-            <a:r>
-              <a:rPr lang="en-US" altLang="zh-CN" dirty="0"/>
-              <a:t>methods</a:t>
-            </a:r>
-            <a:endParaRPr lang="en-US" altLang="zh-CN" dirty="0" smtClean="0"/>
-          </a:p>
-          <a:p>
-            <a:pPr lvl="1"/>
-            <a:r>
-              <a:rPr lang="en-US" altLang="zh-CN" dirty="0" smtClean="0"/>
-              <a:t>generation-based methods</a:t>
-            </a:r>
-          </a:p>
-          <a:p>
-            <a:pPr lvl="1"/>
-            <a:endParaRPr lang="zh-CN" altLang="en-US" dirty="0"/>
-          </a:p>
-        </p:txBody>
-      </p:sp>
-    </p:spTree>
-    <p:extLst>
-      <p:ext uri="{BB962C8B-B14F-4D97-AF65-F5344CB8AC3E}">
-        <p14:creationId xmlns:p14="http://schemas.microsoft.com/office/powerpoint/2010/main" val="1122432907"/>
-      </p:ext>
-    </p:extLst>
-  </p:cSld>
-  <p:clrMapOvr>
-    <a:masterClrMapping/>
-  </p:clrMapOvr>
-</p:sld>
-</file>
-
-<file path=ppt/slides/slide6.xml><?xml version="1.0" encoding="utf-8"?>
-<p:sld xmlns:a="http://schemas.openxmlformats.org/drawingml/2006/main" xmlns:r="http://schemas.openxmlformats.org/officeDocument/2006/relationships" xmlns:p="http://schemas.openxmlformats.org/presentationml/2006/main">
-  <p:cSld>
-    <p:spTree>
-      <p:nvGrpSpPr>
-        <p:cNvPr id="1" name=""/>
-        <p:cNvGrpSpPr/>
-        <p:nvPr/>
-      </p:nvGrpSpPr>
-      <p:grpSpPr>
-        <a:xfrm>
-          <a:off x="0" y="0"/>
-          <a:ext cx="0" cy="0"/>
-          <a:chOff x="0" y="0"/>
-          <a:chExt cx="0" cy="0"/>
-        </a:xfrm>
-      </p:grpSpPr>
-      <p:sp>
-        <p:nvSpPr>
-          <p:cNvPr id="2" name="标题 1"/>
-          <p:cNvSpPr>
-            <a:spLocks noGrp="1"/>
-          </p:cNvSpPr>
-          <p:nvPr>
-            <p:ph type="title"/>
-          </p:nvPr>
-        </p:nvSpPr>
-        <p:spPr/>
-        <p:txBody>
-          <a:bodyPr/>
-          <a:lstStyle/>
-          <a:p>
-            <a:r>
-              <a:rPr lang="en-US" altLang="zh-CN" dirty="0" smtClean="0"/>
-              <a:t>Related Work: Commonsense Knowledge </a:t>
-            </a:r>
-            <a:endParaRPr lang="zh-CN" altLang="en-US" dirty="0"/>
-          </a:p>
-        </p:txBody>
-      </p:sp>
-      <p:sp>
-        <p:nvSpPr>
-          <p:cNvPr id="3" name="内容占位符 2"/>
-          <p:cNvSpPr>
-            <a:spLocks noGrp="1"/>
-          </p:cNvSpPr>
-          <p:nvPr>
-            <p:ph idx="1"/>
-          </p:nvPr>
-        </p:nvSpPr>
-        <p:spPr/>
-        <p:txBody>
-          <a:bodyPr/>
-          <a:lstStyle/>
-          <a:p>
-            <a:r>
-              <a:rPr lang="en-US" altLang="zh-CN" dirty="0" smtClean="0"/>
-              <a:t>Commonsense </a:t>
-            </a:r>
-            <a:r>
-              <a:rPr lang="en-US" altLang="zh-CN" dirty="0"/>
-              <a:t>K</a:t>
-            </a:r>
-            <a:r>
-              <a:rPr lang="en-US" altLang="zh-CN" dirty="0" smtClean="0"/>
-              <a:t>nowledge Base: ConceptNet </a:t>
-            </a:r>
-            <a:r>
-              <a:rPr lang="en-US" altLang="zh-CN" dirty="0"/>
-              <a:t>and SenticNet</a:t>
-            </a:r>
-            <a:endParaRPr lang="en-US" altLang="zh-CN" dirty="0" smtClean="0"/>
+              <a:rPr lang="en-US" altLang="zh-CN" dirty="0"/>
+              <a:t>and </a:t>
+            </a:r>
+            <a:r>
+              <a:rPr lang="en-US" altLang="zh-CN" dirty="0">
+                <a:solidFill>
+                  <a:srgbClr val="FF0000"/>
+                </a:solidFill>
+              </a:rPr>
+              <a:t>SenticNet</a:t>
+            </a:r>
+            <a:endParaRPr lang="en-US" altLang="zh-CN" dirty="0" smtClean="0">
+              <a:solidFill>
+                <a:srgbClr val="FF0000"/>
+              </a:solidFill>
+            </a:endParaRPr>
           </a:p>
           <a:p>
             <a:r>
@@ -9359,7 +8703,7 @@
 </p:sld>
 </file>
 
-<file path=ppt/slides/slide7.xml><?xml version="1.0" encoding="utf-8"?>
+<file path=ppt/slides/slide4.xml><?xml version="1.0" encoding="utf-8"?>
 <p:sld xmlns:a="http://schemas.openxmlformats.org/drawingml/2006/main" xmlns:r="http://schemas.openxmlformats.org/officeDocument/2006/relationships" xmlns:p="http://schemas.openxmlformats.org/presentationml/2006/main">
   <p:cSld>
     <p:spTree>
@@ -9442,7 +8786,7 @@
 </p:sld>
 </file>
 
-<file path=ppt/slides/slide8.xml><?xml version="1.0" encoding="utf-8"?>
+<file path=ppt/slides/slide5.xml><?xml version="1.0" encoding="utf-8"?>
 <p:sld xmlns:a="http://schemas.openxmlformats.org/drawingml/2006/main" xmlns:r="http://schemas.openxmlformats.org/officeDocument/2006/relationships" xmlns:p="http://schemas.openxmlformats.org/presentationml/2006/main">
   <p:cSld>
     <p:spTree>
@@ -9590,7 +8934,7 @@
 </p:sld>
 </file>
 
-<file path=ppt/slides/slide9.xml><?xml version="1.0" encoding="utf-8"?>
+<file path=ppt/slides/slide6.xml><?xml version="1.0" encoding="utf-8"?>
 <p:sld xmlns:a="http://schemas.openxmlformats.org/drawingml/2006/main" xmlns:r="http://schemas.openxmlformats.org/officeDocument/2006/relationships" xmlns:p="http://schemas.openxmlformats.org/presentationml/2006/main">
   <p:cSld>
     <p:spTree>
@@ -9881,6 +9225,817 @@
     <p:extLst>
       <p:ext uri="{BB962C8B-B14F-4D97-AF65-F5344CB8AC3E}">
         <p14:creationId xmlns:p14="http://schemas.microsoft.com/office/powerpoint/2010/main" val="829344124"/>
+      </p:ext>
+    </p:extLst>
+  </p:cSld>
+  <p:clrMapOvr>
+    <a:masterClrMapping/>
+  </p:clrMapOvr>
+</p:sld>
+</file>
+
+<file path=ppt/slides/slide7.xml><?xml version="1.0" encoding="utf-8"?>
+<p:sld xmlns:a="http://schemas.openxmlformats.org/drawingml/2006/main" xmlns:r="http://schemas.openxmlformats.org/officeDocument/2006/relationships" xmlns:p="http://schemas.openxmlformats.org/presentationml/2006/main">
+  <p:cSld>
+    <p:spTree>
+      <p:nvGrpSpPr>
+        <p:cNvPr id="1" name=""/>
+        <p:cNvGrpSpPr/>
+        <p:nvPr/>
+      </p:nvGrpSpPr>
+      <p:grpSpPr>
+        <a:xfrm>
+          <a:off x="0" y="0"/>
+          <a:ext cx="0" cy="0"/>
+          <a:chOff x="0" y="0"/>
+          <a:chExt cx="0" cy="0"/>
+        </a:xfrm>
+      </p:grpSpPr>
+      <p:sp>
+        <p:nvSpPr>
+          <p:cNvPr id="2" name="标题 1"/>
+          <p:cNvSpPr>
+            <a:spLocks noGrp="1"/>
+          </p:cNvSpPr>
+          <p:nvPr>
+            <p:ph type="title"/>
+          </p:nvPr>
+        </p:nvSpPr>
+        <p:spPr/>
+        <p:txBody>
+          <a:bodyPr>
+            <a:normAutofit/>
+          </a:bodyPr>
+          <a:lstStyle/>
+          <a:p>
+            <a:r>
+              <a:rPr lang="en-US" altLang="zh-CN" sz="3200" dirty="0" smtClean="0"/>
+              <a:t>Model Description: Commonsense Knowledge </a:t>
+            </a:r>
+            <a:r>
+              <a:rPr lang="en-US" altLang="zh-CN" sz="3200" dirty="0"/>
+              <a:t>Retrieval</a:t>
+            </a:r>
+            <a:endParaRPr lang="zh-CN" altLang="en-US" sz="3200" dirty="0"/>
+          </a:p>
+        </p:txBody>
+      </p:sp>
+      <p:sp>
+        <p:nvSpPr>
+          <p:cNvPr id="3" name="内容占位符 2"/>
+          <p:cNvSpPr>
+            <a:spLocks noGrp="1"/>
+          </p:cNvSpPr>
+          <p:nvPr>
+            <p:ph idx="1"/>
+          </p:nvPr>
+        </p:nvSpPr>
+        <p:spPr/>
+        <p:txBody>
+          <a:bodyPr>
+            <a:normAutofit fontScale="92500" lnSpcReduction="10000"/>
+          </a:bodyPr>
+          <a:lstStyle/>
+          <a:p>
+            <a:r>
+              <a:rPr lang="en-US" altLang="zh-CN" dirty="0" smtClean="0"/>
+              <a:t>We </a:t>
+            </a:r>
+            <a:r>
+              <a:rPr lang="en-US" altLang="zh-CN" dirty="0"/>
+              <a:t>assume that a commonsense </a:t>
+            </a:r>
+            <a:r>
+              <a:rPr lang="en-US" altLang="zh-CN" dirty="0" smtClean="0"/>
+              <a:t>knowledge base </a:t>
+            </a:r>
+            <a:r>
+              <a:rPr lang="en-US" altLang="zh-CN" dirty="0"/>
+              <a:t>is composed of </a:t>
+            </a:r>
+            <a:r>
+              <a:rPr lang="en-US" altLang="zh-CN" dirty="0" smtClean="0">
+                <a:solidFill>
+                  <a:srgbClr val="FF0000"/>
+                </a:solidFill>
+              </a:rPr>
+              <a:t>assertions </a:t>
+            </a:r>
+            <a:r>
+              <a:rPr lang="en-US" altLang="zh-CN" i="1" dirty="0">
+                <a:solidFill>
+                  <a:srgbClr val="FF0000"/>
+                </a:solidFill>
+              </a:rPr>
+              <a:t>A </a:t>
+            </a:r>
+            <a:r>
+              <a:rPr lang="en-US" altLang="zh-CN" dirty="0"/>
+              <a:t>about </a:t>
+            </a:r>
+            <a:r>
+              <a:rPr lang="en-US" altLang="zh-CN" dirty="0">
+                <a:solidFill>
+                  <a:srgbClr val="FF0000"/>
+                </a:solidFill>
+              </a:rPr>
+              <a:t>concepts </a:t>
+            </a:r>
+            <a:r>
+              <a:rPr lang="en-US" altLang="zh-CN" i="1" dirty="0">
+                <a:solidFill>
+                  <a:srgbClr val="FF0000"/>
+                </a:solidFill>
+              </a:rPr>
+              <a:t>C</a:t>
+            </a:r>
+            <a:r>
+              <a:rPr lang="en-US" altLang="zh-CN" dirty="0" smtClean="0"/>
+              <a:t>.</a:t>
+            </a:r>
+          </a:p>
+          <a:p>
+            <a:r>
+              <a:rPr lang="en-US" altLang="zh-CN" dirty="0" smtClean="0"/>
+              <a:t>Each assertion </a:t>
+            </a:r>
+            <a:r>
+              <a:rPr lang="en-US" altLang="zh-CN" i="1" dirty="0" smtClean="0"/>
+              <a:t>a ∈ A </a:t>
+            </a:r>
+            <a:r>
+              <a:rPr lang="en-US" altLang="zh-CN" dirty="0" smtClean="0"/>
+              <a:t>takes the form of a </a:t>
+            </a:r>
+            <a:r>
+              <a:rPr lang="en-US" altLang="zh-CN" dirty="0" smtClean="0">
+                <a:solidFill>
+                  <a:srgbClr val="FF0000"/>
+                </a:solidFill>
+              </a:rPr>
+              <a:t>triple </a:t>
+            </a:r>
+            <a:r>
+              <a:rPr lang="en-US" altLang="zh-CN" i="1" dirty="0" smtClean="0">
+                <a:solidFill>
+                  <a:srgbClr val="FF0000"/>
+                </a:solidFill>
+              </a:rPr>
+              <a:t>&lt;c</a:t>
+            </a:r>
+            <a:r>
+              <a:rPr lang="en-US" altLang="zh-CN" dirty="0" smtClean="0">
+                <a:solidFill>
+                  <a:srgbClr val="FF0000"/>
+                </a:solidFill>
+              </a:rPr>
+              <a:t>1</a:t>
+            </a:r>
+            <a:r>
+              <a:rPr lang="en-US" altLang="zh-CN" i="1" dirty="0" smtClean="0">
+                <a:solidFill>
+                  <a:srgbClr val="FF0000"/>
+                </a:solidFill>
+              </a:rPr>
+              <a:t>, r, c</a:t>
+            </a:r>
+            <a:r>
+              <a:rPr lang="en-US" altLang="zh-CN" dirty="0" smtClean="0">
+                <a:solidFill>
+                  <a:srgbClr val="FF0000"/>
+                </a:solidFill>
+              </a:rPr>
+              <a:t>2</a:t>
+            </a:r>
+            <a:r>
+              <a:rPr lang="en-US" altLang="zh-CN" i="1" dirty="0" smtClean="0">
+                <a:solidFill>
+                  <a:srgbClr val="FF0000"/>
+                </a:solidFill>
+              </a:rPr>
+              <a:t>&gt;, </a:t>
+            </a:r>
+            <a:r>
+              <a:rPr lang="en-US" altLang="zh-CN" dirty="0" smtClean="0"/>
+              <a:t>where </a:t>
+            </a:r>
+            <a:r>
+              <a:rPr lang="en-US" altLang="zh-CN" i="1" dirty="0" smtClean="0">
+                <a:solidFill>
+                  <a:srgbClr val="FF0000"/>
+                </a:solidFill>
+              </a:rPr>
+              <a:t>r </a:t>
+            </a:r>
+            <a:r>
+              <a:rPr lang="en-US" altLang="zh-CN" i="1" dirty="0">
+                <a:solidFill>
+                  <a:srgbClr val="FF0000"/>
+                </a:solidFill>
+              </a:rPr>
+              <a:t>∈ R </a:t>
+            </a:r>
+            <a:r>
+              <a:rPr lang="en-US" altLang="zh-CN" dirty="0"/>
+              <a:t>is a </a:t>
+            </a:r>
+            <a:r>
+              <a:rPr lang="en-US" altLang="zh-CN" i="1" dirty="0">
+                <a:solidFill>
+                  <a:srgbClr val="FF0000"/>
+                </a:solidFill>
+              </a:rPr>
+              <a:t>relation</a:t>
+            </a:r>
+            <a:r>
+              <a:rPr lang="en-US" altLang="zh-CN" i="1" dirty="0"/>
+              <a:t> </a:t>
+            </a:r>
+            <a:r>
+              <a:rPr lang="en-US" altLang="zh-CN" dirty="0"/>
+              <a:t>between </a:t>
+            </a:r>
+            <a:r>
+              <a:rPr lang="en-US" altLang="zh-CN" i="1" dirty="0"/>
+              <a:t>c</a:t>
+            </a:r>
+            <a:r>
+              <a:rPr lang="en-US" altLang="zh-CN" dirty="0"/>
+              <a:t>1 and </a:t>
+            </a:r>
+            <a:r>
+              <a:rPr lang="en-US" altLang="zh-CN" i="1" dirty="0"/>
+              <a:t>c</a:t>
+            </a:r>
+            <a:r>
+              <a:rPr lang="en-US" altLang="zh-CN" dirty="0"/>
+              <a:t>2, such as </a:t>
+            </a:r>
+            <a:r>
+              <a:rPr lang="en-US" altLang="zh-CN" i="1" dirty="0"/>
+              <a:t>IsA</a:t>
+            </a:r>
+            <a:r>
+              <a:rPr lang="en-US" altLang="zh-CN" dirty="0"/>
+              <a:t>, </a:t>
+            </a:r>
+            <a:r>
+              <a:rPr lang="en-US" altLang="zh-CN" i="1" dirty="0" smtClean="0"/>
+              <a:t>CapableOf</a:t>
+            </a:r>
+            <a:r>
+              <a:rPr lang="en-US" altLang="zh-CN" dirty="0" smtClean="0"/>
+              <a:t>, etc</a:t>
+            </a:r>
+            <a:r>
+              <a:rPr lang="en-US" altLang="zh-CN" dirty="0"/>
+              <a:t>. </a:t>
+            </a:r>
+            <a:r>
+              <a:rPr lang="en-US" altLang="zh-CN" i="1" dirty="0"/>
+              <a:t>c</a:t>
+            </a:r>
+            <a:r>
+              <a:rPr lang="en-US" altLang="zh-CN" dirty="0"/>
+              <a:t>1</a:t>
+            </a:r>
+            <a:r>
+              <a:rPr lang="en-US" altLang="zh-CN" i="1" dirty="0"/>
+              <a:t>, c</a:t>
+            </a:r>
+            <a:r>
+              <a:rPr lang="en-US" altLang="zh-CN" dirty="0"/>
+              <a:t>2 are </a:t>
+            </a:r>
+            <a:r>
+              <a:rPr lang="en-US" altLang="zh-CN" dirty="0">
+                <a:solidFill>
+                  <a:srgbClr val="FF0000"/>
+                </a:solidFill>
+              </a:rPr>
+              <a:t>concepts</a:t>
+            </a:r>
+            <a:r>
+              <a:rPr lang="en-US" altLang="zh-CN" dirty="0"/>
+              <a:t> in </a:t>
+            </a:r>
+            <a:r>
+              <a:rPr lang="en-US" altLang="zh-CN" i="1" dirty="0"/>
+              <a:t>C</a:t>
+            </a:r>
+            <a:r>
+              <a:rPr lang="en-US" altLang="zh-CN" dirty="0" smtClean="0"/>
+              <a:t>.</a:t>
+            </a:r>
+          </a:p>
+          <a:p>
+            <a:r>
+              <a:rPr lang="en-US" altLang="zh-CN" dirty="0"/>
+              <a:t>The relation set </a:t>
+            </a:r>
+            <a:r>
+              <a:rPr lang="en-US" altLang="zh-CN" i="1" dirty="0"/>
+              <a:t>R </a:t>
+            </a:r>
+            <a:r>
+              <a:rPr lang="en-US" altLang="zh-CN" dirty="0" smtClean="0"/>
+              <a:t>is typically </a:t>
+            </a:r>
+            <a:r>
+              <a:rPr lang="en-US" altLang="zh-CN" dirty="0"/>
+              <a:t>much smaller than </a:t>
+            </a:r>
+            <a:r>
+              <a:rPr lang="en-US" altLang="zh-CN" i="1" dirty="0" smtClean="0"/>
+              <a:t>C.</a:t>
+            </a:r>
+          </a:p>
+          <a:p>
+            <a:r>
+              <a:rPr lang="en-US" altLang="zh-CN" i="1" dirty="0" smtClean="0"/>
+              <a:t>c </a:t>
+            </a:r>
+            <a:r>
+              <a:rPr lang="en-US" altLang="zh-CN" dirty="0"/>
+              <a:t>can either be a single </a:t>
+            </a:r>
+            <a:r>
+              <a:rPr lang="en-US" altLang="zh-CN" dirty="0" smtClean="0"/>
+              <a:t>word or a multi-word expression.</a:t>
+            </a:r>
+          </a:p>
+          <a:p>
+            <a:r>
+              <a:rPr lang="en-US" altLang="zh-CN" dirty="0"/>
+              <a:t>We build a </a:t>
+            </a:r>
+            <a:r>
+              <a:rPr lang="en-US" altLang="zh-CN" dirty="0" smtClean="0">
+                <a:solidFill>
+                  <a:srgbClr val="FF0000"/>
+                </a:solidFill>
+              </a:rPr>
+              <a:t>dictionary</a:t>
+            </a:r>
+            <a:r>
+              <a:rPr lang="en-US" altLang="zh-CN" dirty="0" smtClean="0"/>
+              <a:t> </a:t>
+            </a:r>
+            <a:r>
+              <a:rPr lang="en-US" altLang="zh-CN" i="1" dirty="0" smtClean="0">
+                <a:solidFill>
+                  <a:srgbClr val="FF0000"/>
+                </a:solidFill>
+              </a:rPr>
+              <a:t>H</a:t>
+            </a:r>
+            <a:r>
+              <a:rPr lang="en-US" altLang="zh-CN" i="1" dirty="0" smtClean="0"/>
+              <a:t> </a:t>
+            </a:r>
+            <a:r>
+              <a:rPr lang="en-US" altLang="zh-CN" dirty="0"/>
+              <a:t>out of </a:t>
+            </a:r>
+            <a:r>
+              <a:rPr lang="en-US" altLang="zh-CN" i="1" dirty="0"/>
+              <a:t>A </a:t>
+            </a:r>
+            <a:r>
+              <a:rPr lang="en-US" altLang="zh-CN" dirty="0"/>
+              <a:t>where every </a:t>
+            </a:r>
+            <a:r>
+              <a:rPr lang="en-US" altLang="zh-CN" dirty="0">
+                <a:solidFill>
+                  <a:srgbClr val="FF0000"/>
+                </a:solidFill>
+              </a:rPr>
+              <a:t>concept</a:t>
+            </a:r>
+            <a:r>
+              <a:rPr lang="en-US" altLang="zh-CN" dirty="0"/>
+              <a:t> </a:t>
+            </a:r>
+            <a:r>
+              <a:rPr lang="en-US" altLang="zh-CN" i="1" dirty="0"/>
+              <a:t>c </a:t>
+            </a:r>
+            <a:r>
+              <a:rPr lang="en-US" altLang="zh-CN" dirty="0"/>
+              <a:t>is a </a:t>
+            </a:r>
+            <a:r>
+              <a:rPr lang="en-US" altLang="zh-CN" dirty="0">
+                <a:solidFill>
+                  <a:srgbClr val="FF0000"/>
+                </a:solidFill>
+              </a:rPr>
+              <a:t>key</a:t>
+            </a:r>
+            <a:r>
+              <a:rPr lang="en-US" altLang="zh-CN" dirty="0"/>
+              <a:t> and a list of </a:t>
+            </a:r>
+            <a:r>
+              <a:rPr lang="en-US" altLang="zh-CN" dirty="0" smtClean="0"/>
+              <a:t>all </a:t>
+            </a:r>
+            <a:r>
+              <a:rPr lang="en-US" altLang="zh-CN" dirty="0" smtClean="0">
+                <a:solidFill>
+                  <a:srgbClr val="FF0000"/>
+                </a:solidFill>
+              </a:rPr>
+              <a:t>assertions</a:t>
+            </a:r>
+            <a:r>
+              <a:rPr lang="en-US" altLang="zh-CN" dirty="0" smtClean="0"/>
+              <a:t> </a:t>
+            </a:r>
+            <a:r>
+              <a:rPr lang="en-US" altLang="zh-CN" dirty="0"/>
+              <a:t>in </a:t>
+            </a:r>
+            <a:r>
+              <a:rPr lang="en-US" altLang="zh-CN" i="1" dirty="0"/>
+              <a:t>A </a:t>
+            </a:r>
+            <a:r>
+              <a:rPr lang="en-US" altLang="zh-CN" dirty="0"/>
+              <a:t>concerning </a:t>
+            </a:r>
+            <a:r>
+              <a:rPr lang="en-US" altLang="zh-CN" i="1" dirty="0"/>
+              <a:t>c</a:t>
+            </a:r>
+            <a:r>
+              <a:rPr lang="en-US" altLang="zh-CN" dirty="0"/>
+              <a:t>, i.e., </a:t>
+            </a:r>
+            <a:r>
+              <a:rPr lang="en-US" altLang="zh-CN" i="1" dirty="0"/>
+              <a:t>c </a:t>
+            </a:r>
+            <a:r>
+              <a:rPr lang="en-US" altLang="zh-CN" dirty="0"/>
+              <a:t>= </a:t>
+            </a:r>
+            <a:r>
+              <a:rPr lang="en-US" altLang="zh-CN" i="1" dirty="0"/>
+              <a:t>c</a:t>
+            </a:r>
+            <a:r>
+              <a:rPr lang="en-US" altLang="zh-CN" dirty="0"/>
+              <a:t>1 or </a:t>
+            </a:r>
+            <a:r>
+              <a:rPr lang="en-US" altLang="zh-CN" i="1" dirty="0"/>
+              <a:t>c </a:t>
+            </a:r>
+            <a:r>
+              <a:rPr lang="en-US" altLang="zh-CN" dirty="0"/>
+              <a:t>= </a:t>
+            </a:r>
+            <a:r>
+              <a:rPr lang="en-US" altLang="zh-CN" i="1" dirty="0"/>
+              <a:t>c</a:t>
+            </a:r>
+            <a:r>
+              <a:rPr lang="en-US" altLang="zh-CN" dirty="0"/>
+              <a:t>2, is </a:t>
+            </a:r>
+            <a:r>
+              <a:rPr lang="en-US" altLang="zh-CN" dirty="0" smtClean="0"/>
+              <a:t>the value.</a:t>
+            </a:r>
+          </a:p>
+          <a:p>
+            <a:r>
+              <a:rPr lang="en-US" altLang="zh-CN" dirty="0"/>
+              <a:t>Our goal is to </a:t>
+            </a:r>
+            <a:r>
+              <a:rPr lang="en-US" altLang="zh-CN" dirty="0">
+                <a:solidFill>
+                  <a:srgbClr val="FF0000"/>
+                </a:solidFill>
+              </a:rPr>
+              <a:t>retrieve</a:t>
+            </a:r>
+            <a:r>
+              <a:rPr lang="en-US" altLang="zh-CN" dirty="0"/>
+              <a:t> commonsense knowledge </a:t>
+            </a:r>
+            <a:r>
+              <a:rPr lang="en-US" altLang="zh-CN" dirty="0" smtClean="0"/>
+              <a:t>about every </a:t>
+            </a:r>
+            <a:r>
+              <a:rPr lang="en-US" altLang="zh-CN" dirty="0"/>
+              <a:t>concept covered in the </a:t>
+            </a:r>
+            <a:r>
+              <a:rPr lang="en-US" altLang="zh-CN" dirty="0">
+                <a:solidFill>
+                  <a:srgbClr val="FF0000"/>
+                </a:solidFill>
+              </a:rPr>
+              <a:t>message</a:t>
+            </a:r>
+            <a:r>
+              <a:rPr lang="en-US" altLang="zh-CN" dirty="0"/>
+              <a:t>.</a:t>
+            </a:r>
+            <a:endParaRPr lang="zh-CN" altLang="en-US" dirty="0">
+              <a:solidFill>
+                <a:srgbClr val="FF0000"/>
+              </a:solidFill>
+            </a:endParaRPr>
+          </a:p>
+        </p:txBody>
+      </p:sp>
+    </p:spTree>
+    <p:extLst>
+      <p:ext uri="{BB962C8B-B14F-4D97-AF65-F5344CB8AC3E}">
+        <p14:creationId xmlns:p14="http://schemas.microsoft.com/office/powerpoint/2010/main" val="2208431070"/>
+      </p:ext>
+    </p:extLst>
+  </p:cSld>
+  <p:clrMapOvr>
+    <a:masterClrMapping/>
+  </p:clrMapOvr>
+</p:sld>
+</file>
+
+<file path=ppt/slides/slide8.xml><?xml version="1.0" encoding="utf-8"?>
+<p:sld xmlns:a="http://schemas.openxmlformats.org/drawingml/2006/main" xmlns:r="http://schemas.openxmlformats.org/officeDocument/2006/relationships" xmlns:p="http://schemas.openxmlformats.org/presentationml/2006/main">
+  <p:cSld>
+    <p:spTree>
+      <p:nvGrpSpPr>
+        <p:cNvPr id="1" name=""/>
+        <p:cNvGrpSpPr/>
+        <p:nvPr/>
+      </p:nvGrpSpPr>
+      <p:grpSpPr>
+        <a:xfrm>
+          <a:off x="0" y="0"/>
+          <a:ext cx="0" cy="0"/>
+          <a:chOff x="0" y="0"/>
+          <a:chExt cx="0" cy="0"/>
+        </a:xfrm>
+      </p:grpSpPr>
+      <p:sp>
+        <p:nvSpPr>
+          <p:cNvPr id="2" name="标题 1"/>
+          <p:cNvSpPr>
+            <a:spLocks noGrp="1"/>
+          </p:cNvSpPr>
+          <p:nvPr>
+            <p:ph type="title"/>
+          </p:nvPr>
+        </p:nvSpPr>
+        <p:spPr/>
+        <p:txBody>
+          <a:bodyPr>
+            <a:normAutofit/>
+          </a:bodyPr>
+          <a:lstStyle/>
+          <a:p>
+            <a:r>
+              <a:rPr lang="en-US" altLang="zh-CN" sz="3200" dirty="0" smtClean="0"/>
+              <a:t>Model Description: Commonsense Knowledge Retrieval</a:t>
+            </a:r>
+            <a:endParaRPr lang="zh-CN" altLang="en-US" sz="3200" dirty="0"/>
+          </a:p>
+        </p:txBody>
+      </p:sp>
+      <p:sp>
+        <p:nvSpPr>
+          <p:cNvPr id="3" name="内容占位符 2"/>
+          <p:cNvSpPr>
+            <a:spLocks noGrp="1"/>
+          </p:cNvSpPr>
+          <p:nvPr>
+            <p:ph idx="1"/>
+          </p:nvPr>
+        </p:nvSpPr>
+        <p:spPr/>
+        <p:txBody>
+          <a:bodyPr/>
+          <a:lstStyle/>
+          <a:p>
+            <a:r>
+              <a:rPr lang="en-US" altLang="zh-CN" dirty="0"/>
+              <a:t>We define </a:t>
+            </a:r>
+            <a:r>
+              <a:rPr lang="en-US" altLang="zh-CN" i="1" dirty="0" smtClean="0">
+                <a:solidFill>
+                  <a:srgbClr val="FF0000"/>
+                </a:solidFill>
+              </a:rPr>
+              <a:t>A</a:t>
+            </a:r>
+            <a:r>
+              <a:rPr lang="en-US" altLang="zh-CN" i="1" baseline="-25000" dirty="0" smtClean="0">
+                <a:solidFill>
+                  <a:srgbClr val="FF0000"/>
+                </a:solidFill>
+              </a:rPr>
+              <a:t>x</a:t>
+            </a:r>
+            <a:r>
+              <a:rPr lang="en-US" altLang="zh-CN" i="1" dirty="0" smtClean="0"/>
+              <a:t> </a:t>
+            </a:r>
+            <a:r>
+              <a:rPr lang="en-US" altLang="zh-CN" dirty="0"/>
+              <a:t>as the set of commonsense </a:t>
+            </a:r>
+            <a:r>
+              <a:rPr lang="en-US" altLang="zh-CN" dirty="0">
+                <a:solidFill>
+                  <a:srgbClr val="FF0000"/>
+                </a:solidFill>
+              </a:rPr>
+              <a:t>assertions</a:t>
+            </a:r>
+            <a:r>
+              <a:rPr lang="en-US" altLang="zh-CN" dirty="0"/>
+              <a:t> </a:t>
+            </a:r>
+            <a:r>
+              <a:rPr lang="en-US" altLang="zh-CN" dirty="0" smtClean="0"/>
+              <a:t>concerned with </a:t>
+            </a:r>
+            <a:r>
+              <a:rPr lang="en-US" altLang="zh-CN" dirty="0">
+                <a:solidFill>
+                  <a:srgbClr val="FF0000"/>
+                </a:solidFill>
+              </a:rPr>
+              <a:t>message </a:t>
+            </a:r>
+            <a:r>
+              <a:rPr lang="en-US" altLang="zh-CN" i="1" dirty="0">
+                <a:solidFill>
+                  <a:srgbClr val="FF0000"/>
+                </a:solidFill>
+              </a:rPr>
+              <a:t>x</a:t>
+            </a:r>
+            <a:r>
+              <a:rPr lang="en-US" altLang="zh-CN" dirty="0" smtClean="0"/>
+              <a:t>.</a:t>
+            </a:r>
+          </a:p>
+          <a:p>
+            <a:r>
+              <a:rPr lang="en-US" altLang="zh-CN" dirty="0" smtClean="0"/>
+              <a:t>To recover concepts in message x, we use simple </a:t>
+            </a:r>
+            <a:r>
+              <a:rPr lang="en-US" altLang="zh-CN" dirty="0" smtClean="0">
+                <a:solidFill>
+                  <a:srgbClr val="FF0000"/>
+                </a:solidFill>
+              </a:rPr>
+              <a:t>n-gram matching </a:t>
+            </a:r>
+            <a:r>
+              <a:rPr lang="en-US" altLang="zh-CN" dirty="0" smtClean="0"/>
+              <a:t>(n ≤ N). Every n-gram in c is considered a </a:t>
+            </a:r>
+            <a:r>
+              <a:rPr lang="en-US" altLang="zh-CN" dirty="0" smtClean="0">
+                <a:solidFill>
+                  <a:srgbClr val="FF0000"/>
+                </a:solidFill>
+              </a:rPr>
+              <a:t>potential concept</a:t>
+            </a:r>
+            <a:r>
+              <a:rPr lang="en-US" altLang="zh-CN" dirty="0" smtClean="0"/>
+              <a:t>. If the n-gram is a </a:t>
+            </a:r>
+            <a:r>
+              <a:rPr lang="en-US" altLang="zh-CN" dirty="0" smtClean="0">
+                <a:solidFill>
+                  <a:srgbClr val="FF0000"/>
+                </a:solidFill>
+              </a:rPr>
+              <a:t>key in H</a:t>
+            </a:r>
+            <a:r>
+              <a:rPr lang="en-US" altLang="zh-CN" dirty="0" smtClean="0"/>
+              <a:t>, the corresponding value, i.e., all </a:t>
+            </a:r>
+            <a:r>
+              <a:rPr lang="en-US" altLang="zh-CN" dirty="0" smtClean="0">
+                <a:solidFill>
+                  <a:srgbClr val="FF0000"/>
+                </a:solidFill>
+              </a:rPr>
+              <a:t>assertions</a:t>
+            </a:r>
+            <a:r>
+              <a:rPr lang="en-US" altLang="zh-CN" dirty="0" smtClean="0"/>
+              <a:t> in A concerning the concept, is added to A</a:t>
+            </a:r>
+            <a:r>
+              <a:rPr lang="en-US" altLang="zh-CN" baseline="-25000" dirty="0" smtClean="0"/>
+              <a:t>x</a:t>
+            </a:r>
+            <a:r>
+              <a:rPr lang="en-US" altLang="zh-CN" dirty="0" smtClean="0"/>
+              <a:t> (Figure 4).</a:t>
+            </a:r>
+            <a:endParaRPr lang="zh-CN" altLang="en-US" dirty="0"/>
+          </a:p>
+        </p:txBody>
+      </p:sp>
+    </p:spTree>
+    <p:extLst>
+      <p:ext uri="{BB962C8B-B14F-4D97-AF65-F5344CB8AC3E}">
+        <p14:creationId xmlns:p14="http://schemas.microsoft.com/office/powerpoint/2010/main" val="3039941710"/>
+      </p:ext>
+    </p:extLst>
+  </p:cSld>
+  <p:clrMapOvr>
+    <a:masterClrMapping/>
+  </p:clrMapOvr>
+</p:sld>
+</file>
+
+<file path=ppt/slides/slide9.xml><?xml version="1.0" encoding="utf-8"?>
+<p:sld xmlns:a="http://schemas.openxmlformats.org/drawingml/2006/main" xmlns:r="http://schemas.openxmlformats.org/officeDocument/2006/relationships" xmlns:p="http://schemas.openxmlformats.org/presentationml/2006/main">
+  <p:cSld>
+    <p:spTree>
+      <p:nvGrpSpPr>
+        <p:cNvPr id="1" name=""/>
+        <p:cNvGrpSpPr/>
+        <p:nvPr/>
+      </p:nvGrpSpPr>
+      <p:grpSpPr>
+        <a:xfrm>
+          <a:off x="0" y="0"/>
+          <a:ext cx="0" cy="0"/>
+          <a:chOff x="0" y="0"/>
+          <a:chExt cx="0" cy="0"/>
+        </a:xfrm>
+      </p:grpSpPr>
+      <p:sp>
+        <p:nvSpPr>
+          <p:cNvPr id="2" name="标题 1"/>
+          <p:cNvSpPr>
+            <a:spLocks noGrp="1"/>
+          </p:cNvSpPr>
+          <p:nvPr>
+            <p:ph type="title"/>
+          </p:nvPr>
+        </p:nvSpPr>
+        <p:spPr/>
+        <p:txBody>
+          <a:bodyPr/>
+          <a:lstStyle/>
+          <a:p>
+            <a:r>
+              <a:rPr lang="en-US" altLang="zh-CN" dirty="0" smtClean="0"/>
+              <a:t>Model</a:t>
+            </a:r>
+            <a:endParaRPr lang="zh-CN" altLang="en-US" dirty="0"/>
+          </a:p>
+        </p:txBody>
+      </p:sp>
+      <p:pic>
+        <p:nvPicPr>
+          <p:cNvPr id="4" name="图片 3"/>
+          <p:cNvPicPr>
+            <a:picLocks noChangeAspect="1"/>
+          </p:cNvPicPr>
+          <p:nvPr/>
+        </p:nvPicPr>
+        <p:blipFill>
+          <a:blip r:embed="rId2"/>
+          <a:stretch>
+            <a:fillRect/>
+          </a:stretch>
+        </p:blipFill>
+        <p:spPr>
+          <a:xfrm>
+            <a:off x="2404233" y="365125"/>
+            <a:ext cx="9787768" cy="6492875"/>
+          </a:xfrm>
+          <a:prstGeom prst="rect">
+            <a:avLst/>
+          </a:prstGeom>
+        </p:spPr>
+      </p:pic>
+    </p:spTree>
+    <p:extLst>
+      <p:ext uri="{BB962C8B-B14F-4D97-AF65-F5344CB8AC3E}">
+        <p14:creationId xmlns:p14="http://schemas.microsoft.com/office/powerpoint/2010/main" val="3907497323"/>
       </p:ext>
     </p:extLst>
   </p:cSld>
